--- a/files/teaching-resources/concordiacollege-busn-301/busn-301-lecture-note/busn301-ch04.pptx
+++ b/files/teaching-resources/concordiacollege-busn-301/busn-301-lecture-note/busn301-ch04.pptx
@@ -15,8 +15,8 @@
     <p:sldId id="461" r:id="rId6"/>
     <p:sldId id="462" r:id="rId7"/>
     <p:sldId id="463" r:id="rId8"/>
-    <p:sldId id="464" r:id="rId9"/>
-    <p:sldId id="466" r:id="rId10"/>
+    <p:sldId id="492" r:id="rId9"/>
+    <p:sldId id="494" r:id="rId10"/>
     <p:sldId id="467" r:id="rId11"/>
     <p:sldId id="371" r:id="rId12"/>
     <p:sldId id="469" r:id="rId13"/>
@@ -242,7 +242,7 @@
           <a:p>
             <a:fld id="{2D359EC7-19C7-4638-A61A-0E2B59861576}" type="datetimeFigureOut">
               <a:rPr lang="en-US" smtClean="0"/>
-              <a:t>1/24/2026</a:t>
+              <a:t>1/26/2026</a:t>
             </a:fld>
             <a:endParaRPr lang="en-US"/>
           </a:p>
@@ -592,7 +592,7 @@
           <p:cNvPr id="5" name="TextBox 4">
             <a:extLst>
               <a:ext uri="{FF2B5EF4-FFF2-40B4-BE49-F238E27FC236}">
-                <a16:creationId xmlns:a16="http://schemas.microsoft.com/office/drawing/2014/main" id="{CF8F2AF6-B4D5-E51C-66DE-3C54A68A2EF8}"/>
+                <a16:creationId xmlns:a16="http://schemas.microsoft.com/office/drawing/2014/main" id="{0A7E15E0-9AE1-6BFE-0FE5-E8E7EF0453E5}"/>
               </a:ext>
             </a:extLst>
           </p:cNvPr>
@@ -622,7 +622,7 @@
     </p:spTree>
     <p:extLst>
       <p:ext uri="{BB962C8B-B14F-4D97-AF65-F5344CB8AC3E}">
-        <p14:creationId xmlns:p14="http://schemas.microsoft.com/office/powerpoint/2010/main" val="2214007668"/>
+        <p14:creationId xmlns:p14="http://schemas.microsoft.com/office/powerpoint/2010/main" val="92175457"/>
       </p:ext>
     </p:extLst>
   </p:cSld>
@@ -715,7 +715,7 @@
           <p:cNvPr id="5" name="TextBox 4">
             <a:extLst>
               <a:ext uri="{FF2B5EF4-FFF2-40B4-BE49-F238E27FC236}">
-                <a16:creationId xmlns:a16="http://schemas.microsoft.com/office/drawing/2014/main" id="{1E22EDCA-1F83-774F-742A-DB1A8AACA5B5}"/>
+                <a16:creationId xmlns:a16="http://schemas.microsoft.com/office/drawing/2014/main" id="{FFC01329-9B5F-1596-42F9-335879A89922}"/>
               </a:ext>
             </a:extLst>
           </p:cNvPr>
@@ -745,7 +745,7 @@
     </p:spTree>
     <p:extLst>
       <p:ext uri="{BB962C8B-B14F-4D97-AF65-F5344CB8AC3E}">
-        <p14:creationId xmlns:p14="http://schemas.microsoft.com/office/powerpoint/2010/main" val="2252292300"/>
+        <p14:creationId xmlns:p14="http://schemas.microsoft.com/office/powerpoint/2010/main" val="2603981465"/>
       </p:ext>
     </p:extLst>
   </p:cSld>
@@ -1426,7 +1426,7 @@
           <a:p>
             <a:fld id="{7968114D-31B9-4B78-9ACC-70FB90027BFD}" type="datetime1">
               <a:rPr lang="en-US" smtClean="0"/>
-              <a:t>1/24/2026</a:t>
+              <a:t>1/26/2026</a:t>
             </a:fld>
             <a:endParaRPr lang="en-US"/>
           </a:p>
@@ -1597,7 +1597,7 @@
           <a:p>
             <a:fld id="{873F4A91-75B0-4800-B4E2-20956DB94300}" type="datetime1">
               <a:rPr lang="en-US" smtClean="0"/>
-              <a:t>1/24/2026</a:t>
+              <a:t>1/26/2026</a:t>
             </a:fld>
             <a:endParaRPr lang="en-US"/>
           </a:p>
@@ -1778,7 +1778,7 @@
           <a:p>
             <a:fld id="{0F651350-1A97-42BE-B68B-7AD85E4EDCBF}" type="datetime1">
               <a:rPr lang="en-US" smtClean="0"/>
-              <a:t>1/24/2026</a:t>
+              <a:t>1/26/2026</a:t>
             </a:fld>
             <a:endParaRPr lang="en-US"/>
           </a:p>
@@ -1949,7 +1949,7 @@
           <a:p>
             <a:fld id="{CE41F65B-C187-4F2E-97E4-866F44D3FEC5}" type="datetime1">
               <a:rPr lang="en-US" smtClean="0"/>
-              <a:t>1/24/2026</a:t>
+              <a:t>1/26/2026</a:t>
             </a:fld>
             <a:endParaRPr lang="en-US"/>
           </a:p>
@@ -2197,7 +2197,7 @@
           <a:p>
             <a:fld id="{5B30CE8C-B3D2-4FED-8171-A22B1E84AA49}" type="datetime1">
               <a:rPr lang="en-US" smtClean="0"/>
-              <a:t>1/24/2026</a:t>
+              <a:t>1/26/2026</a:t>
             </a:fld>
             <a:endParaRPr lang="en-US"/>
           </a:p>
@@ -2485,7 +2485,7 @@
           <a:p>
             <a:fld id="{18787D79-C197-49E5-840E-62EF773E40EB}" type="datetime1">
               <a:rPr lang="en-US" smtClean="0"/>
-              <a:t>1/24/2026</a:t>
+              <a:t>1/26/2026</a:t>
             </a:fld>
             <a:endParaRPr lang="en-US"/>
           </a:p>
@@ -2907,7 +2907,7 @@
           <a:p>
             <a:fld id="{6AB4C717-ACD6-42B4-B4D2-A00897526083}" type="datetime1">
               <a:rPr lang="en-US" smtClean="0"/>
-              <a:t>1/24/2026</a:t>
+              <a:t>1/26/2026</a:t>
             </a:fld>
             <a:endParaRPr lang="en-US"/>
           </a:p>
@@ -3027,7 +3027,7 @@
           <a:p>
             <a:fld id="{35F0F010-C38E-44B3-A11D-B9CE0300A741}" type="datetime1">
               <a:rPr lang="en-US" smtClean="0"/>
-              <a:t>1/24/2026</a:t>
+              <a:t>1/26/2026</a:t>
             </a:fld>
             <a:endParaRPr lang="en-US"/>
           </a:p>
@@ -3125,7 +3125,7 @@
           <a:p>
             <a:fld id="{0E2442EE-45D9-4220-A88F-EE689B9875C3}" type="datetime1">
               <a:rPr lang="en-US" smtClean="0"/>
-              <a:t>1/24/2026</a:t>
+              <a:t>1/26/2026</a:t>
             </a:fld>
             <a:endParaRPr lang="en-US"/>
           </a:p>
@@ -3403,7 +3403,7 @@
           <a:p>
             <a:fld id="{D5FA1C2B-1683-45DB-88D6-369C6CB6AB24}" type="datetime1">
               <a:rPr lang="en-US" smtClean="0"/>
-              <a:t>1/24/2026</a:t>
+              <a:t>1/26/2026</a:t>
             </a:fld>
             <a:endParaRPr lang="en-US"/>
           </a:p>
@@ -3658,7 +3658,7 @@
           <a:p>
             <a:fld id="{DFFB611B-DC9D-42DB-B865-14DB93E316AF}" type="datetime1">
               <a:rPr lang="en-US" smtClean="0"/>
-              <a:t>1/24/2026</a:t>
+              <a:t>1/26/2026</a:t>
             </a:fld>
             <a:endParaRPr lang="en-US"/>
           </a:p>
@@ -3872,7 +3872,7 @@
           <a:p>
             <a:fld id="{A3B8D4B9-4EE2-4C3D-B367-BE7622E78789}" type="datetime1">
               <a:rPr lang="en-US" smtClean="0"/>
-              <a:t>1/24/2026</a:t>
+              <a:t>1/26/2026</a:t>
             </a:fld>
             <a:endParaRPr lang="en-US"/>
           </a:p>
@@ -4869,8 +4869,62 @@
                 </a:pPr>
                 <a:r>
                   <a:rPr lang="en-US" altLang="zh-TW" sz="2400" dirty="0"/>
-                  <a:t>However, most well-behaved preference relations can be represented by a utility function.</a:t>
+                  <a:t>In fact, a preference relation has utility function representation only if the preference relation is rational.</a:t>
                 </a:r>
+              </a:p>
+              <a:p>
+                <a:pPr lvl="3">
+                  <a:lnSpc>
+                    <a:spcPct val="95000"/>
+                  </a:lnSpc>
+                  <a:spcBef>
+                    <a:spcPts val="1000"/>
+                  </a:spcBef>
+                  <a:defRPr sz="2000">
+                    <a:solidFill>
+                      <a:srgbClr val="000000"/>
+                    </a:solidFill>
+                    <a:latin typeface="Garamond"/>
+                  </a:defRPr>
+                </a:pPr>
+                <a:endParaRPr lang="en-US" altLang="zh-TW" sz="1200" dirty="0"/>
+              </a:p>
+              <a:p>
+                <a:pPr>
+                  <a:lnSpc>
+                    <a:spcPct val="95000"/>
+                  </a:lnSpc>
+                  <a:spcBef>
+                    <a:spcPts val="1000"/>
+                  </a:spcBef>
+                  <a:defRPr sz="2000">
+                    <a:solidFill>
+                      <a:srgbClr val="000000"/>
+                    </a:solidFill>
+                    <a:latin typeface="Garamond"/>
+                  </a:defRPr>
+                </a:pPr>
+                <a:r>
+                  <a:rPr lang="en-US" altLang="zh-TW" sz="2400" dirty="0"/>
+                  <a:t>Most well-behaved preference relations can be represented by a utility function.</a:t>
+                </a:r>
+              </a:p>
+              <a:p>
+                <a:pPr>
+                  <a:lnSpc>
+                    <a:spcPct val="95000"/>
+                  </a:lnSpc>
+                  <a:spcBef>
+                    <a:spcPts val="1000"/>
+                  </a:spcBef>
+                  <a:defRPr sz="2000">
+                    <a:solidFill>
+                      <a:srgbClr val="000000"/>
+                    </a:solidFill>
+                    <a:latin typeface="Garamond"/>
+                  </a:defRPr>
+                </a:pPr>
+                <a:endParaRPr lang="en-US" altLang="zh-TW" sz="2400" dirty="0"/>
               </a:p>
             </p:txBody>
           </p:sp>
@@ -5453,6 +5507,67 @@
                                           <p:spTgt spid="3">
                                             <p:txEl>
                                               <p:pRg st="6" end="6"/>
+                                            </p:txEl>
+                                          </p:spTgt>
+                                        </p:tgtEl>
+                                      </p:cBhvr>
+                                    </p:animEffect>
+                                  </p:childTnLst>
+                                </p:cTn>
+                              </p:par>
+                            </p:childTnLst>
+                          </p:cTn>
+                        </p:par>
+                      </p:childTnLst>
+                    </p:cTn>
+                  </p:par>
+                  <p:par>
+                    <p:cTn id="25" fill="hold">
+                      <p:stCondLst>
+                        <p:cond delay="indefinite"/>
+                      </p:stCondLst>
+                      <p:childTnLst>
+                        <p:par>
+                          <p:cTn id="26" fill="hold">
+                            <p:stCondLst>
+                              <p:cond delay="0"/>
+                            </p:stCondLst>
+                            <p:childTnLst>
+                              <p:par>
+                                <p:cTn id="27" presetID="10" presetClass="entr" presetSubtype="0" fill="hold" nodeType="clickEffect">
+                                  <p:stCondLst>
+                                    <p:cond delay="0"/>
+                                  </p:stCondLst>
+                                  <p:childTnLst>
+                                    <p:set>
+                                      <p:cBhvr>
+                                        <p:cTn id="28" dur="1" fill="hold">
+                                          <p:stCondLst>
+                                            <p:cond delay="0"/>
+                                          </p:stCondLst>
+                                        </p:cTn>
+                                        <p:tgtEl>
+                                          <p:spTgt spid="3">
+                                            <p:txEl>
+                                              <p:pRg st="8" end="8"/>
+                                            </p:txEl>
+                                          </p:spTgt>
+                                        </p:tgtEl>
+                                        <p:attrNameLst>
+                                          <p:attrName>style.visibility</p:attrName>
+                                        </p:attrNameLst>
+                                      </p:cBhvr>
+                                      <p:to>
+                                        <p:strVal val="visible"/>
+                                      </p:to>
+                                    </p:set>
+                                    <p:animEffect transition="in" filter="fade">
+                                      <p:cBhvr>
+                                        <p:cTn id="29" dur="500"/>
+                                        <p:tgtEl>
+                                          <p:spTgt spid="3">
+                                            <p:txEl>
+                                              <p:pRg st="8" end="8"/>
                                             </p:txEl>
                                           </p:spTgt>
                                         </p:tgtEl>
@@ -8834,6 +8949,12 @@
                         </m:sSubPr>
                         <m:e>
                           <m:r>
+                            <a:rPr lang="en-US" altLang="zh-TW" sz="2400" b="0" i="1" smtClean="0">
+                              <a:latin typeface="Cambria Math" panose="02040503050406030204" pitchFamily="18" charset="0"/>
+                            </a:rPr>
+                            <m:t>2</m:t>
+                          </m:r>
+                          <m:r>
                             <a:rPr lang="en-US" altLang="zh-TW" sz="2400" i="1">
                               <a:latin typeface="Cambria Math" panose="02040503050406030204" pitchFamily="18" charset="0"/>
                             </a:rPr>
@@ -8864,12 +8985,6 @@
                           </m:ctrlPr>
                         </m:sSubPr>
                         <m:e>
-                          <m:r>
-                            <a:rPr lang="en-US" altLang="zh-TW" sz="2400" b="0" i="1" smtClean="0">
-                              <a:latin typeface="Cambria Math" panose="02040503050406030204" pitchFamily="18" charset="0"/>
-                            </a:rPr>
-                            <m:t>2</m:t>
-                          </m:r>
                           <m:r>
                             <a:rPr lang="en-US" altLang="zh-TW" sz="2400" i="1">
                               <a:latin typeface="Cambria Math" panose="02040503050406030204" pitchFamily="18" charset="0"/>
@@ -8965,40 +9080,7 @@
                 </a:pPr>
                 <a:r>
                   <a:rPr lang="en-US" altLang="zh-TW" sz="2000" dirty="0"/>
-                  <a:t>A common mistake is to think the coefficient 2 should multiply </a:t>
-                </a:r>
-                <a14:m>
-                  <m:oMath xmlns:m="http://schemas.openxmlformats.org/officeDocument/2006/math">
-                    <m:sSub>
-                      <m:sSubPr>
-                        <m:ctrlPr>
-                          <a:rPr lang="en-US" altLang="zh-TW" sz="2000" b="0" i="1" smtClean="0">
-                            <a:latin typeface="Cambria Math" panose="02040503050406030204" pitchFamily="18" charset="0"/>
-                          </a:rPr>
-                        </m:ctrlPr>
-                      </m:sSubPr>
-                      <m:e>
-                        <m:r>
-                          <a:rPr lang="en-US" altLang="zh-TW" sz="2000" b="0" i="1" smtClean="0">
-                            <a:latin typeface="Cambria Math" panose="02040503050406030204" pitchFamily="18" charset="0"/>
-                          </a:rPr>
-                          <m:t>𝑥</m:t>
-                        </m:r>
-                      </m:e>
-                      <m:sub>
-                        <m:r>
-                          <a:rPr lang="en-US" altLang="zh-TW" sz="2000" b="0" i="1" smtClean="0">
-                            <a:latin typeface="Cambria Math" panose="02040503050406030204" pitchFamily="18" charset="0"/>
-                          </a:rPr>
-                          <m:t>1</m:t>
-                        </m:r>
-                      </m:sub>
-                    </m:sSub>
-                  </m:oMath>
-                </a14:m>
-                <a:r>
-                  <a:rPr lang="en-US" altLang="zh-TW" sz="2000" dirty="0"/>
-                  <a:t>.</a:t>
+                  <a:t>The coefficient reflects that a single bottle of Walgreens is equivalent to two CVS bottles in terms of “utility”.</a:t>
                 </a:r>
               </a:p>
               <a:p>
@@ -9016,10 +9098,7 @@
                     <a:latin typeface="Garamond"/>
                   </a:defRPr>
                 </a:pPr>
-                <a:r>
-                  <a:rPr lang="en-US" altLang="zh-TW" sz="2000" dirty="0"/>
-                  <a:t>Instead, the coefficient reflects that one Walgreens bottle is equivalent to two CVS bottles in terms of utility.</a:t>
-                </a:r>
+                <a:endParaRPr lang="en-US" altLang="zh-TW" sz="2000" dirty="0"/>
               </a:p>
             </p:txBody>
           </p:sp>
@@ -9049,7 +9128,7 @@
               <a:blipFill>
                 <a:blip r:embed="rId2"/>
                 <a:stretch>
-                  <a:fillRect l="-1171" t="-1319" r="-1802"/>
+                  <a:fillRect l="-1171" t="-1319" r="-541"/>
                 </a:stretch>
               </a:blipFill>
             </p:spPr>
@@ -9420,11 +9499,7 @@
                                           </p:stCondLst>
                                         </p:cTn>
                                         <p:tgtEl>
-                                          <p:spTgt spid="3">
-                                            <p:txEl>
-                                              <p:pRg st="2" end="2"/>
-                                            </p:txEl>
-                                          </p:spTgt>
+                                          <p:spTgt spid="9"/>
                                         </p:tgtEl>
                                         <p:attrNameLst>
                                           <p:attrName>style.visibility</p:attrName>
@@ -9438,11 +9513,7 @@
                                       <p:cBhvr>
                                         <p:cTn id="10" dur="500"/>
                                         <p:tgtEl>
-                                          <p:spTgt spid="3">
-                                            <p:txEl>
-                                              <p:pRg st="2" end="2"/>
-                                            </p:txEl>
-                                          </p:spTgt>
+                                          <p:spTgt spid="9"/>
                                         </p:tgtEl>
                                       </p:cBhvr>
                                     </p:animEffect>
@@ -9463,7 +9534,11 @@
                                           </p:stCondLst>
                                         </p:cTn>
                                         <p:tgtEl>
-                                          <p:spTgt spid="9"/>
+                                          <p:spTgt spid="3">
+                                            <p:txEl>
+                                              <p:pRg st="2" end="2"/>
+                                            </p:txEl>
+                                          </p:spTgt>
                                         </p:tgtEl>
                                         <p:attrNameLst>
                                           <p:attrName>style.visibility</p:attrName>
@@ -9477,7 +9552,11 @@
                                       <p:cBhvr>
                                         <p:cTn id="13" dur="500"/>
                                         <p:tgtEl>
-                                          <p:spTgt spid="9"/>
+                                          <p:spTgt spid="3">
+                                            <p:txEl>
+                                              <p:pRg st="2" end="2"/>
+                                            </p:txEl>
+                                          </p:spTgt>
                                         </p:tgtEl>
                                       </p:cBhvr>
                                     </p:animEffect>
@@ -9659,67 +9738,6 @@
                                           <p:spTgt spid="3">
                                             <p:txEl>
                                               <p:pRg st="6" end="6"/>
-                                            </p:txEl>
-                                          </p:spTgt>
-                                        </p:tgtEl>
-                                      </p:cBhvr>
-                                    </p:animEffect>
-                                  </p:childTnLst>
-                                </p:cTn>
-                              </p:par>
-                            </p:childTnLst>
-                          </p:cTn>
-                        </p:par>
-                      </p:childTnLst>
-                    </p:cTn>
-                  </p:par>
-                  <p:par>
-                    <p:cTn id="29" fill="hold">
-                      <p:stCondLst>
-                        <p:cond delay="indefinite"/>
-                      </p:stCondLst>
-                      <p:childTnLst>
-                        <p:par>
-                          <p:cTn id="30" fill="hold">
-                            <p:stCondLst>
-                              <p:cond delay="0"/>
-                            </p:stCondLst>
-                            <p:childTnLst>
-                              <p:par>
-                                <p:cTn id="31" presetID="10" presetClass="entr" presetSubtype="0" fill="hold" nodeType="clickEffect">
-                                  <p:stCondLst>
-                                    <p:cond delay="0"/>
-                                  </p:stCondLst>
-                                  <p:childTnLst>
-                                    <p:set>
-                                      <p:cBhvr>
-                                        <p:cTn id="32" dur="1" fill="hold">
-                                          <p:stCondLst>
-                                            <p:cond delay="0"/>
-                                          </p:stCondLst>
-                                        </p:cTn>
-                                        <p:tgtEl>
-                                          <p:spTgt spid="3">
-                                            <p:txEl>
-                                              <p:pRg st="7" end="7"/>
-                                            </p:txEl>
-                                          </p:spTgt>
-                                        </p:tgtEl>
-                                        <p:attrNameLst>
-                                          <p:attrName>style.visibility</p:attrName>
-                                        </p:attrNameLst>
-                                      </p:cBhvr>
-                                      <p:to>
-                                        <p:strVal val="visible"/>
-                                      </p:to>
-                                    </p:set>
-                                    <p:animEffect transition="in" filter="fade">
-                                      <p:cBhvr>
-                                        <p:cTn id="33" dur="500"/>
-                                        <p:tgtEl>
-                                          <p:spTgt spid="3">
-                                            <p:txEl>
-                                              <p:pRg st="7" end="7"/>
                                             </p:txEl>
                                           </p:spTgt>
                                         </p:tgtEl>
@@ -16753,8 +16771,8 @@
           <a:chExt cx="0" cy="0"/>
         </a:xfrm>
       </p:grpSpPr>
-      <mc:AlternateContent xmlns:mc="http://schemas.openxmlformats.org/markup-compatibility/2006" xmlns:a14="http://schemas.microsoft.com/office/drawing/2010/main">
-        <mc:Choice Requires="a14">
+      <mc:AlternateContent xmlns:mc="http://schemas.openxmlformats.org/markup-compatibility/2006">
+        <mc:Choice xmlns:a14="http://schemas.microsoft.com/office/drawing/2010/main" Requires="a14">
           <p:sp>
             <p:nvSpPr>
               <p:cNvPr id="3" name="Content Placeholder 2">
@@ -17587,7 +17605,7 @@
                     <m:sSubSup>
                       <m:sSubSupPr>
                         <m:ctrlPr>
-                          <a:rPr lang="en-US" altLang="zh-TW" sz="2400" i="1">
+                          <a:rPr lang="en-US" altLang="zh-TW" sz="2400" i="1" smtClean="0">
                             <a:latin typeface="Cambria Math" panose="02040503050406030204" pitchFamily="18" charset="0"/>
                           </a:rPr>
                         </m:ctrlPr>
@@ -17610,10 +17628,10 @@
                       </m:sub>
                       <m:sup>
                         <m:r>
-                          <a:rPr lang="en-US" altLang="zh-TW" sz="2400" b="0" i="1" smtClean="0">
+                          <a:rPr lang="en-US" altLang="zh-TW" sz="2400" i="1">
                             <a:latin typeface="Cambria Math" panose="02040503050406030204" pitchFamily="18" charset="0"/>
                           </a:rPr>
-                          <m:t>𝑎</m:t>
+                          <m:t>𝛼</m:t>
                         </m:r>
                       </m:sup>
                     </m:sSubSup>
@@ -17649,10 +17667,10 @@
                           <m:t>1−</m:t>
                         </m:r>
                         <m:r>
-                          <a:rPr lang="en-US" altLang="zh-TW" sz="2400" b="0" i="1" smtClean="0">
+                          <a:rPr lang="en-US" altLang="zh-TW" sz="2400" i="1">
                             <a:latin typeface="Cambria Math" panose="02040503050406030204" pitchFamily="18" charset="0"/>
                           </a:rPr>
-                          <m:t>𝑎</m:t>
+                          <m:t>𝛼</m:t>
                         </m:r>
                       </m:sup>
                     </m:sSubSup>
@@ -17666,7 +17684,7 @@
                       <a:rPr lang="en-US" altLang="zh-TW" sz="2400" b="0" i="1" smtClean="0">
                         <a:latin typeface="Cambria Math" panose="02040503050406030204" pitchFamily="18" charset="0"/>
                       </a:rPr>
-                      <m:t>𝑎</m:t>
+                      <m:t>𝛼</m:t>
                     </m:r>
                     <m:r>
                       <a:rPr lang="en-US" altLang="zh-TW" sz="2400" b="0" i="1" smtClean="0">
@@ -17775,10 +17793,10 @@
                 <a14:m>
                   <m:oMath xmlns:m="http://schemas.openxmlformats.org/officeDocument/2006/math">
                     <m:r>
-                      <a:rPr lang="en-US" altLang="zh-TW" sz="2000" i="1" dirty="0" smtClean="0">
+                      <a:rPr lang="en-US" altLang="zh-TW" sz="2000" i="1">
                         <a:latin typeface="Cambria Math" panose="02040503050406030204" pitchFamily="18" charset="0"/>
                       </a:rPr>
-                      <m:t>𝑎</m:t>
+                      <m:t>𝛼</m:t>
                     </m:r>
                   </m:oMath>
                 </a14:m>
@@ -17810,7 +17828,7 @@
             </p:txBody>
           </p:sp>
         </mc:Choice>
-        <mc:Fallback xmlns="">
+        <mc:Fallback>
           <p:sp>
             <p:nvSpPr>
               <p:cNvPr id="3" name="Content Placeholder 2">
@@ -28112,8 +28130,8 @@
           <a:chExt cx="0" cy="0"/>
         </a:xfrm>
       </p:grpSpPr>
-      <mc:AlternateContent xmlns:mc="http://schemas.openxmlformats.org/markup-compatibility/2006">
-        <mc:Choice xmlns:a14="http://schemas.microsoft.com/office/drawing/2010/main" Requires="a14">
+      <mc:AlternateContent xmlns:mc="http://schemas.openxmlformats.org/markup-compatibility/2006" xmlns:a14="http://schemas.microsoft.com/office/drawing/2010/main">
+        <mc:Choice Requires="a14">
           <p:sp>
             <p:nvSpPr>
               <p:cNvPr id="3" name="Content Placeholder 2">
@@ -28446,7 +28464,7 @@
             </p:txBody>
           </p:sp>
         </mc:Choice>
-        <mc:Fallback>
+        <mc:Fallback xmlns="">
           <p:sp>
             <p:nvSpPr>
               <p:cNvPr id="3" name="Content Placeholder 2">
@@ -29230,8 +29248,8 @@
           <a:chExt cx="0" cy="0"/>
         </a:xfrm>
       </p:grpSpPr>
-      <mc:AlternateContent xmlns:mc="http://schemas.openxmlformats.org/markup-compatibility/2006">
-        <mc:Choice xmlns:a14="http://schemas.microsoft.com/office/drawing/2010/main" Requires="a14">
+      <mc:AlternateContent xmlns:mc="http://schemas.openxmlformats.org/markup-compatibility/2006" xmlns:a14="http://schemas.microsoft.com/office/drawing/2010/main">
+        <mc:Choice Requires="a14">
           <p:sp>
             <p:nvSpPr>
               <p:cNvPr id="3" name="Content Placeholder 2">
@@ -29519,7 +29537,7 @@
             </p:txBody>
           </p:sp>
         </mc:Choice>
-        <mc:Fallback>
+        <mc:Fallback xmlns="">
           <p:sp>
             <p:nvSpPr>
               <p:cNvPr id="3" name="Content Placeholder 2">
@@ -29958,15 +29976,33 @@
                                   </p:childTnLst>
                                 </p:cTn>
                               </p:par>
+                            </p:childTnLst>
+                          </p:cTn>
+                        </p:par>
+                      </p:childTnLst>
+                    </p:cTn>
+                  </p:par>
+                  <p:par>
+                    <p:cTn id="14" fill="hold">
+                      <p:stCondLst>
+                        <p:cond delay="indefinite"/>
+                      </p:stCondLst>
+                      <p:childTnLst>
+                        <p:par>
+                          <p:cTn id="15" fill="hold">
+                            <p:stCondLst>
+                              <p:cond delay="0"/>
+                            </p:stCondLst>
+                            <p:childTnLst>
                               <p:par>
-                                <p:cTn id="14" presetID="10" presetClass="entr" presetSubtype="0" fill="hold" nodeType="withEffect">
+                                <p:cTn id="16" presetID="10" presetClass="entr" presetSubtype="0" fill="hold" nodeType="clickEffect">
                                   <p:stCondLst>
                                     <p:cond delay="0"/>
                                   </p:stCondLst>
                                   <p:childTnLst>
                                     <p:set>
                                       <p:cBhvr>
-                                        <p:cTn id="15" dur="1" fill="hold">
+                                        <p:cTn id="17" dur="1" fill="hold">
                                           <p:stCondLst>
                                             <p:cond delay="0"/>
                                           </p:stCondLst>
@@ -29988,7 +30024,7 @@
                                     </p:set>
                                     <p:animEffect transition="in" filter="fade">
                                       <p:cBhvr>
-                                        <p:cTn id="16" dur="500"/>
+                                        <p:cTn id="18" dur="500"/>
                                         <p:tgtEl>
                                           <p:spTgt spid="3">
                                             <p:txEl>
@@ -30001,15 +30037,33 @@
                                   </p:childTnLst>
                                 </p:cTn>
                               </p:par>
+                            </p:childTnLst>
+                          </p:cTn>
+                        </p:par>
+                      </p:childTnLst>
+                    </p:cTn>
+                  </p:par>
+                  <p:par>
+                    <p:cTn id="19" fill="hold">
+                      <p:stCondLst>
+                        <p:cond delay="indefinite"/>
+                      </p:stCondLst>
+                      <p:childTnLst>
+                        <p:par>
+                          <p:cTn id="20" fill="hold">
+                            <p:stCondLst>
+                              <p:cond delay="0"/>
+                            </p:stCondLst>
+                            <p:childTnLst>
                               <p:par>
-                                <p:cTn id="17" presetID="10" presetClass="entr" presetSubtype="0" fill="hold" nodeType="withEffect">
+                                <p:cTn id="21" presetID="10" presetClass="entr" presetSubtype="0" fill="hold" nodeType="clickEffect">
                                   <p:stCondLst>
                                     <p:cond delay="0"/>
                                   </p:stCondLst>
                                   <p:childTnLst>
                                     <p:set>
                                       <p:cBhvr>
-                                        <p:cTn id="18" dur="1" fill="hold">
+                                        <p:cTn id="22" dur="1" fill="hold">
                                           <p:stCondLst>
                                             <p:cond delay="0"/>
                                           </p:stCondLst>
@@ -30031,7 +30085,7 @@
                                     </p:set>
                                     <p:animEffect transition="in" filter="fade">
                                       <p:cBhvr>
-                                        <p:cTn id="19" dur="500"/>
+                                        <p:cTn id="23" dur="500"/>
                                         <p:tgtEl>
                                           <p:spTgt spid="3">
                                             <p:txEl>
@@ -30045,14 +30099,14 @@
                                 </p:cTn>
                               </p:par>
                               <p:par>
-                                <p:cTn id="20" presetID="10" presetClass="entr" presetSubtype="0" fill="hold" nodeType="withEffect">
+                                <p:cTn id="24" presetID="10" presetClass="entr" presetSubtype="0" fill="hold" nodeType="withEffect">
                                   <p:stCondLst>
                                     <p:cond delay="0"/>
                                   </p:stCondLst>
                                   <p:childTnLst>
                                     <p:set>
                                       <p:cBhvr>
-                                        <p:cTn id="21" dur="1" fill="hold">
+                                        <p:cTn id="25" dur="1" fill="hold">
                                           <p:stCondLst>
                                             <p:cond delay="0"/>
                                           </p:stCondLst>
@@ -30074,7 +30128,7 @@
                                     </p:set>
                                     <p:animEffect transition="in" filter="fade">
                                       <p:cBhvr>
-                                        <p:cTn id="22" dur="500"/>
+                                        <p:cTn id="26" dur="500"/>
                                         <p:tgtEl>
                                           <p:spTgt spid="3">
                                             <p:txEl>
@@ -30088,14 +30142,14 @@
                                 </p:cTn>
                               </p:par>
                               <p:par>
-                                <p:cTn id="23" presetID="10" presetClass="entr" presetSubtype="0" fill="hold" nodeType="withEffect">
+                                <p:cTn id="27" presetID="10" presetClass="entr" presetSubtype="0" fill="hold" nodeType="withEffect">
                                   <p:stCondLst>
                                     <p:cond delay="0"/>
                                   </p:stCondLst>
                                   <p:childTnLst>
                                     <p:set>
                                       <p:cBhvr>
-                                        <p:cTn id="24" dur="1" fill="hold">
+                                        <p:cTn id="28" dur="1" fill="hold">
                                           <p:stCondLst>
                                             <p:cond delay="0"/>
                                           </p:stCondLst>
@@ -30117,7 +30171,7 @@
                                     </p:set>
                                     <p:animEffect transition="in" filter="fade">
                                       <p:cBhvr>
-                                        <p:cTn id="25" dur="500"/>
+                                        <p:cTn id="29" dur="500"/>
                                         <p:tgtEl>
                                           <p:spTgt spid="3">
                                             <p:txEl>
@@ -30131,14 +30185,14 @@
                                 </p:cTn>
                               </p:par>
                               <p:par>
-                                <p:cTn id="26" presetID="10" presetClass="entr" presetSubtype="0" fill="hold" nodeType="withEffect">
+                                <p:cTn id="30" presetID="10" presetClass="entr" presetSubtype="0" fill="hold" nodeType="withEffect">
                                   <p:stCondLst>
                                     <p:cond delay="0"/>
                                   </p:stCondLst>
                                   <p:childTnLst>
                                     <p:set>
                                       <p:cBhvr>
-                                        <p:cTn id="27" dur="1" fill="hold">
+                                        <p:cTn id="31" dur="1" fill="hold">
                                           <p:stCondLst>
                                             <p:cond delay="0"/>
                                           </p:stCondLst>
@@ -30160,7 +30214,7 @@
                                     </p:set>
                                     <p:animEffect transition="in" filter="fade">
                                       <p:cBhvr>
-                                        <p:cTn id="28" dur="500"/>
+                                        <p:cTn id="32" dur="500"/>
                                         <p:tgtEl>
                                           <p:spTgt spid="3">
                                             <p:txEl>
@@ -37437,15 +37491,33 @@
                                   </p:childTnLst>
                                 </p:cTn>
                               </p:par>
+                            </p:childTnLst>
+                          </p:cTn>
+                        </p:par>
+                      </p:childTnLst>
+                    </p:cTn>
+                  </p:par>
+                  <p:par>
+                    <p:cTn id="17" fill="hold">
+                      <p:stCondLst>
+                        <p:cond delay="indefinite"/>
+                      </p:stCondLst>
+                      <p:childTnLst>
+                        <p:par>
+                          <p:cTn id="18" fill="hold">
+                            <p:stCondLst>
+                              <p:cond delay="0"/>
+                            </p:stCondLst>
+                            <p:childTnLst>
                               <p:par>
-                                <p:cTn id="17" presetID="10" presetClass="entr" presetSubtype="0" fill="hold" nodeType="withEffect">
+                                <p:cTn id="19" presetID="10" presetClass="entr" presetSubtype="0" fill="hold" nodeType="clickEffect">
                                   <p:stCondLst>
                                     <p:cond delay="0"/>
                                   </p:stCondLst>
                                   <p:childTnLst>
                                     <p:set>
                                       <p:cBhvr>
-                                        <p:cTn id="18" dur="1" fill="hold">
+                                        <p:cTn id="20" dur="1" fill="hold">
                                           <p:stCondLst>
                                             <p:cond delay="0"/>
                                           </p:stCondLst>
@@ -37467,7 +37539,7 @@
                                     </p:set>
                                     <p:animEffect transition="in" filter="fade">
                                       <p:cBhvr>
-                                        <p:cTn id="19" dur="500"/>
+                                        <p:cTn id="21" dur="500"/>
                                         <p:tgtEl>
                                           <p:spTgt spid="3">
                                             <p:txEl>
@@ -37481,14 +37553,14 @@
                                 </p:cTn>
                               </p:par>
                               <p:par>
-                                <p:cTn id="20" presetID="10" presetClass="entr" presetSubtype="0" fill="hold" nodeType="withEffect">
+                                <p:cTn id="22" presetID="10" presetClass="entr" presetSubtype="0" fill="hold" nodeType="withEffect">
                                   <p:stCondLst>
                                     <p:cond delay="0"/>
                                   </p:stCondLst>
                                   <p:childTnLst>
                                     <p:set>
                                       <p:cBhvr>
-                                        <p:cTn id="21" dur="1" fill="hold">
+                                        <p:cTn id="23" dur="1" fill="hold">
                                           <p:stCondLst>
                                             <p:cond delay="0"/>
                                           </p:stCondLst>
@@ -37510,7 +37582,7 @@
                                     </p:set>
                                     <p:animEffect transition="in" filter="fade">
                                       <p:cBhvr>
-                                        <p:cTn id="22" dur="500"/>
+                                        <p:cTn id="24" dur="500"/>
                                         <p:tgtEl>
                                           <p:spTgt spid="3">
                                             <p:txEl>
@@ -37524,14 +37596,14 @@
                                 </p:cTn>
                               </p:par>
                               <p:par>
-                                <p:cTn id="23" presetID="10" presetClass="entr" presetSubtype="0" fill="hold" nodeType="withEffect">
+                                <p:cTn id="25" presetID="10" presetClass="entr" presetSubtype="0" fill="hold" nodeType="withEffect">
                                   <p:stCondLst>
                                     <p:cond delay="0"/>
                                   </p:stCondLst>
                                   <p:childTnLst>
                                     <p:set>
                                       <p:cBhvr>
-                                        <p:cTn id="24" dur="1" fill="hold">
+                                        <p:cTn id="26" dur="1" fill="hold">
                                           <p:stCondLst>
                                             <p:cond delay="0"/>
                                           </p:stCondLst>
@@ -37553,7 +37625,7 @@
                                     </p:set>
                                     <p:animEffect transition="in" filter="fade">
                                       <p:cBhvr>
-                                        <p:cTn id="25" dur="500"/>
+                                        <p:cTn id="27" dur="500"/>
                                         <p:tgtEl>
                                           <p:spTgt spid="3">
                                             <p:txEl>
@@ -37567,14 +37639,14 @@
                                 </p:cTn>
                               </p:par>
                               <p:par>
-                                <p:cTn id="26" presetID="10" presetClass="entr" presetSubtype="0" fill="hold" nodeType="withEffect">
+                                <p:cTn id="28" presetID="10" presetClass="entr" presetSubtype="0" fill="hold" nodeType="withEffect">
                                   <p:stCondLst>
                                     <p:cond delay="0"/>
                                   </p:stCondLst>
                                   <p:childTnLst>
                                     <p:set>
                                       <p:cBhvr>
-                                        <p:cTn id="27" dur="1" fill="hold">
+                                        <p:cTn id="29" dur="1" fill="hold">
                                           <p:stCondLst>
                                             <p:cond delay="0"/>
                                           </p:stCondLst>
@@ -37596,7 +37668,7 @@
                                     </p:set>
                                     <p:animEffect transition="in" filter="fade">
                                       <p:cBhvr>
-                                        <p:cTn id="28" dur="500"/>
+                                        <p:cTn id="30" dur="500"/>
                                         <p:tgtEl>
                                           <p:spTgt spid="3">
                                             <p:txEl>
@@ -37609,15 +37681,33 @@
                                   </p:childTnLst>
                                 </p:cTn>
                               </p:par>
+                            </p:childTnLst>
+                          </p:cTn>
+                        </p:par>
+                      </p:childTnLst>
+                    </p:cTn>
+                  </p:par>
+                  <p:par>
+                    <p:cTn id="31" fill="hold">
+                      <p:stCondLst>
+                        <p:cond delay="indefinite"/>
+                      </p:stCondLst>
+                      <p:childTnLst>
+                        <p:par>
+                          <p:cTn id="32" fill="hold">
+                            <p:stCondLst>
+                              <p:cond delay="0"/>
+                            </p:stCondLst>
+                            <p:childTnLst>
                               <p:par>
-                                <p:cTn id="29" presetID="10" presetClass="entr" presetSubtype="0" fill="hold" nodeType="withEffect">
+                                <p:cTn id="33" presetID="10" presetClass="entr" presetSubtype="0" fill="hold" nodeType="clickEffect">
                                   <p:stCondLst>
                                     <p:cond delay="0"/>
                                   </p:stCondLst>
                                   <p:childTnLst>
                                     <p:set>
                                       <p:cBhvr>
-                                        <p:cTn id="30" dur="1" fill="hold">
+                                        <p:cTn id="34" dur="1" fill="hold">
                                           <p:stCondLst>
                                             <p:cond delay="0"/>
                                           </p:stCondLst>
@@ -37639,7 +37729,7 @@
                                     </p:set>
                                     <p:animEffect transition="in" filter="fade">
                                       <p:cBhvr>
-                                        <p:cTn id="31" dur="500"/>
+                                        <p:cTn id="35" dur="500"/>
                                         <p:tgtEl>
                                           <p:spTgt spid="3">
                                             <p:txEl>
@@ -37705,7 +37795,7 @@
           <p:cNvPr id="2" name="Title 1">
             <a:extLst>
               <a:ext uri="{FF2B5EF4-FFF2-40B4-BE49-F238E27FC236}">
-                <a16:creationId xmlns:a16="http://schemas.microsoft.com/office/drawing/2014/main" id="{325EA070-44B6-302E-E3A3-7B2320165BA7}"/>
+                <a16:creationId xmlns:a16="http://schemas.microsoft.com/office/drawing/2014/main" id="{79CC62BF-2438-51D4-75D6-036A1E43A1C3}"/>
               </a:ext>
             </a:extLst>
           </p:cNvPr>
@@ -37743,7 +37833,7 @@
           <p:cNvPr id="3" name="Footer Placeholder 2" descr="Poll Everywhere multiple choice poll instructions screen&#10;Activity Title: Suppose that a consumer's preference relation is non-transitive. Can we find a utility function representation of this consumer's preference relation?">
             <a:extLst>
               <a:ext uri="{FF2B5EF4-FFF2-40B4-BE49-F238E27FC236}">
-                <a16:creationId xmlns:a16="http://schemas.microsoft.com/office/drawing/2014/main" id="{0A641CA9-F9B1-E531-CBED-1D95F9900795}"/>
+                <a16:creationId xmlns:a16="http://schemas.microsoft.com/office/drawing/2014/main" id="{C29EB00E-712B-7501-CA01-23D30F319281}"/>
               </a:ext>
             </a:extLst>
           </p:cNvPr>
@@ -37771,7 +37861,7 @@
           <p:cNvPr id="4" name="Slide Number Placeholder 3">
             <a:extLst>
               <a:ext uri="{FF2B5EF4-FFF2-40B4-BE49-F238E27FC236}">
-                <a16:creationId xmlns:a16="http://schemas.microsoft.com/office/drawing/2014/main" id="{7981D58C-C2D5-0FC3-54DA-FD5ADE1E0358}"/>
+                <a16:creationId xmlns:a16="http://schemas.microsoft.com/office/drawing/2014/main" id="{1B46D2D7-E2D5-A7FE-2D74-08CFA161D3D6}"/>
               </a:ext>
             </a:extLst>
           </p:cNvPr>
@@ -37800,7 +37890,7 @@
           <p:cNvPr id="6" name="Picture 5">
             <a:extLst>
               <a:ext uri="{FF2B5EF4-FFF2-40B4-BE49-F238E27FC236}">
-                <a16:creationId xmlns:a16="http://schemas.microsoft.com/office/drawing/2014/main" id="{1A83A304-CF7F-7F30-FBC8-0F939A7D382B}"/>
+                <a16:creationId xmlns:a16="http://schemas.microsoft.com/office/drawing/2014/main" id="{C89992B6-48E8-3EE1-B622-FE7D49175A59}"/>
               </a:ext>
             </a:extLst>
           </p:cNvPr>
@@ -37822,7 +37912,7 @@
         <p:spPr>
           <a:xfrm>
             <a:off x="190500" y="190500"/>
-            <a:ext cx="11807825" cy="6477000"/>
+            <a:ext cx="11798300" cy="6477000"/>
           </a:xfrm>
           <a:prstGeom prst="rect">
             <a:avLst/>
@@ -37832,7 +37922,7 @@
     </p:spTree>
     <p:extLst>
       <p:ext uri="{BB962C8B-B14F-4D97-AF65-F5344CB8AC3E}">
-        <p14:creationId xmlns:p14="http://schemas.microsoft.com/office/powerpoint/2010/main" val="2378288314"/>
+        <p14:creationId xmlns:p14="http://schemas.microsoft.com/office/powerpoint/2010/main" val="1846759391"/>
       </p:ext>
     </p:extLst>
   </p:cSld>
@@ -37864,7 +37954,7 @@
           <p:cNvPr id="2" name="Title 1">
             <a:extLst>
               <a:ext uri="{FF2B5EF4-FFF2-40B4-BE49-F238E27FC236}">
-                <a16:creationId xmlns:a16="http://schemas.microsoft.com/office/drawing/2014/main" id="{56E2380D-79D9-B6DB-503D-AC87CAA09F53}"/>
+                <a16:creationId xmlns:a16="http://schemas.microsoft.com/office/drawing/2014/main" id="{50633B8E-0077-3FB7-1A14-FEC698FCFD08}"/>
               </a:ext>
             </a:extLst>
           </p:cNvPr>
@@ -37902,7 +37992,7 @@
           <p:cNvPr id="3" name="Footer Placeholder 2" descr="Poll Everywhere multiple choice poll chart screen&#10;Activity Title: Suppose that a consumer's preference relation is non-transitive. Can we find a utility function representation of this consumer's preference relation?">
             <a:extLst>
               <a:ext uri="{FF2B5EF4-FFF2-40B4-BE49-F238E27FC236}">
-                <a16:creationId xmlns:a16="http://schemas.microsoft.com/office/drawing/2014/main" id="{02A0256F-C62D-81D1-B164-5BB7A8E20B1A}"/>
+                <a16:creationId xmlns:a16="http://schemas.microsoft.com/office/drawing/2014/main" id="{5C0A1DDA-75E8-91E0-A4D8-4C9C0D11244E}"/>
               </a:ext>
             </a:extLst>
           </p:cNvPr>
@@ -37930,7 +38020,7 @@
           <p:cNvPr id="4" name="Slide Number Placeholder 3">
             <a:extLst>
               <a:ext uri="{FF2B5EF4-FFF2-40B4-BE49-F238E27FC236}">
-                <a16:creationId xmlns:a16="http://schemas.microsoft.com/office/drawing/2014/main" id="{4EC25848-FB5F-E67C-C6D4-16E7AF4C5C9E}"/>
+                <a16:creationId xmlns:a16="http://schemas.microsoft.com/office/drawing/2014/main" id="{8D2D2694-1B67-10A1-2668-7A127EA001CF}"/>
               </a:ext>
             </a:extLst>
           </p:cNvPr>
@@ -37959,7 +38049,7 @@
           <p:cNvPr id="6" name="Picture 5">
             <a:extLst>
               <a:ext uri="{FF2B5EF4-FFF2-40B4-BE49-F238E27FC236}">
-                <a16:creationId xmlns:a16="http://schemas.microsoft.com/office/drawing/2014/main" id="{7731D228-4A34-F31F-0458-4D70CC86B317}"/>
+                <a16:creationId xmlns:a16="http://schemas.microsoft.com/office/drawing/2014/main" id="{4F05DFDB-A588-2324-29F5-F1D315C6CE6E}"/>
               </a:ext>
             </a:extLst>
           </p:cNvPr>
@@ -37981,7 +38071,7 @@
         <p:spPr>
           <a:xfrm>
             <a:off x="190500" y="190500"/>
-            <a:ext cx="11807825" cy="6477000"/>
+            <a:ext cx="11798300" cy="6477000"/>
           </a:xfrm>
           <a:prstGeom prst="rect">
             <a:avLst/>
@@ -37991,7 +38081,7 @@
     </p:spTree>
     <p:extLst>
       <p:ext uri="{BB962C8B-B14F-4D97-AF65-F5344CB8AC3E}">
-        <p14:creationId xmlns:p14="http://schemas.microsoft.com/office/powerpoint/2010/main" val="1388298596"/>
+        <p14:creationId xmlns:p14="http://schemas.microsoft.com/office/powerpoint/2010/main" val="2677360801"/>
       </p:ext>
     </p:extLst>
   </p:cSld>
@@ -38003,13 +38093,13 @@
 
 <file path=ppt/tags/tag1.xml><?xml version="1.0" encoding="utf-8"?>
 <p:tagLst xmlns:a="http://schemas.openxmlformats.org/drawingml/2006/main" xmlns:r="http://schemas.openxmlformats.org/officeDocument/2006/relationships" xmlns:p="http://schemas.openxmlformats.org/presentationml/2006/main">
-  <p:tag name="__PE_POLL_EMBED_ID" val="d0ca7eaf-348a-42e0-bd28-10e80193eaee"/>
+  <p:tag name="__PE_POLL_EMBED_ID" val="b989853c-3f2c-49bb-890a-64c495792032"/>
 </p:tagLst>
 </file>
 
 <file path=ppt/tags/tag2.xml><?xml version="1.0" encoding="utf-8"?>
 <p:tagLst xmlns:a="http://schemas.openxmlformats.org/drawingml/2006/main" xmlns:r="http://schemas.openxmlformats.org/officeDocument/2006/relationships" xmlns:p="http://schemas.openxmlformats.org/presentationml/2006/main">
-  <p:tag name="__PE_POLL_EMBED_ID" val="6eded459-95fb-4085-8fd5-444d529ccb08"/>
+  <p:tag name="__PE_POLL_EMBED_ID" val="2a81faa6-13c1-4e83-9830-f4ef001faae8"/>
 </p:tagLst>
 </file>
 

--- a/files/teaching-resources/concordiacollege-busn-301/busn-301-lecture-note/busn301-ch04.pptx
+++ b/files/teaching-resources/concordiacollege-busn-301/busn-301-lecture-note/busn301-ch04.pptx
@@ -242,7 +242,7 @@
           <a:p>
             <a:fld id="{2D359EC7-19C7-4638-A61A-0E2B59861576}" type="datetimeFigureOut">
               <a:rPr lang="en-US" smtClean="0"/>
-              <a:t>1/26/2026</a:t>
+              <a:t>1/28/2026</a:t>
             </a:fld>
             <a:endParaRPr lang="en-US"/>
           </a:p>
@@ -1426,7 +1426,7 @@
           <a:p>
             <a:fld id="{7968114D-31B9-4B78-9ACC-70FB90027BFD}" type="datetime1">
               <a:rPr lang="en-US" smtClean="0"/>
-              <a:t>1/26/2026</a:t>
+              <a:t>1/28/2026</a:t>
             </a:fld>
             <a:endParaRPr lang="en-US"/>
           </a:p>
@@ -1597,7 +1597,7 @@
           <a:p>
             <a:fld id="{873F4A91-75B0-4800-B4E2-20956DB94300}" type="datetime1">
               <a:rPr lang="en-US" smtClean="0"/>
-              <a:t>1/26/2026</a:t>
+              <a:t>1/28/2026</a:t>
             </a:fld>
             <a:endParaRPr lang="en-US"/>
           </a:p>
@@ -1778,7 +1778,7 @@
           <a:p>
             <a:fld id="{0F651350-1A97-42BE-B68B-7AD85E4EDCBF}" type="datetime1">
               <a:rPr lang="en-US" smtClean="0"/>
-              <a:t>1/26/2026</a:t>
+              <a:t>1/28/2026</a:t>
             </a:fld>
             <a:endParaRPr lang="en-US"/>
           </a:p>
@@ -1949,7 +1949,7 @@
           <a:p>
             <a:fld id="{CE41F65B-C187-4F2E-97E4-866F44D3FEC5}" type="datetime1">
               <a:rPr lang="en-US" smtClean="0"/>
-              <a:t>1/26/2026</a:t>
+              <a:t>1/28/2026</a:t>
             </a:fld>
             <a:endParaRPr lang="en-US"/>
           </a:p>
@@ -2197,7 +2197,7 @@
           <a:p>
             <a:fld id="{5B30CE8C-B3D2-4FED-8171-A22B1E84AA49}" type="datetime1">
               <a:rPr lang="en-US" smtClean="0"/>
-              <a:t>1/26/2026</a:t>
+              <a:t>1/28/2026</a:t>
             </a:fld>
             <a:endParaRPr lang="en-US"/>
           </a:p>
@@ -2485,7 +2485,7 @@
           <a:p>
             <a:fld id="{18787D79-C197-49E5-840E-62EF773E40EB}" type="datetime1">
               <a:rPr lang="en-US" smtClean="0"/>
-              <a:t>1/26/2026</a:t>
+              <a:t>1/28/2026</a:t>
             </a:fld>
             <a:endParaRPr lang="en-US"/>
           </a:p>
@@ -2907,7 +2907,7 @@
           <a:p>
             <a:fld id="{6AB4C717-ACD6-42B4-B4D2-A00897526083}" type="datetime1">
               <a:rPr lang="en-US" smtClean="0"/>
-              <a:t>1/26/2026</a:t>
+              <a:t>1/28/2026</a:t>
             </a:fld>
             <a:endParaRPr lang="en-US"/>
           </a:p>
@@ -3027,7 +3027,7 @@
           <a:p>
             <a:fld id="{35F0F010-C38E-44B3-A11D-B9CE0300A741}" type="datetime1">
               <a:rPr lang="en-US" smtClean="0"/>
-              <a:t>1/26/2026</a:t>
+              <a:t>1/28/2026</a:t>
             </a:fld>
             <a:endParaRPr lang="en-US"/>
           </a:p>
@@ -3125,7 +3125,7 @@
           <a:p>
             <a:fld id="{0E2442EE-45D9-4220-A88F-EE689B9875C3}" type="datetime1">
               <a:rPr lang="en-US" smtClean="0"/>
-              <a:t>1/26/2026</a:t>
+              <a:t>1/28/2026</a:t>
             </a:fld>
             <a:endParaRPr lang="en-US"/>
           </a:p>
@@ -3403,7 +3403,7 @@
           <a:p>
             <a:fld id="{D5FA1C2B-1683-45DB-88D6-369C6CB6AB24}" type="datetime1">
               <a:rPr lang="en-US" smtClean="0"/>
-              <a:t>1/26/2026</a:t>
+              <a:t>1/28/2026</a:t>
             </a:fld>
             <a:endParaRPr lang="en-US"/>
           </a:p>
@@ -3658,7 +3658,7 @@
           <a:p>
             <a:fld id="{DFFB611B-DC9D-42DB-B865-14DB93E316AF}" type="datetime1">
               <a:rPr lang="en-US" smtClean="0"/>
-              <a:t>1/26/2026</a:t>
+              <a:t>1/28/2026</a:t>
             </a:fld>
             <a:endParaRPr lang="en-US"/>
           </a:p>
@@ -3872,7 +3872,7 @@
           <a:p>
             <a:fld id="{A3B8D4B9-4EE2-4C3D-B367-BE7622E78789}" type="datetime1">
               <a:rPr lang="en-US" smtClean="0"/>
-              <a:t>1/26/2026</a:t>
+              <a:t>1/28/2026</a:t>
             </a:fld>
             <a:endParaRPr lang="en-US"/>
           </a:p>
@@ -16771,8 +16771,8 @@
           <a:chExt cx="0" cy="0"/>
         </a:xfrm>
       </p:grpSpPr>
-      <mc:AlternateContent xmlns:mc="http://schemas.openxmlformats.org/markup-compatibility/2006">
-        <mc:Choice xmlns:a14="http://schemas.microsoft.com/office/drawing/2010/main" Requires="a14">
+      <mc:AlternateContent xmlns:mc="http://schemas.openxmlformats.org/markup-compatibility/2006" xmlns:a14="http://schemas.microsoft.com/office/drawing/2010/main">
+        <mc:Choice Requires="a14">
           <p:sp>
             <p:nvSpPr>
               <p:cNvPr id="3" name="Content Placeholder 2">
@@ -17828,7 +17828,7 @@
             </p:txBody>
           </p:sp>
         </mc:Choice>
-        <mc:Fallback>
+        <mc:Fallback xmlns="">
           <p:sp>
             <p:nvSpPr>
               <p:cNvPr id="3" name="Content Placeholder 2">
@@ -35871,8 +35871,8 @@
           <a:chExt cx="0" cy="0"/>
         </a:xfrm>
       </p:grpSpPr>
-      <mc:AlternateContent xmlns:mc="http://schemas.openxmlformats.org/markup-compatibility/2006" xmlns:a14="http://schemas.microsoft.com/office/drawing/2010/main">
-        <mc:Choice Requires="a14">
+      <mc:AlternateContent xmlns:mc="http://schemas.openxmlformats.org/markup-compatibility/2006">
+        <mc:Choice xmlns:a14="http://schemas.microsoft.com/office/drawing/2010/main" Requires="a14">
           <p:sp>
             <p:nvSpPr>
               <p:cNvPr id="3" name="Content Placeholder 2">
@@ -36488,6 +36488,110 @@
                       <a:rPr lang="en-US" altLang="zh-TW" sz="2000" b="0" i="1" smtClean="0">
                         <a:latin typeface="Cambria Math" panose="02040503050406030204" pitchFamily="18" charset="0"/>
                       </a:rPr>
+                      <m:t>2⋅</m:t>
+                    </m:r>
+                    <m:sSub>
+                      <m:sSubPr>
+                        <m:ctrlPr>
+                          <a:rPr lang="en-US" altLang="zh-TW" sz="2000" b="0" i="1" smtClean="0">
+                            <a:latin typeface="Cambria Math" panose="02040503050406030204" pitchFamily="18" charset="0"/>
+                          </a:rPr>
+                        </m:ctrlPr>
+                      </m:sSubPr>
+                      <m:e>
+                        <m:r>
+                          <a:rPr lang="en-US" altLang="zh-TW" sz="2000" b="0" i="1" smtClean="0">
+                            <a:latin typeface="Cambria Math" panose="02040503050406030204" pitchFamily="18" charset="0"/>
+                          </a:rPr>
+                          <m:t>𝑢</m:t>
+                        </m:r>
+                      </m:e>
+                      <m:sub>
+                        <m:r>
+                          <a:rPr lang="en-US" altLang="zh-TW" sz="2000" b="0" i="1" smtClean="0">
+                            <a:latin typeface="Cambria Math" panose="02040503050406030204" pitchFamily="18" charset="0"/>
+                          </a:rPr>
+                          <m:t>1</m:t>
+                        </m:r>
+                      </m:sub>
+                    </m:sSub>
+                    <m:d>
+                      <m:dPr>
+                        <m:ctrlPr>
+                          <a:rPr lang="en-US" altLang="zh-TW" sz="2000" b="0" i="1" smtClean="0">
+                            <a:latin typeface="Cambria Math" panose="02040503050406030204" pitchFamily="18" charset="0"/>
+                          </a:rPr>
+                        </m:ctrlPr>
+                      </m:dPr>
+                      <m:e>
+                        <m:sSub>
+                          <m:sSubPr>
+                            <m:ctrlPr>
+                              <a:rPr lang="en-US" altLang="zh-TW" sz="2000" b="0" i="1" smtClean="0">
+                                <a:latin typeface="Cambria Math" panose="02040503050406030204" pitchFamily="18" charset="0"/>
+                              </a:rPr>
+                            </m:ctrlPr>
+                          </m:sSubPr>
+                          <m:e>
+                            <m:r>
+                              <a:rPr lang="en-US" altLang="zh-TW" sz="2000" b="0" i="1" smtClean="0">
+                                <a:latin typeface="Cambria Math" panose="02040503050406030204" pitchFamily="18" charset="0"/>
+                              </a:rPr>
+                              <m:t>𝑥</m:t>
+                            </m:r>
+                          </m:e>
+                          <m:sub>
+                            <m:r>
+                              <a:rPr lang="en-US" altLang="zh-TW" sz="2000" b="0" i="1" smtClean="0">
+                                <a:latin typeface="Cambria Math" panose="02040503050406030204" pitchFamily="18" charset="0"/>
+                              </a:rPr>
+                              <m:t>1</m:t>
+                            </m:r>
+                          </m:sub>
+                        </m:sSub>
+                        <m:r>
+                          <a:rPr lang="en-US" altLang="zh-TW" sz="2000" b="0" i="1" smtClean="0">
+                            <a:latin typeface="Cambria Math" panose="02040503050406030204" pitchFamily="18" charset="0"/>
+                          </a:rPr>
+                          <m:t>,</m:t>
+                        </m:r>
+                        <m:sSub>
+                          <m:sSubPr>
+                            <m:ctrlPr>
+                              <a:rPr lang="en-US" altLang="zh-TW" sz="2000" b="0" i="1" smtClean="0">
+                                <a:latin typeface="Cambria Math" panose="02040503050406030204" pitchFamily="18" charset="0"/>
+                              </a:rPr>
+                            </m:ctrlPr>
+                          </m:sSubPr>
+                          <m:e>
+                            <m:r>
+                              <a:rPr lang="en-US" altLang="zh-TW" sz="2000" b="0" i="1" smtClean="0">
+                                <a:latin typeface="Cambria Math" panose="02040503050406030204" pitchFamily="18" charset="0"/>
+                              </a:rPr>
+                              <m:t>𝑥</m:t>
+                            </m:r>
+                          </m:e>
+                          <m:sub>
+                            <m:r>
+                              <a:rPr lang="en-US" altLang="zh-TW" sz="2000" b="0" i="1" smtClean="0">
+                                <a:latin typeface="Cambria Math" panose="02040503050406030204" pitchFamily="18" charset="0"/>
+                              </a:rPr>
+                              <m:t>2</m:t>
+                            </m:r>
+                          </m:sub>
+                        </m:sSub>
+                      </m:e>
+                    </m:d>
+                    <m:r>
+                      <a:rPr lang="en-US" altLang="zh-TW" sz="2000" b="0" i="1" smtClean="0">
+                        <a:latin typeface="Cambria Math" panose="02040503050406030204" pitchFamily="18" charset="0"/>
+                      </a:rPr>
+                      <m:t>=</m:t>
+                    </m:r>
+                    <m:r>
+                      <a:rPr lang="en-US" altLang="zh-TW" sz="2000" b="0" i="1" smtClean="0">
+                        <a:latin typeface="Cambria Math" panose="02040503050406030204" pitchFamily="18" charset="0"/>
+                      </a:rPr>
                       <m:t>4</m:t>
                     </m:r>
                     <m:sSubSup>
@@ -36674,6 +36778,104 @@
                         <a:latin typeface="Cambria Math" panose="02040503050406030204" pitchFamily="18" charset="0"/>
                       </a:rPr>
                       <m:t>=</m:t>
+                    </m:r>
+                    <m:sSub>
+                      <m:sSubPr>
+                        <m:ctrlPr>
+                          <a:rPr lang="en-US" altLang="zh-TW" sz="2000" i="1">
+                            <a:latin typeface="Cambria Math" panose="02040503050406030204" pitchFamily="18" charset="0"/>
+                          </a:rPr>
+                        </m:ctrlPr>
+                      </m:sSubPr>
+                      <m:e>
+                        <m:r>
+                          <a:rPr lang="en-US" altLang="zh-TW" sz="2000" i="1">
+                            <a:latin typeface="Cambria Math" panose="02040503050406030204" pitchFamily="18" charset="0"/>
+                          </a:rPr>
+                          <m:t>𝑢</m:t>
+                        </m:r>
+                      </m:e>
+                      <m:sub>
+                        <m:r>
+                          <a:rPr lang="en-US" altLang="zh-TW" sz="2000" i="1">
+                            <a:latin typeface="Cambria Math" panose="02040503050406030204" pitchFamily="18" charset="0"/>
+                          </a:rPr>
+                          <m:t>1</m:t>
+                        </m:r>
+                      </m:sub>
+                    </m:sSub>
+                    <m:d>
+                      <m:dPr>
+                        <m:ctrlPr>
+                          <a:rPr lang="en-US" altLang="zh-TW" sz="2000" i="1">
+                            <a:latin typeface="Cambria Math" panose="02040503050406030204" pitchFamily="18" charset="0"/>
+                          </a:rPr>
+                        </m:ctrlPr>
+                      </m:dPr>
+                      <m:e>
+                        <m:sSub>
+                          <m:sSubPr>
+                            <m:ctrlPr>
+                              <a:rPr lang="en-US" altLang="zh-TW" sz="2000" i="1">
+                                <a:latin typeface="Cambria Math" panose="02040503050406030204" pitchFamily="18" charset="0"/>
+                              </a:rPr>
+                            </m:ctrlPr>
+                          </m:sSubPr>
+                          <m:e>
+                            <m:r>
+                              <a:rPr lang="en-US" altLang="zh-TW" sz="2000" i="1">
+                                <a:latin typeface="Cambria Math" panose="02040503050406030204" pitchFamily="18" charset="0"/>
+                              </a:rPr>
+                              <m:t>𝑥</m:t>
+                            </m:r>
+                          </m:e>
+                          <m:sub>
+                            <m:r>
+                              <a:rPr lang="en-US" altLang="zh-TW" sz="2000" i="1">
+                                <a:latin typeface="Cambria Math" panose="02040503050406030204" pitchFamily="18" charset="0"/>
+                              </a:rPr>
+                              <m:t>1</m:t>
+                            </m:r>
+                          </m:sub>
+                        </m:sSub>
+                        <m:r>
+                          <a:rPr lang="en-US" altLang="zh-TW" sz="2000" i="1">
+                            <a:latin typeface="Cambria Math" panose="02040503050406030204" pitchFamily="18" charset="0"/>
+                          </a:rPr>
+                          <m:t>,</m:t>
+                        </m:r>
+                        <m:sSub>
+                          <m:sSubPr>
+                            <m:ctrlPr>
+                              <a:rPr lang="en-US" altLang="zh-TW" sz="2000" i="1">
+                                <a:latin typeface="Cambria Math" panose="02040503050406030204" pitchFamily="18" charset="0"/>
+                              </a:rPr>
+                            </m:ctrlPr>
+                          </m:sSubPr>
+                          <m:e>
+                            <m:r>
+                              <a:rPr lang="en-US" altLang="zh-TW" sz="2000" i="1">
+                                <a:latin typeface="Cambria Math" panose="02040503050406030204" pitchFamily="18" charset="0"/>
+                              </a:rPr>
+                              <m:t>𝑥</m:t>
+                            </m:r>
+                          </m:e>
+                          <m:sub>
+                            <m:r>
+                              <a:rPr lang="en-US" altLang="zh-TW" sz="2000" i="1">
+                                <a:latin typeface="Cambria Math" panose="02040503050406030204" pitchFamily="18" charset="0"/>
+                              </a:rPr>
+                              <m:t>2</m:t>
+                            </m:r>
+                          </m:sub>
+                        </m:sSub>
+                      </m:e>
+                    </m:d>
+                    <m:r>
+                      <a:rPr lang="en-US" altLang="zh-TW" sz="2000" b="0" i="1" smtClean="0">
+                        <a:latin typeface="Cambria Math" panose="02040503050406030204" pitchFamily="18" charset="0"/>
+                      </a:rPr>
+                      <m:t>+10=</m:t>
                     </m:r>
                     <m:r>
                       <a:rPr lang="en-US" altLang="zh-TW" sz="2000" b="0" i="1" smtClean="0">
@@ -36881,90 +37083,109 @@
                       </a:rPr>
                       <m:t>log</m:t>
                     </m:r>
-                    <m:r>
-                      <a:rPr lang="en-US" altLang="zh-TW" sz="2000" b="0" i="1" smtClean="0">
-                        <a:latin typeface="Cambria Math" panose="02040503050406030204" pitchFamily="18" charset="0"/>
-                      </a:rPr>
-                      <m:t>⁡(</m:t>
-                    </m:r>
-                    <m:r>
-                      <a:rPr lang="en-US" altLang="zh-TW" sz="2000" i="1">
-                        <a:latin typeface="Cambria Math" panose="02040503050406030204" pitchFamily="18" charset="0"/>
-                      </a:rPr>
-                      <m:t>2</m:t>
-                    </m:r>
-                    <m:sSubSup>
-                      <m:sSubSupPr>
+                    <m:d>
+                      <m:dPr>
                         <m:ctrlPr>
-                          <a:rPr lang="en-US" altLang="zh-TW" sz="2000" i="1">
+                          <a:rPr lang="en-US" altLang="zh-TW" sz="2000" b="0" i="0" smtClean="0">
                             <a:latin typeface="Cambria Math" panose="02040503050406030204" pitchFamily="18" charset="0"/>
                           </a:rPr>
                         </m:ctrlPr>
-                      </m:sSubSupPr>
+                      </m:dPr>
                       <m:e>
-                        <m:r>
-                          <a:rPr lang="en-US" altLang="zh-TW" sz="2000" i="1">
-                            <a:latin typeface="Cambria Math" panose="02040503050406030204" pitchFamily="18" charset="0"/>
-                          </a:rPr>
-                          <m:t>𝑥</m:t>
-                        </m:r>
+                        <m:sSub>
+                          <m:sSubPr>
+                            <m:ctrlPr>
+                              <a:rPr lang="en-US" altLang="zh-TW" sz="2000" i="1">
+                                <a:latin typeface="Cambria Math" panose="02040503050406030204" pitchFamily="18" charset="0"/>
+                              </a:rPr>
+                            </m:ctrlPr>
+                          </m:sSubPr>
+                          <m:e>
+                            <m:r>
+                              <a:rPr lang="en-US" altLang="zh-TW" sz="2000" i="1">
+                                <a:latin typeface="Cambria Math" panose="02040503050406030204" pitchFamily="18" charset="0"/>
+                              </a:rPr>
+                              <m:t>𝑢</m:t>
+                            </m:r>
+                          </m:e>
+                          <m:sub>
+                            <m:r>
+                              <a:rPr lang="en-US" altLang="zh-TW" sz="2000" i="1">
+                                <a:latin typeface="Cambria Math" panose="02040503050406030204" pitchFamily="18" charset="0"/>
+                              </a:rPr>
+                              <m:t>1</m:t>
+                            </m:r>
+                          </m:sub>
+                        </m:sSub>
+                        <m:d>
+                          <m:dPr>
+                            <m:ctrlPr>
+                              <a:rPr lang="en-US" altLang="zh-TW" sz="2000" i="1">
+                                <a:latin typeface="Cambria Math" panose="02040503050406030204" pitchFamily="18" charset="0"/>
+                              </a:rPr>
+                            </m:ctrlPr>
+                          </m:dPr>
+                          <m:e>
+                            <m:sSub>
+                              <m:sSubPr>
+                                <m:ctrlPr>
+                                  <a:rPr lang="en-US" altLang="zh-TW" sz="2000" i="1">
+                                    <a:latin typeface="Cambria Math" panose="02040503050406030204" pitchFamily="18" charset="0"/>
+                                  </a:rPr>
+                                </m:ctrlPr>
+                              </m:sSubPr>
+                              <m:e>
+                                <m:r>
+                                  <a:rPr lang="en-US" altLang="zh-TW" sz="2000" i="1">
+                                    <a:latin typeface="Cambria Math" panose="02040503050406030204" pitchFamily="18" charset="0"/>
+                                  </a:rPr>
+                                  <m:t>𝑥</m:t>
+                                </m:r>
+                              </m:e>
+                              <m:sub>
+                                <m:r>
+                                  <a:rPr lang="en-US" altLang="zh-TW" sz="2000" i="1">
+                                    <a:latin typeface="Cambria Math" panose="02040503050406030204" pitchFamily="18" charset="0"/>
+                                  </a:rPr>
+                                  <m:t>1</m:t>
+                                </m:r>
+                              </m:sub>
+                            </m:sSub>
+                            <m:r>
+                              <a:rPr lang="en-US" altLang="zh-TW" sz="2000" i="1">
+                                <a:latin typeface="Cambria Math" panose="02040503050406030204" pitchFamily="18" charset="0"/>
+                              </a:rPr>
+                              <m:t>,</m:t>
+                            </m:r>
+                            <m:sSub>
+                              <m:sSubPr>
+                                <m:ctrlPr>
+                                  <a:rPr lang="en-US" altLang="zh-TW" sz="2000" i="1">
+                                    <a:latin typeface="Cambria Math" panose="02040503050406030204" pitchFamily="18" charset="0"/>
+                                  </a:rPr>
+                                </m:ctrlPr>
+                              </m:sSubPr>
+                              <m:e>
+                                <m:r>
+                                  <a:rPr lang="en-US" altLang="zh-TW" sz="2000" i="1">
+                                    <a:latin typeface="Cambria Math" panose="02040503050406030204" pitchFamily="18" charset="0"/>
+                                  </a:rPr>
+                                  <m:t>𝑥</m:t>
+                                </m:r>
+                              </m:e>
+                              <m:sub>
+                                <m:r>
+                                  <a:rPr lang="en-US" altLang="zh-TW" sz="2000" i="1">
+                                    <a:latin typeface="Cambria Math" panose="02040503050406030204" pitchFamily="18" charset="0"/>
+                                  </a:rPr>
+                                  <m:t>2</m:t>
+                                </m:r>
+                              </m:sub>
+                            </m:sSub>
+                          </m:e>
+                        </m:d>
                       </m:e>
-                      <m:sub>
-                        <m:r>
-                          <a:rPr lang="en-US" altLang="zh-TW" sz="2000" i="1">
-                            <a:latin typeface="Cambria Math" panose="02040503050406030204" pitchFamily="18" charset="0"/>
-                          </a:rPr>
-                          <m:t>1</m:t>
-                        </m:r>
-                      </m:sub>
-                      <m:sup>
-                        <m:r>
-                          <a:rPr lang="en-US" altLang="zh-TW" sz="2000" i="1">
-                            <a:latin typeface="Cambria Math" panose="02040503050406030204" pitchFamily="18" charset="0"/>
-                          </a:rPr>
-                          <m:t>0.7</m:t>
-                        </m:r>
-                      </m:sup>
-                    </m:sSubSup>
-                    <m:sSubSup>
-                      <m:sSubSupPr>
-                        <m:ctrlPr>
-                          <a:rPr lang="en-US" altLang="zh-TW" sz="2000" i="1">
-                            <a:latin typeface="Cambria Math" panose="02040503050406030204" pitchFamily="18" charset="0"/>
-                          </a:rPr>
-                        </m:ctrlPr>
-                      </m:sSubSupPr>
-                      <m:e>
-                        <m:r>
-                          <a:rPr lang="en-US" altLang="zh-TW" sz="2000" i="1">
-                            <a:latin typeface="Cambria Math" panose="02040503050406030204" pitchFamily="18" charset="0"/>
-                          </a:rPr>
-                          <m:t>𝑥</m:t>
-                        </m:r>
-                      </m:e>
-                      <m:sub>
-                        <m:r>
-                          <a:rPr lang="en-US" altLang="zh-TW" sz="2000" i="1">
-                            <a:latin typeface="Cambria Math" panose="02040503050406030204" pitchFamily="18" charset="0"/>
-                          </a:rPr>
-                          <m:t>2</m:t>
-                        </m:r>
-                      </m:sub>
-                      <m:sup>
-                        <m:r>
-                          <a:rPr lang="en-US" altLang="zh-TW" sz="2000" i="1">
-                            <a:latin typeface="Cambria Math" panose="02040503050406030204" pitchFamily="18" charset="0"/>
-                          </a:rPr>
-                          <m:t>0.3</m:t>
-                        </m:r>
-                      </m:sup>
-                    </m:sSubSup>
-                    <m:r>
-                      <a:rPr lang="en-US" altLang="zh-TW" sz="2000" b="0" i="1" smtClean="0">
-                        <a:latin typeface="Cambria Math" panose="02040503050406030204" pitchFamily="18" charset="0"/>
-                      </a:rPr>
-                      <m:t>)</m:t>
-                    </m:r>
+                    </m:d>
                   </m:oMath>
                 </a14:m>
                 <a:endParaRPr lang="en-US" altLang="zh-TW" sz="2000" dirty="0"/>
@@ -37009,7 +37230,7 @@
             </p:txBody>
           </p:sp>
         </mc:Choice>
-        <mc:Fallback xmlns="">
+        <mc:Fallback>
           <p:sp>
             <p:nvSpPr>
               <p:cNvPr id="3" name="Content Placeholder 2">
@@ -37034,7 +37255,7 @@
               <a:blipFill>
                 <a:blip r:embed="rId2"/>
                 <a:stretch>
-                  <a:fillRect l="-708" t="-1288" r="-436" b="-468"/>
+                  <a:fillRect l="-708" t="-1288" r="-436" b="-1054"/>
                 </a:stretch>
               </a:blipFill>
             </p:spPr>

--- a/files/teaching-resources/concordiacollege-busn-301/busn-301-lecture-note/busn301-ch04.pptx
+++ b/files/teaching-resources/concordiacollege-busn-301/busn-301-lecture-note/busn301-ch04.pptx
@@ -15,11 +15,11 @@
     <p:sldId id="461" r:id="rId6"/>
     <p:sldId id="462" r:id="rId7"/>
     <p:sldId id="463" r:id="rId8"/>
-    <p:sldId id="492" r:id="rId9"/>
-    <p:sldId id="494" r:id="rId10"/>
-    <p:sldId id="467" r:id="rId11"/>
-    <p:sldId id="371" r:id="rId12"/>
-    <p:sldId id="469" r:id="rId13"/>
+    <p:sldId id="467" r:id="rId9"/>
+    <p:sldId id="371" r:id="rId10"/>
+    <p:sldId id="469" r:id="rId11"/>
+    <p:sldId id="495" r:id="rId12"/>
+    <p:sldId id="497" r:id="rId13"/>
     <p:sldId id="429" r:id="rId14"/>
     <p:sldId id="468" r:id="rId15"/>
     <p:sldId id="470" r:id="rId16"/>
@@ -242,7 +242,7 @@
           <a:p>
             <a:fld id="{2D359EC7-19C7-4638-A61A-0E2B59861576}" type="datetimeFigureOut">
               <a:rPr lang="en-US" smtClean="0"/>
-              <a:t>1/28/2026</a:t>
+              <a:t>2/9/2026</a:t>
             </a:fld>
             <a:endParaRPr lang="en-US"/>
           </a:p>
@@ -558,8 +558,8 @@
               <a:t>
 Do not modify the notes in this section to avoid tampering with the Poll Everywhere activity.
 More info at polleverywhere.com/support
-Suppose that a consumer's preference relation is non-transitive. Can we find a utility function representation of this consumer's preference relation?
-https://www.polleverywhere.com/multiple_choice_polls/xVRyb4Z6GFDz6JFqbM7dP?display_state=instructions&amp;activity_state=opened&amp;state=opened&amp;flow=Engagement&amp;onscreen=persist</a:t>
+Suppose that a consumer's preferences can be expressed by the utility function $$u(x_1,x_2)=x_1x_2$$. Which of the following bundles would the consumer find indifferent to $$(x_1,x_2)=(5,6)$$?
+https://www.polleverywhere.com/multiple_choice_polls/qmaR7cEI1mYi33hSjAnvF?display_state=instructions&amp;activity_state=opened&amp;state=opened&amp;flow=Engagement&amp;onscreen=persist</a:t>
             </a:r>
           </a:p>
         </p:txBody>
@@ -581,7 +581,7 @@
           <a:p>
             <a:fld id="{C987AAC7-CF25-414B-93E7-2A61E431E831}" type="slidenum">
               <a:rPr lang="en-US" smtClean="0"/>
-              <a:t>8</a:t>
+              <a:t>11</a:t>
             </a:fld>
             <a:endParaRPr lang="en-US"/>
           </a:p>
@@ -592,7 +592,7 @@
           <p:cNvPr id="5" name="TextBox 4">
             <a:extLst>
               <a:ext uri="{FF2B5EF4-FFF2-40B4-BE49-F238E27FC236}">
-                <a16:creationId xmlns:a16="http://schemas.microsoft.com/office/drawing/2014/main" id="{0A7E15E0-9AE1-6BFE-0FE5-E8E7EF0453E5}"/>
+                <a16:creationId xmlns:a16="http://schemas.microsoft.com/office/drawing/2014/main" id="{6A50C209-3E93-1DB0-1F19-AE3CDE6937F3}"/>
               </a:ext>
             </a:extLst>
           </p:cNvPr>
@@ -622,7 +622,7 @@
     </p:spTree>
     <p:extLst>
       <p:ext uri="{BB962C8B-B14F-4D97-AF65-F5344CB8AC3E}">
-        <p14:creationId xmlns:p14="http://schemas.microsoft.com/office/powerpoint/2010/main" val="92175457"/>
+        <p14:creationId xmlns:p14="http://schemas.microsoft.com/office/powerpoint/2010/main" val="1888979270"/>
       </p:ext>
     </p:extLst>
   </p:cSld>
@@ -681,8 +681,8 @@
               <a:t>
 Do not modify the notes in this section to avoid tampering with the Poll Everywhere activity.
 More info at polleverywhere.com/support
-Suppose that a consumer's preference relation is non-transitive. Can we find a utility function representation of this consumer's preference relation?
-https://www.polleverywhere.com/multiple_choice_polls/xVRyb4Z6GFDz6JFqbM7dP?display_state=chart&amp;activity_state=closed&amp;state=closed&amp;flow=Engagement&amp;onscreen=persist</a:t>
+Suppose that a consumer's preferences can be expressed by the utility function $$u(x_1,x_2)=x_1x_2$$. Which of the following bundles would the consumer find indifferent to $$(x_1,x_2)=(5,6)$$?
+https://www.polleverywhere.com/multiple_choice_polls/qmaR7cEI1mYi33hSjAnvF?display_state=chart&amp;activity_state=closed&amp;state=closed&amp;flow=Engagement&amp;onscreen=persist</a:t>
             </a:r>
           </a:p>
         </p:txBody>
@@ -704,7 +704,7 @@
           <a:p>
             <a:fld id="{C987AAC7-CF25-414B-93E7-2A61E431E831}" type="slidenum">
               <a:rPr lang="en-US" smtClean="0"/>
-              <a:t>9</a:t>
+              <a:t>12</a:t>
             </a:fld>
             <a:endParaRPr lang="en-US"/>
           </a:p>
@@ -715,7 +715,7 @@
           <p:cNvPr id="5" name="TextBox 4">
             <a:extLst>
               <a:ext uri="{FF2B5EF4-FFF2-40B4-BE49-F238E27FC236}">
-                <a16:creationId xmlns:a16="http://schemas.microsoft.com/office/drawing/2014/main" id="{FFC01329-9B5F-1596-42F9-335879A89922}"/>
+                <a16:creationId xmlns:a16="http://schemas.microsoft.com/office/drawing/2014/main" id="{95C0437C-D2D5-5F25-BF38-98C58B7BE8FA}"/>
               </a:ext>
             </a:extLst>
           </p:cNvPr>
@@ -745,7 +745,7 @@
     </p:spTree>
     <p:extLst>
       <p:ext uri="{BB962C8B-B14F-4D97-AF65-F5344CB8AC3E}">
-        <p14:creationId xmlns:p14="http://schemas.microsoft.com/office/powerpoint/2010/main" val="2603981465"/>
+        <p14:creationId xmlns:p14="http://schemas.microsoft.com/office/powerpoint/2010/main" val="1030923910"/>
       </p:ext>
     </p:extLst>
   </p:cSld>
@@ -1426,7 +1426,7 @@
           <a:p>
             <a:fld id="{7968114D-31B9-4B78-9ACC-70FB90027BFD}" type="datetime1">
               <a:rPr lang="en-US" smtClean="0"/>
-              <a:t>1/28/2026</a:t>
+              <a:t>2/9/2026</a:t>
             </a:fld>
             <a:endParaRPr lang="en-US"/>
           </a:p>
@@ -1597,7 +1597,7 @@
           <a:p>
             <a:fld id="{873F4A91-75B0-4800-B4E2-20956DB94300}" type="datetime1">
               <a:rPr lang="en-US" smtClean="0"/>
-              <a:t>1/28/2026</a:t>
+              <a:t>2/9/2026</a:t>
             </a:fld>
             <a:endParaRPr lang="en-US"/>
           </a:p>
@@ -1778,7 +1778,7 @@
           <a:p>
             <a:fld id="{0F651350-1A97-42BE-B68B-7AD85E4EDCBF}" type="datetime1">
               <a:rPr lang="en-US" smtClean="0"/>
-              <a:t>1/28/2026</a:t>
+              <a:t>2/9/2026</a:t>
             </a:fld>
             <a:endParaRPr lang="en-US"/>
           </a:p>
@@ -1949,7 +1949,7 @@
           <a:p>
             <a:fld id="{CE41F65B-C187-4F2E-97E4-866F44D3FEC5}" type="datetime1">
               <a:rPr lang="en-US" smtClean="0"/>
-              <a:t>1/28/2026</a:t>
+              <a:t>2/9/2026</a:t>
             </a:fld>
             <a:endParaRPr lang="en-US"/>
           </a:p>
@@ -2197,7 +2197,7 @@
           <a:p>
             <a:fld id="{5B30CE8C-B3D2-4FED-8171-A22B1E84AA49}" type="datetime1">
               <a:rPr lang="en-US" smtClean="0"/>
-              <a:t>1/28/2026</a:t>
+              <a:t>2/9/2026</a:t>
             </a:fld>
             <a:endParaRPr lang="en-US"/>
           </a:p>
@@ -2485,7 +2485,7 @@
           <a:p>
             <a:fld id="{18787D79-C197-49E5-840E-62EF773E40EB}" type="datetime1">
               <a:rPr lang="en-US" smtClean="0"/>
-              <a:t>1/28/2026</a:t>
+              <a:t>2/9/2026</a:t>
             </a:fld>
             <a:endParaRPr lang="en-US"/>
           </a:p>
@@ -2907,7 +2907,7 @@
           <a:p>
             <a:fld id="{6AB4C717-ACD6-42B4-B4D2-A00897526083}" type="datetime1">
               <a:rPr lang="en-US" smtClean="0"/>
-              <a:t>1/28/2026</a:t>
+              <a:t>2/9/2026</a:t>
             </a:fld>
             <a:endParaRPr lang="en-US"/>
           </a:p>
@@ -3027,7 +3027,7 @@
           <a:p>
             <a:fld id="{35F0F010-C38E-44B3-A11D-B9CE0300A741}" type="datetime1">
               <a:rPr lang="en-US" smtClean="0"/>
-              <a:t>1/28/2026</a:t>
+              <a:t>2/9/2026</a:t>
             </a:fld>
             <a:endParaRPr lang="en-US"/>
           </a:p>
@@ -3125,7 +3125,7 @@
           <a:p>
             <a:fld id="{0E2442EE-45D9-4220-A88F-EE689B9875C3}" type="datetime1">
               <a:rPr lang="en-US" smtClean="0"/>
-              <a:t>1/28/2026</a:t>
+              <a:t>2/9/2026</a:t>
             </a:fld>
             <a:endParaRPr lang="en-US"/>
           </a:p>
@@ -3403,7 +3403,7 @@
           <a:p>
             <a:fld id="{D5FA1C2B-1683-45DB-88D6-369C6CB6AB24}" type="datetime1">
               <a:rPr lang="en-US" smtClean="0"/>
-              <a:t>1/28/2026</a:t>
+              <a:t>2/9/2026</a:t>
             </a:fld>
             <a:endParaRPr lang="en-US"/>
           </a:p>
@@ -3658,7 +3658,7 @@
           <a:p>
             <a:fld id="{DFFB611B-DC9D-42DB-B865-14DB93E316AF}" type="datetime1">
               <a:rPr lang="en-US" smtClean="0"/>
-              <a:t>1/28/2026</a:t>
+              <a:t>2/9/2026</a:t>
             </a:fld>
             <a:endParaRPr lang="en-US"/>
           </a:p>
@@ -3872,7 +3872,7 @@
           <a:p>
             <a:fld id="{A3B8D4B9-4EE2-4C3D-B367-BE7622E78789}" type="datetime1">
               <a:rPr lang="en-US" smtClean="0"/>
-              <a:t>1/28/2026</a:t>
+              <a:t>2/9/2026</a:t>
             </a:fld>
             <a:endParaRPr lang="en-US"/>
           </a:p>
@@ -4364,2132 +4364,6 @@
 </file>
 
 <file path=ppt/slides/slide10.xml><?xml version="1.0" encoding="utf-8"?>
-<p:sld xmlns:a="http://schemas.openxmlformats.org/drawingml/2006/main" xmlns:r="http://schemas.openxmlformats.org/officeDocument/2006/relationships" xmlns:p="http://schemas.openxmlformats.org/presentationml/2006/main">
-  <p:cSld>
-    <p:spTree>
-      <p:nvGrpSpPr>
-        <p:cNvPr id="1" name="">
-          <a:extLst>
-            <a:ext uri="{FF2B5EF4-FFF2-40B4-BE49-F238E27FC236}">
-              <a16:creationId xmlns:a16="http://schemas.microsoft.com/office/drawing/2014/main" id="{EACA1B76-C9CD-7C1C-3D85-115A01BEA2C1}"/>
-            </a:ext>
-          </a:extLst>
-        </p:cNvPr>
-        <p:cNvGrpSpPr/>
-        <p:nvPr/>
-      </p:nvGrpSpPr>
-      <p:grpSpPr>
-        <a:xfrm>
-          <a:off x="0" y="0"/>
-          <a:ext cx="0" cy="0"/>
-          <a:chOff x="0" y="0"/>
-          <a:chExt cx="0" cy="0"/>
-        </a:xfrm>
-      </p:grpSpPr>
-      <mc:AlternateContent xmlns:mc="http://schemas.openxmlformats.org/markup-compatibility/2006" xmlns:a14="http://schemas.microsoft.com/office/drawing/2010/main">
-        <mc:Choice Requires="a14">
-          <p:sp>
-            <p:nvSpPr>
-              <p:cNvPr id="3" name="Content Placeholder 2">
-                <a:extLst>
-                  <a:ext uri="{FF2B5EF4-FFF2-40B4-BE49-F238E27FC236}">
-                    <a16:creationId xmlns:a16="http://schemas.microsoft.com/office/drawing/2014/main" id="{A756B638-3D7E-468C-20AE-6A2ED491CE23}"/>
-                  </a:ext>
-                </a:extLst>
-              </p:cNvPr>
-              <p:cNvSpPr>
-                <a:spLocks noGrp="1"/>
-              </p:cNvSpPr>
-              <p:nvPr>
-                <p:ph idx="1"/>
-              </p:nvPr>
-            </p:nvSpPr>
-            <p:spPr>
-              <a:xfrm>
-                <a:off x="457199" y="1300900"/>
-                <a:ext cx="11189855" cy="5202528"/>
-              </a:xfrm>
-            </p:spPr>
-            <p:txBody>
-              <a:bodyPr>
-                <a:normAutofit/>
-              </a:bodyPr>
-              <a:lstStyle/>
-              <a:p>
-                <a:pPr>
-                  <a:lnSpc>
-                    <a:spcPct val="95000"/>
-                  </a:lnSpc>
-                  <a:spcBef>
-                    <a:spcPts val="1000"/>
-                  </a:spcBef>
-                  <a:defRPr sz="2000">
-                    <a:solidFill>
-                      <a:srgbClr val="000000"/>
-                    </a:solidFill>
-                    <a:latin typeface="Garamond"/>
-                  </a:defRPr>
-                </a:pPr>
-                <a:r>
-                  <a:rPr lang="en-US" altLang="zh-TW" sz="2400" dirty="0"/>
-                  <a:t>Not all preferences can be represented by a utility function.</a:t>
-                </a:r>
-              </a:p>
-              <a:p>
-                <a:pPr lvl="1">
-                  <a:lnSpc>
-                    <a:spcPct val="95000"/>
-                  </a:lnSpc>
-                  <a:spcBef>
-                    <a:spcPts val="1000"/>
-                  </a:spcBef>
-                  <a:defRPr sz="2000">
-                    <a:solidFill>
-                      <a:srgbClr val="000000"/>
-                    </a:solidFill>
-                    <a:latin typeface="Garamond"/>
-                  </a:defRPr>
-                </a:pPr>
-                <a:r>
-                  <a:rPr lang="en-US" altLang="zh-TW" sz="2000" dirty="0"/>
-                  <a:t>For preferences that are not transitive, a utility function cannot represent them.</a:t>
-                </a:r>
-              </a:p>
-              <a:p>
-                <a:pPr lvl="1">
-                  <a:lnSpc>
-                    <a:spcPct val="95000"/>
-                  </a:lnSpc>
-                  <a:spcBef>
-                    <a:spcPts val="1000"/>
-                  </a:spcBef>
-                  <a:defRPr sz="2000">
-                    <a:solidFill>
-                      <a:srgbClr val="000000"/>
-                    </a:solidFill>
-                    <a:latin typeface="Garamond"/>
-                  </a:defRPr>
-                </a:pPr>
-                <a:r>
-                  <a:rPr lang="en-US" altLang="zh-TW" sz="2000" dirty="0"/>
-                  <a:t>Suppose a consumer’s preferences reveal that </a:t>
-                </a:r>
-                <a14:m>
-                  <m:oMath xmlns:m="http://schemas.openxmlformats.org/officeDocument/2006/math">
-                    <m:r>
-                      <a:rPr lang="en-US" altLang="zh-TW" sz="2000" b="0" i="1" smtClean="0">
-                        <a:latin typeface="Cambria Math" panose="02040503050406030204" pitchFamily="18" charset="0"/>
-                      </a:rPr>
-                      <m:t>𝑋</m:t>
-                    </m:r>
-                    <m:r>
-                      <a:rPr lang="en-US" altLang="zh-TW" sz="2000" b="0" i="1" smtClean="0">
-                        <a:latin typeface="Cambria Math" panose="02040503050406030204" pitchFamily="18" charset="0"/>
-                      </a:rPr>
-                      <m:t>≻</m:t>
-                    </m:r>
-                    <m:r>
-                      <a:rPr lang="en-US" altLang="zh-TW" sz="2000" b="0" i="1" smtClean="0">
-                        <a:latin typeface="Cambria Math" panose="02040503050406030204" pitchFamily="18" charset="0"/>
-                      </a:rPr>
-                      <m:t>𝑌</m:t>
-                    </m:r>
-                  </m:oMath>
-                </a14:m>
-                <a:r>
-                  <a:rPr lang="en-US" altLang="zh-TW" sz="2000" dirty="0"/>
-                  <a:t>, </a:t>
-                </a:r>
-                <a14:m>
-                  <m:oMath xmlns:m="http://schemas.openxmlformats.org/officeDocument/2006/math">
-                    <m:r>
-                      <a:rPr lang="en-US" altLang="zh-TW" sz="2000" b="0" i="1" smtClean="0">
-                        <a:latin typeface="Cambria Math" panose="02040503050406030204" pitchFamily="18" charset="0"/>
-                      </a:rPr>
-                      <m:t>𝑌</m:t>
-                    </m:r>
-                    <m:r>
-                      <a:rPr lang="en-US" altLang="zh-TW" sz="2000" i="1">
-                        <a:latin typeface="Cambria Math" panose="02040503050406030204" pitchFamily="18" charset="0"/>
-                      </a:rPr>
-                      <m:t>≻</m:t>
-                    </m:r>
-                    <m:r>
-                      <a:rPr lang="en-US" altLang="zh-TW" sz="2000" b="0" i="1" smtClean="0">
-                        <a:latin typeface="Cambria Math" panose="02040503050406030204" pitchFamily="18" charset="0"/>
-                      </a:rPr>
-                      <m:t>𝑍</m:t>
-                    </m:r>
-                  </m:oMath>
-                </a14:m>
-                <a:r>
-                  <a:rPr lang="en-US" altLang="zh-TW" sz="2000" dirty="0"/>
-                  <a:t>, and </a:t>
-                </a:r>
-                <a14:m>
-                  <m:oMath xmlns:m="http://schemas.openxmlformats.org/officeDocument/2006/math">
-                    <m:r>
-                      <a:rPr lang="en-US" altLang="zh-TW" sz="2000" b="0" i="1" smtClean="0">
-                        <a:latin typeface="Cambria Math" panose="02040503050406030204" pitchFamily="18" charset="0"/>
-                      </a:rPr>
-                      <m:t>𝑍</m:t>
-                    </m:r>
-                    <m:r>
-                      <a:rPr lang="en-US" altLang="zh-TW" sz="2000" i="1">
-                        <a:latin typeface="Cambria Math" panose="02040503050406030204" pitchFamily="18" charset="0"/>
-                      </a:rPr>
-                      <m:t>≻</m:t>
-                    </m:r>
-                    <m:r>
-                      <a:rPr lang="en-US" altLang="zh-TW" sz="2000" b="0" i="1" smtClean="0">
-                        <a:latin typeface="Cambria Math" panose="02040503050406030204" pitchFamily="18" charset="0"/>
-                      </a:rPr>
-                      <m:t>𝑋</m:t>
-                    </m:r>
-                  </m:oMath>
-                </a14:m>
-                <a:r>
-                  <a:rPr lang="en-US" altLang="zh-TW" sz="2000" dirty="0"/>
-                  <a:t>.</a:t>
-                </a:r>
-              </a:p>
-              <a:p>
-                <a:pPr lvl="1">
-                  <a:lnSpc>
-                    <a:spcPct val="95000"/>
-                  </a:lnSpc>
-                  <a:spcBef>
-                    <a:spcPts val="1000"/>
-                  </a:spcBef>
-                  <a:defRPr sz="2000">
-                    <a:solidFill>
-                      <a:srgbClr val="000000"/>
-                    </a:solidFill>
-                    <a:latin typeface="Garamond"/>
-                  </a:defRPr>
-                </a:pPr>
-                <a:r>
-                  <a:rPr lang="en-US" altLang="zh-TW" sz="2000" dirty="0"/>
-                  <a:t>A utility representation would then require </a:t>
-                </a:r>
-                <a14:m>
-                  <m:oMath xmlns:m="http://schemas.openxmlformats.org/officeDocument/2006/math">
-                    <m:r>
-                      <a:rPr lang="en-US" altLang="zh-TW" sz="2000" b="0" i="1" smtClean="0">
-                        <a:latin typeface="Cambria Math" panose="02040503050406030204" pitchFamily="18" charset="0"/>
-                      </a:rPr>
-                      <m:t>𝑢</m:t>
-                    </m:r>
-                    <m:d>
-                      <m:dPr>
-                        <m:ctrlPr>
-                          <a:rPr lang="en-US" altLang="zh-TW" sz="2000" b="0" i="1" smtClean="0">
-                            <a:latin typeface="Cambria Math" panose="02040503050406030204" pitchFamily="18" charset="0"/>
-                          </a:rPr>
-                        </m:ctrlPr>
-                      </m:dPr>
-                      <m:e>
-                        <m:r>
-                          <a:rPr lang="en-US" altLang="zh-TW" sz="2000" b="0" i="1" smtClean="0">
-                            <a:latin typeface="Cambria Math" panose="02040503050406030204" pitchFamily="18" charset="0"/>
-                          </a:rPr>
-                          <m:t>𝑋</m:t>
-                        </m:r>
-                      </m:e>
-                    </m:d>
-                    <m:r>
-                      <a:rPr lang="en-US" altLang="zh-TW" sz="2000" b="0" i="1" smtClean="0">
-                        <a:latin typeface="Cambria Math" panose="02040503050406030204" pitchFamily="18" charset="0"/>
-                      </a:rPr>
-                      <m:t>&gt;</m:t>
-                    </m:r>
-                    <m:r>
-                      <a:rPr lang="en-US" altLang="zh-TW" sz="2000" b="0" i="1" smtClean="0">
-                        <a:latin typeface="Cambria Math" panose="02040503050406030204" pitchFamily="18" charset="0"/>
-                      </a:rPr>
-                      <m:t>𝑢</m:t>
-                    </m:r>
-                    <m:d>
-                      <m:dPr>
-                        <m:ctrlPr>
-                          <a:rPr lang="en-US" altLang="zh-TW" sz="2000" b="0" i="1" smtClean="0">
-                            <a:latin typeface="Cambria Math" panose="02040503050406030204" pitchFamily="18" charset="0"/>
-                          </a:rPr>
-                        </m:ctrlPr>
-                      </m:dPr>
-                      <m:e>
-                        <m:r>
-                          <a:rPr lang="en-US" altLang="zh-TW" sz="2000" i="1">
-                            <a:latin typeface="Cambria Math" panose="02040503050406030204" pitchFamily="18" charset="0"/>
-                          </a:rPr>
-                          <m:t>𝑌</m:t>
-                        </m:r>
-                      </m:e>
-                    </m:d>
-                  </m:oMath>
-                </a14:m>
-                <a:r>
-                  <a:rPr lang="en-US" altLang="zh-TW" sz="2000" dirty="0"/>
-                  <a:t>, </a:t>
-                </a:r>
-                <a14:m>
-                  <m:oMath xmlns:m="http://schemas.openxmlformats.org/officeDocument/2006/math">
-                    <m:r>
-                      <a:rPr lang="en-US" altLang="zh-TW" sz="2000" i="1">
-                        <a:latin typeface="Cambria Math" panose="02040503050406030204" pitchFamily="18" charset="0"/>
-                      </a:rPr>
-                      <m:t>𝑢</m:t>
-                    </m:r>
-                    <m:d>
-                      <m:dPr>
-                        <m:ctrlPr>
-                          <a:rPr lang="en-US" altLang="zh-TW" sz="2000" i="1">
-                            <a:latin typeface="Cambria Math" panose="02040503050406030204" pitchFamily="18" charset="0"/>
-                          </a:rPr>
-                        </m:ctrlPr>
-                      </m:dPr>
-                      <m:e>
-                        <m:r>
-                          <a:rPr lang="en-US" altLang="zh-TW" sz="2000" b="0" i="1" smtClean="0">
-                            <a:latin typeface="Cambria Math" panose="02040503050406030204" pitchFamily="18" charset="0"/>
-                          </a:rPr>
-                          <m:t>𝑌</m:t>
-                        </m:r>
-                      </m:e>
-                    </m:d>
-                    <m:r>
-                      <a:rPr lang="en-US" altLang="zh-TW" sz="2000" i="1">
-                        <a:latin typeface="Cambria Math" panose="02040503050406030204" pitchFamily="18" charset="0"/>
-                      </a:rPr>
-                      <m:t>&gt;</m:t>
-                    </m:r>
-                    <m:r>
-                      <a:rPr lang="en-US" altLang="zh-TW" sz="2000" i="1">
-                        <a:latin typeface="Cambria Math" panose="02040503050406030204" pitchFamily="18" charset="0"/>
-                      </a:rPr>
-                      <m:t>𝑢</m:t>
-                    </m:r>
-                    <m:d>
-                      <m:dPr>
-                        <m:ctrlPr>
-                          <a:rPr lang="en-US" altLang="zh-TW" sz="2000" i="1">
-                            <a:latin typeface="Cambria Math" panose="02040503050406030204" pitchFamily="18" charset="0"/>
-                          </a:rPr>
-                        </m:ctrlPr>
-                      </m:dPr>
-                      <m:e>
-                        <m:r>
-                          <a:rPr lang="en-US" altLang="zh-TW" sz="2000" b="0" i="1" smtClean="0">
-                            <a:latin typeface="Cambria Math" panose="02040503050406030204" pitchFamily="18" charset="0"/>
-                          </a:rPr>
-                          <m:t>𝑍</m:t>
-                        </m:r>
-                      </m:e>
-                    </m:d>
-                  </m:oMath>
-                </a14:m>
-                <a:r>
-                  <a:rPr lang="en-US" altLang="zh-TW" sz="2000" dirty="0"/>
-                  <a:t>, and </a:t>
-                </a:r>
-                <a14:m>
-                  <m:oMath xmlns:m="http://schemas.openxmlformats.org/officeDocument/2006/math">
-                    <m:r>
-                      <a:rPr lang="en-US" altLang="zh-TW" sz="2000" i="1">
-                        <a:latin typeface="Cambria Math" panose="02040503050406030204" pitchFamily="18" charset="0"/>
-                      </a:rPr>
-                      <m:t>𝑢</m:t>
-                    </m:r>
-                    <m:d>
-                      <m:dPr>
-                        <m:ctrlPr>
-                          <a:rPr lang="en-US" altLang="zh-TW" sz="2000" i="1">
-                            <a:latin typeface="Cambria Math" panose="02040503050406030204" pitchFamily="18" charset="0"/>
-                          </a:rPr>
-                        </m:ctrlPr>
-                      </m:dPr>
-                      <m:e>
-                        <m:r>
-                          <a:rPr lang="en-US" altLang="zh-TW" sz="2000" b="0" i="1" smtClean="0">
-                            <a:latin typeface="Cambria Math" panose="02040503050406030204" pitchFamily="18" charset="0"/>
-                          </a:rPr>
-                          <m:t>𝑍</m:t>
-                        </m:r>
-                      </m:e>
-                    </m:d>
-                    <m:r>
-                      <a:rPr lang="en-US" altLang="zh-TW" sz="2000" i="1">
-                        <a:latin typeface="Cambria Math" panose="02040503050406030204" pitchFamily="18" charset="0"/>
-                      </a:rPr>
-                      <m:t>&gt;</m:t>
-                    </m:r>
-                    <m:r>
-                      <a:rPr lang="en-US" altLang="zh-TW" sz="2000" i="1">
-                        <a:latin typeface="Cambria Math" panose="02040503050406030204" pitchFamily="18" charset="0"/>
-                      </a:rPr>
-                      <m:t>𝑢</m:t>
-                    </m:r>
-                    <m:d>
-                      <m:dPr>
-                        <m:ctrlPr>
-                          <a:rPr lang="en-US" altLang="zh-TW" sz="2000" i="1">
-                            <a:latin typeface="Cambria Math" panose="02040503050406030204" pitchFamily="18" charset="0"/>
-                          </a:rPr>
-                        </m:ctrlPr>
-                      </m:dPr>
-                      <m:e>
-                        <m:r>
-                          <a:rPr lang="en-US" altLang="zh-TW" sz="2000" b="0" i="1" smtClean="0">
-                            <a:latin typeface="Cambria Math" panose="02040503050406030204" pitchFamily="18" charset="0"/>
-                          </a:rPr>
-                          <m:t>𝑋</m:t>
-                        </m:r>
-                      </m:e>
-                    </m:d>
-                  </m:oMath>
-                </a14:m>
-                <a:r>
-                  <a:rPr lang="en-US" altLang="zh-TW" sz="2000" dirty="0"/>
-                  <a:t>.</a:t>
-                </a:r>
-              </a:p>
-              <a:p>
-                <a:pPr lvl="1">
-                  <a:lnSpc>
-                    <a:spcPct val="95000"/>
-                  </a:lnSpc>
-                  <a:spcBef>
-                    <a:spcPts val="1000"/>
-                  </a:spcBef>
-                  <a:defRPr sz="2000">
-                    <a:solidFill>
-                      <a:srgbClr val="000000"/>
-                    </a:solidFill>
-                    <a:latin typeface="Garamond"/>
-                  </a:defRPr>
-                </a:pPr>
-                <a:r>
-                  <a:rPr lang="en-US" sz="2000" dirty="0"/>
-                  <a:t>This implies that </a:t>
-                </a:r>
-                <a14:m>
-                  <m:oMath xmlns:m="http://schemas.openxmlformats.org/officeDocument/2006/math">
-                    <m:r>
-                      <a:rPr lang="en-US" altLang="zh-TW" sz="2000" i="1">
-                        <a:latin typeface="Cambria Math" panose="02040503050406030204" pitchFamily="18" charset="0"/>
-                      </a:rPr>
-                      <m:t>𝑢</m:t>
-                    </m:r>
-                    <m:d>
-                      <m:dPr>
-                        <m:ctrlPr>
-                          <a:rPr lang="en-US" altLang="zh-TW" sz="2000" i="1">
-                            <a:latin typeface="Cambria Math" panose="02040503050406030204" pitchFamily="18" charset="0"/>
-                          </a:rPr>
-                        </m:ctrlPr>
-                      </m:dPr>
-                      <m:e>
-                        <m:r>
-                          <a:rPr lang="en-US" altLang="zh-TW" sz="2000" i="1">
-                            <a:latin typeface="Cambria Math" panose="02040503050406030204" pitchFamily="18" charset="0"/>
-                          </a:rPr>
-                          <m:t>𝑋</m:t>
-                        </m:r>
-                      </m:e>
-                    </m:d>
-                    <m:r>
-                      <a:rPr lang="en-US" altLang="zh-TW" sz="2000" i="1">
-                        <a:latin typeface="Cambria Math" panose="02040503050406030204" pitchFamily="18" charset="0"/>
-                      </a:rPr>
-                      <m:t>&gt;</m:t>
-                    </m:r>
-                    <m:r>
-                      <a:rPr lang="en-US" altLang="zh-TW" sz="2000" i="1">
-                        <a:latin typeface="Cambria Math" panose="02040503050406030204" pitchFamily="18" charset="0"/>
-                      </a:rPr>
-                      <m:t>𝑢</m:t>
-                    </m:r>
-                    <m:d>
-                      <m:dPr>
-                        <m:ctrlPr>
-                          <a:rPr lang="en-US" altLang="zh-TW" sz="2000" i="1">
-                            <a:latin typeface="Cambria Math" panose="02040503050406030204" pitchFamily="18" charset="0"/>
-                          </a:rPr>
-                        </m:ctrlPr>
-                      </m:dPr>
-                      <m:e>
-                        <m:r>
-                          <a:rPr lang="en-US" altLang="zh-TW" sz="2000" i="1">
-                            <a:latin typeface="Cambria Math" panose="02040503050406030204" pitchFamily="18" charset="0"/>
-                          </a:rPr>
-                          <m:t>𝑋</m:t>
-                        </m:r>
-                      </m:e>
-                    </m:d>
-                  </m:oMath>
-                </a14:m>
-                <a:r>
-                  <a:rPr lang="en-US" altLang="zh-TW" sz="2000" dirty="0">
-                    <a:latin typeface="Garamond" panose="02020404030301010803" pitchFamily="18" charset="0"/>
-                  </a:rPr>
-                  <a:t>, which is not possible.</a:t>
-                </a:r>
-              </a:p>
-              <a:p>
-                <a:pPr lvl="3">
-                  <a:lnSpc>
-                    <a:spcPct val="95000"/>
-                  </a:lnSpc>
-                  <a:spcBef>
-                    <a:spcPts val="1000"/>
-                  </a:spcBef>
-                  <a:defRPr sz="2000">
-                    <a:solidFill>
-                      <a:srgbClr val="000000"/>
-                    </a:solidFill>
-                    <a:latin typeface="Garamond"/>
-                  </a:defRPr>
-                </a:pPr>
-                <a:endParaRPr lang="en-US" altLang="zh-TW" sz="1200" dirty="0"/>
-              </a:p>
-              <a:p>
-                <a:pPr>
-                  <a:lnSpc>
-                    <a:spcPct val="95000"/>
-                  </a:lnSpc>
-                  <a:spcBef>
-                    <a:spcPts val="1000"/>
-                  </a:spcBef>
-                  <a:defRPr sz="2000">
-                    <a:solidFill>
-                      <a:srgbClr val="000000"/>
-                    </a:solidFill>
-                    <a:latin typeface="Garamond"/>
-                  </a:defRPr>
-                </a:pPr>
-                <a:r>
-                  <a:rPr lang="en-US" altLang="zh-TW" sz="2400" dirty="0"/>
-                  <a:t>In fact, a preference relation has utility function representation only if the preference relation is rational.</a:t>
-                </a:r>
-              </a:p>
-              <a:p>
-                <a:pPr lvl="3">
-                  <a:lnSpc>
-                    <a:spcPct val="95000"/>
-                  </a:lnSpc>
-                  <a:spcBef>
-                    <a:spcPts val="1000"/>
-                  </a:spcBef>
-                  <a:defRPr sz="2000">
-                    <a:solidFill>
-                      <a:srgbClr val="000000"/>
-                    </a:solidFill>
-                    <a:latin typeface="Garamond"/>
-                  </a:defRPr>
-                </a:pPr>
-                <a:endParaRPr lang="en-US" altLang="zh-TW" sz="1200" dirty="0"/>
-              </a:p>
-              <a:p>
-                <a:pPr>
-                  <a:lnSpc>
-                    <a:spcPct val="95000"/>
-                  </a:lnSpc>
-                  <a:spcBef>
-                    <a:spcPts val="1000"/>
-                  </a:spcBef>
-                  <a:defRPr sz="2000">
-                    <a:solidFill>
-                      <a:srgbClr val="000000"/>
-                    </a:solidFill>
-                    <a:latin typeface="Garamond"/>
-                  </a:defRPr>
-                </a:pPr>
-                <a:r>
-                  <a:rPr lang="en-US" altLang="zh-TW" sz="2400" dirty="0"/>
-                  <a:t>Most well-behaved preference relations can be represented by a utility function.</a:t>
-                </a:r>
-              </a:p>
-              <a:p>
-                <a:pPr>
-                  <a:lnSpc>
-                    <a:spcPct val="95000"/>
-                  </a:lnSpc>
-                  <a:spcBef>
-                    <a:spcPts val="1000"/>
-                  </a:spcBef>
-                  <a:defRPr sz="2000">
-                    <a:solidFill>
-                      <a:srgbClr val="000000"/>
-                    </a:solidFill>
-                    <a:latin typeface="Garamond"/>
-                  </a:defRPr>
-                </a:pPr>
-                <a:endParaRPr lang="en-US" altLang="zh-TW" sz="2400" dirty="0"/>
-              </a:p>
-            </p:txBody>
-          </p:sp>
-        </mc:Choice>
-        <mc:Fallback xmlns="">
-          <p:sp>
-            <p:nvSpPr>
-              <p:cNvPr id="3" name="Content Placeholder 2">
-                <a:extLst>
-                  <a:ext uri="{FF2B5EF4-FFF2-40B4-BE49-F238E27FC236}">
-                    <a16:creationId xmlns:a16="http://schemas.microsoft.com/office/drawing/2014/main" id="{A756B638-3D7E-468C-20AE-6A2ED491CE23}"/>
-                  </a:ext>
-                </a:extLst>
-              </p:cNvPr>
-              <p:cNvSpPr>
-                <a:spLocks noGrp="1" noRot="1" noChangeAspect="1" noMove="1" noResize="1" noEditPoints="1" noAdjustHandles="1" noChangeArrowheads="1" noChangeShapeType="1" noTextEdit="1"/>
-              </p:cNvSpPr>
-              <p:nvPr>
-                <p:ph idx="1"/>
-              </p:nvPr>
-            </p:nvSpPr>
-            <p:spPr>
-              <a:xfrm>
-                <a:off x="457199" y="1300900"/>
-                <a:ext cx="11189855" cy="5202528"/>
-              </a:xfrm>
-              <a:blipFill>
-                <a:blip r:embed="rId2"/>
-                <a:stretch>
-                  <a:fillRect l="-708" t="-1288"/>
-                </a:stretch>
-              </a:blipFill>
-            </p:spPr>
-            <p:txBody>
-              <a:bodyPr/>
-              <a:lstStyle/>
-              <a:p>
-                <a:r>
-                  <a:rPr lang="en-US">
-                    <a:noFill/>
-                  </a:rPr>
-                  <a:t> </a:t>
-                </a:r>
-              </a:p>
-            </p:txBody>
-          </p:sp>
-        </mc:Fallback>
-      </mc:AlternateContent>
-      <p:sp>
-        <p:nvSpPr>
-          <p:cNvPr id="4" name="Rectangle 3">
-            <a:extLst>
-              <a:ext uri="{FF2B5EF4-FFF2-40B4-BE49-F238E27FC236}">
-                <a16:creationId xmlns:a16="http://schemas.microsoft.com/office/drawing/2014/main" id="{857E7239-2536-BD9C-DFB4-BC5C767A7DA7}"/>
-              </a:ext>
-            </a:extLst>
-          </p:cNvPr>
-          <p:cNvSpPr/>
-          <p:nvPr/>
-        </p:nvSpPr>
-        <p:spPr>
-          <a:xfrm>
-            <a:off x="0" y="0"/>
-            <a:ext cx="12188825" cy="923636"/>
-          </a:xfrm>
-          <a:prstGeom prst="rect">
-            <a:avLst/>
-          </a:prstGeom>
-          <a:solidFill>
-            <a:srgbClr val="77122C"/>
-          </a:solidFill>
-        </p:spPr>
-        <p:style>
-          <a:lnRef idx="1">
-            <a:schemeClr val="accent1"/>
-          </a:lnRef>
-          <a:fillRef idx="3">
-            <a:schemeClr val="accent1"/>
-          </a:fillRef>
-          <a:effectRef idx="2">
-            <a:schemeClr val="accent1"/>
-          </a:effectRef>
-          <a:fontRef idx="minor">
-            <a:schemeClr val="lt1"/>
-          </a:fontRef>
-        </p:style>
-        <p:txBody>
-          <a:bodyPr rtlCol="0" anchor="ctr"/>
-          <a:lstStyle/>
-          <a:p>
-            <a:pPr algn="ctr"/>
-            <a:endParaRPr lang="en-US"/>
-          </a:p>
-        </p:txBody>
-      </p:sp>
-      <p:sp>
-        <p:nvSpPr>
-          <p:cNvPr id="2" name="Title 1">
-            <a:extLst>
-              <a:ext uri="{FF2B5EF4-FFF2-40B4-BE49-F238E27FC236}">
-                <a16:creationId xmlns:a16="http://schemas.microsoft.com/office/drawing/2014/main" id="{614741F4-6541-73D8-592A-D25E4646950D}"/>
-              </a:ext>
-            </a:extLst>
-          </p:cNvPr>
-          <p:cNvSpPr>
-            <a:spLocks noGrp="1"/>
-          </p:cNvSpPr>
-          <p:nvPr>
-            <p:ph type="title"/>
-          </p:nvPr>
-        </p:nvSpPr>
-        <p:spPr>
-          <a:xfrm>
-            <a:off x="0" y="0"/>
-            <a:ext cx="12188825" cy="923636"/>
-          </a:xfrm>
-        </p:spPr>
-        <p:txBody>
-          <a:bodyPr>
-            <a:normAutofit/>
-          </a:bodyPr>
-          <a:lstStyle/>
-          <a:p>
-            <a:pPr algn="l">
-              <a:defRPr sz="4000" b="1">
-                <a:solidFill>
-                  <a:srgbClr val="FDB913"/>
-                </a:solidFill>
-                <a:latin typeface="Garamond"/>
-              </a:defRPr>
-            </a:pPr>
-            <a:r>
-              <a:rPr lang="en-US" sz="4000" dirty="0">
-                <a:solidFill>
-                  <a:schemeClr val="bg1"/>
-                </a:solidFill>
-              </a:rPr>
-              <a:t>  Utility Function Representation</a:t>
-            </a:r>
-          </a:p>
-        </p:txBody>
-      </p:sp>
-      <p:sp>
-        <p:nvSpPr>
-          <p:cNvPr id="5" name="Rectangle 4">
-            <a:extLst>
-              <a:ext uri="{FF2B5EF4-FFF2-40B4-BE49-F238E27FC236}">
-                <a16:creationId xmlns:a16="http://schemas.microsoft.com/office/drawing/2014/main" id="{F7E0E715-899D-5FED-3183-F024FF0AF70E}"/>
-              </a:ext>
-            </a:extLst>
-          </p:cNvPr>
-          <p:cNvSpPr/>
-          <p:nvPr/>
-        </p:nvSpPr>
-        <p:spPr>
-          <a:xfrm>
-            <a:off x="-1" y="6503428"/>
-            <a:ext cx="12188825" cy="354572"/>
-          </a:xfrm>
-          <a:prstGeom prst="rect">
-            <a:avLst/>
-          </a:prstGeom>
-          <a:solidFill>
-            <a:srgbClr val="77122C"/>
-          </a:solidFill>
-        </p:spPr>
-        <p:style>
-          <a:lnRef idx="1">
-            <a:schemeClr val="accent1"/>
-          </a:lnRef>
-          <a:fillRef idx="3">
-            <a:schemeClr val="accent1"/>
-          </a:fillRef>
-          <a:effectRef idx="2">
-            <a:schemeClr val="accent1"/>
-          </a:effectRef>
-          <a:fontRef idx="minor">
-            <a:schemeClr val="lt1"/>
-          </a:fontRef>
-        </p:style>
-        <p:txBody>
-          <a:bodyPr rtlCol="0" anchor="ctr"/>
-          <a:lstStyle/>
-          <a:p>
-            <a:pPr algn="ctr"/>
-            <a:endParaRPr lang="en-US"/>
-          </a:p>
-        </p:txBody>
-      </p:sp>
-      <p:sp>
-        <p:nvSpPr>
-          <p:cNvPr id="6" name="Footer Placeholder 5">
-            <a:extLst>
-              <a:ext uri="{FF2B5EF4-FFF2-40B4-BE49-F238E27FC236}">
-                <a16:creationId xmlns:a16="http://schemas.microsoft.com/office/drawing/2014/main" id="{85470592-0574-2351-3A48-555A1D783A38}"/>
-              </a:ext>
-            </a:extLst>
-          </p:cNvPr>
-          <p:cNvSpPr>
-            <a:spLocks noGrp="1"/>
-          </p:cNvSpPr>
-          <p:nvPr>
-            <p:ph type="ftr" sz="quarter" idx="11"/>
-          </p:nvPr>
-        </p:nvSpPr>
-        <p:spPr>
-          <a:xfrm>
-            <a:off x="-1" y="6503428"/>
-            <a:ext cx="2895600" cy="354572"/>
-          </a:xfrm>
-        </p:spPr>
-        <p:txBody>
-          <a:bodyPr/>
-          <a:lstStyle/>
-          <a:p>
-            <a:pPr algn="l"/>
-            <a:r>
-              <a:rPr lang="en-US">
-                <a:solidFill>
-                  <a:schemeClr val="bg1"/>
-                </a:solidFill>
-                <a:latin typeface="Garamond" panose="02020404030301010803" pitchFamily="18" charset="0"/>
-              </a:rPr>
-              <a:t> Intermediate Microeconomic Theory</a:t>
-            </a:r>
-            <a:endParaRPr lang="en-US" dirty="0">
-              <a:solidFill>
-                <a:schemeClr val="bg1"/>
-              </a:solidFill>
-              <a:latin typeface="Garamond" panose="02020404030301010803" pitchFamily="18" charset="0"/>
-            </a:endParaRPr>
-          </a:p>
-        </p:txBody>
-      </p:sp>
-      <p:sp>
-        <p:nvSpPr>
-          <p:cNvPr id="7" name="Slide Number Placeholder 6">
-            <a:extLst>
-              <a:ext uri="{FF2B5EF4-FFF2-40B4-BE49-F238E27FC236}">
-                <a16:creationId xmlns:a16="http://schemas.microsoft.com/office/drawing/2014/main" id="{2843D56F-A365-6482-D757-0B3FD355E64F}"/>
-              </a:ext>
-            </a:extLst>
-          </p:cNvPr>
-          <p:cNvSpPr>
-            <a:spLocks noGrp="1"/>
-          </p:cNvSpPr>
-          <p:nvPr>
-            <p:ph type="sldNum" sz="quarter" idx="12"/>
-          </p:nvPr>
-        </p:nvSpPr>
-        <p:spPr>
-          <a:xfrm>
-            <a:off x="10055225" y="6503428"/>
-            <a:ext cx="2133600" cy="354572"/>
-          </a:xfrm>
-        </p:spPr>
-        <p:txBody>
-          <a:bodyPr/>
-          <a:lstStyle/>
-          <a:p>
-            <a:fld id="{C1FF6DA9-008F-8B48-92A6-B652298478BF}" type="slidenum">
-              <a:rPr lang="en-US" b="1" smtClean="0">
-                <a:solidFill>
-                  <a:schemeClr val="bg1"/>
-                </a:solidFill>
-                <a:latin typeface="Garamond" panose="02020404030301010803" pitchFamily="18" charset="0"/>
-              </a:rPr>
-              <a:t>10</a:t>
-            </a:fld>
-            <a:r>
-              <a:rPr lang="en-US" b="1" dirty="0">
-                <a:solidFill>
-                  <a:schemeClr val="bg1"/>
-                </a:solidFill>
-                <a:latin typeface="Garamond" panose="02020404030301010803" pitchFamily="18" charset="0"/>
-              </a:rPr>
-              <a:t> </a:t>
-            </a:r>
-          </a:p>
-        </p:txBody>
-      </p:sp>
-    </p:spTree>
-    <p:extLst>
-      <p:ext uri="{BB962C8B-B14F-4D97-AF65-F5344CB8AC3E}">
-        <p14:creationId xmlns:p14="http://schemas.microsoft.com/office/powerpoint/2010/main" val="2291045552"/>
-      </p:ext>
-    </p:extLst>
-  </p:cSld>
-  <p:clrMapOvr>
-    <a:masterClrMapping/>
-  </p:clrMapOvr>
-  <p:timing>
-    <p:tnLst>
-      <p:par>
-        <p:cTn id="1" dur="indefinite" restart="never" nodeType="tmRoot">
-          <p:childTnLst>
-            <p:seq concurrent="1" nextAc="seek">
-              <p:cTn id="2" dur="indefinite" nodeType="mainSeq">
-                <p:childTnLst>
-                  <p:par>
-                    <p:cTn id="3" fill="hold">
-                      <p:stCondLst>
-                        <p:cond delay="indefinite"/>
-                        <p:cond evt="onBegin" delay="0">
-                          <p:tn val="2"/>
-                        </p:cond>
-                      </p:stCondLst>
-                      <p:childTnLst>
-                        <p:par>
-                          <p:cTn id="4" fill="hold">
-                            <p:stCondLst>
-                              <p:cond delay="0"/>
-                            </p:stCondLst>
-                            <p:childTnLst>
-                              <p:par>
-                                <p:cTn id="5" presetID="10" presetClass="entr" presetSubtype="0" fill="hold" nodeType="withEffect">
-                                  <p:stCondLst>
-                                    <p:cond delay="0"/>
-                                  </p:stCondLst>
-                                  <p:childTnLst>
-                                    <p:set>
-                                      <p:cBhvr>
-                                        <p:cTn id="6" dur="1" fill="hold">
-                                          <p:stCondLst>
-                                            <p:cond delay="0"/>
-                                          </p:stCondLst>
-                                        </p:cTn>
-                                        <p:tgtEl>
-                                          <p:spTgt spid="3">
-                                            <p:txEl>
-                                              <p:pRg st="0" end="0"/>
-                                            </p:txEl>
-                                          </p:spTgt>
-                                        </p:tgtEl>
-                                        <p:attrNameLst>
-                                          <p:attrName>style.visibility</p:attrName>
-                                        </p:attrNameLst>
-                                      </p:cBhvr>
-                                      <p:to>
-                                        <p:strVal val="visible"/>
-                                      </p:to>
-                                    </p:set>
-                                    <p:animEffect transition="in" filter="fade">
-                                      <p:cBhvr>
-                                        <p:cTn id="7" dur="500"/>
-                                        <p:tgtEl>
-                                          <p:spTgt spid="3">
-                                            <p:txEl>
-                                              <p:pRg st="0" end="0"/>
-                                            </p:txEl>
-                                          </p:spTgt>
-                                        </p:tgtEl>
-                                      </p:cBhvr>
-                                    </p:animEffect>
-                                  </p:childTnLst>
-                                </p:cTn>
-                              </p:par>
-                              <p:par>
-                                <p:cTn id="8" presetID="10" presetClass="entr" presetSubtype="0" fill="hold" nodeType="withEffect">
-                                  <p:stCondLst>
-                                    <p:cond delay="0"/>
-                                  </p:stCondLst>
-                                  <p:childTnLst>
-                                    <p:set>
-                                      <p:cBhvr>
-                                        <p:cTn id="9" dur="1" fill="hold">
-                                          <p:stCondLst>
-                                            <p:cond delay="0"/>
-                                          </p:stCondLst>
-                                        </p:cTn>
-                                        <p:tgtEl>
-                                          <p:spTgt spid="3">
-                                            <p:txEl>
-                                              <p:pRg st="1" end="1"/>
-                                            </p:txEl>
-                                          </p:spTgt>
-                                        </p:tgtEl>
-                                        <p:attrNameLst>
-                                          <p:attrName>style.visibility</p:attrName>
-                                        </p:attrNameLst>
-                                      </p:cBhvr>
-                                      <p:to>
-                                        <p:strVal val="visible"/>
-                                      </p:to>
-                                    </p:set>
-                                    <p:animEffect transition="in" filter="fade">
-                                      <p:cBhvr>
-                                        <p:cTn id="10" dur="500"/>
-                                        <p:tgtEl>
-                                          <p:spTgt spid="3">
-                                            <p:txEl>
-                                              <p:pRg st="1" end="1"/>
-                                            </p:txEl>
-                                          </p:spTgt>
-                                        </p:tgtEl>
-                                      </p:cBhvr>
-                                    </p:animEffect>
-                                  </p:childTnLst>
-                                </p:cTn>
-                              </p:par>
-                              <p:par>
-                                <p:cTn id="11" presetID="10" presetClass="entr" presetSubtype="0" fill="hold" nodeType="withEffect">
-                                  <p:stCondLst>
-                                    <p:cond delay="0"/>
-                                  </p:stCondLst>
-                                  <p:childTnLst>
-                                    <p:set>
-                                      <p:cBhvr>
-                                        <p:cTn id="12" dur="1" fill="hold">
-                                          <p:stCondLst>
-                                            <p:cond delay="0"/>
-                                          </p:stCondLst>
-                                        </p:cTn>
-                                        <p:tgtEl>
-                                          <p:spTgt spid="3">
-                                            <p:txEl>
-                                              <p:pRg st="2" end="2"/>
-                                            </p:txEl>
-                                          </p:spTgt>
-                                        </p:tgtEl>
-                                        <p:attrNameLst>
-                                          <p:attrName>style.visibility</p:attrName>
-                                        </p:attrNameLst>
-                                      </p:cBhvr>
-                                      <p:to>
-                                        <p:strVal val="visible"/>
-                                      </p:to>
-                                    </p:set>
-                                    <p:animEffect transition="in" filter="fade">
-                                      <p:cBhvr>
-                                        <p:cTn id="13" dur="500"/>
-                                        <p:tgtEl>
-                                          <p:spTgt spid="3">
-                                            <p:txEl>
-                                              <p:pRg st="2" end="2"/>
-                                            </p:txEl>
-                                          </p:spTgt>
-                                        </p:tgtEl>
-                                      </p:cBhvr>
-                                    </p:animEffect>
-                                  </p:childTnLst>
-                                </p:cTn>
-                              </p:par>
-                              <p:par>
-                                <p:cTn id="14" presetID="10" presetClass="entr" presetSubtype="0" fill="hold" nodeType="withEffect">
-                                  <p:stCondLst>
-                                    <p:cond delay="0"/>
-                                  </p:stCondLst>
-                                  <p:childTnLst>
-                                    <p:set>
-                                      <p:cBhvr>
-                                        <p:cTn id="15" dur="1" fill="hold">
-                                          <p:stCondLst>
-                                            <p:cond delay="0"/>
-                                          </p:stCondLst>
-                                        </p:cTn>
-                                        <p:tgtEl>
-                                          <p:spTgt spid="3">
-                                            <p:txEl>
-                                              <p:pRg st="3" end="3"/>
-                                            </p:txEl>
-                                          </p:spTgt>
-                                        </p:tgtEl>
-                                        <p:attrNameLst>
-                                          <p:attrName>style.visibility</p:attrName>
-                                        </p:attrNameLst>
-                                      </p:cBhvr>
-                                      <p:to>
-                                        <p:strVal val="visible"/>
-                                      </p:to>
-                                    </p:set>
-                                    <p:animEffect transition="in" filter="fade">
-                                      <p:cBhvr>
-                                        <p:cTn id="16" dur="500"/>
-                                        <p:tgtEl>
-                                          <p:spTgt spid="3">
-                                            <p:txEl>
-                                              <p:pRg st="3" end="3"/>
-                                            </p:txEl>
-                                          </p:spTgt>
-                                        </p:tgtEl>
-                                      </p:cBhvr>
-                                    </p:animEffect>
-                                  </p:childTnLst>
-                                </p:cTn>
-                              </p:par>
-                              <p:par>
-                                <p:cTn id="17" presetID="10" presetClass="entr" presetSubtype="0" fill="hold" nodeType="withEffect">
-                                  <p:stCondLst>
-                                    <p:cond delay="0"/>
-                                  </p:stCondLst>
-                                  <p:childTnLst>
-                                    <p:set>
-                                      <p:cBhvr>
-                                        <p:cTn id="18" dur="1" fill="hold">
-                                          <p:stCondLst>
-                                            <p:cond delay="0"/>
-                                          </p:stCondLst>
-                                        </p:cTn>
-                                        <p:tgtEl>
-                                          <p:spTgt spid="3">
-                                            <p:txEl>
-                                              <p:pRg st="4" end="4"/>
-                                            </p:txEl>
-                                          </p:spTgt>
-                                        </p:tgtEl>
-                                        <p:attrNameLst>
-                                          <p:attrName>style.visibility</p:attrName>
-                                        </p:attrNameLst>
-                                      </p:cBhvr>
-                                      <p:to>
-                                        <p:strVal val="visible"/>
-                                      </p:to>
-                                    </p:set>
-                                    <p:animEffect transition="in" filter="fade">
-                                      <p:cBhvr>
-                                        <p:cTn id="19" dur="500"/>
-                                        <p:tgtEl>
-                                          <p:spTgt spid="3">
-                                            <p:txEl>
-                                              <p:pRg st="4" end="4"/>
-                                            </p:txEl>
-                                          </p:spTgt>
-                                        </p:tgtEl>
-                                      </p:cBhvr>
-                                    </p:animEffect>
-                                  </p:childTnLst>
-                                </p:cTn>
-                              </p:par>
-                            </p:childTnLst>
-                          </p:cTn>
-                        </p:par>
-                      </p:childTnLst>
-                    </p:cTn>
-                  </p:par>
-                  <p:par>
-                    <p:cTn id="20" fill="hold">
-                      <p:stCondLst>
-                        <p:cond delay="indefinite"/>
-                      </p:stCondLst>
-                      <p:childTnLst>
-                        <p:par>
-                          <p:cTn id="21" fill="hold">
-                            <p:stCondLst>
-                              <p:cond delay="0"/>
-                            </p:stCondLst>
-                            <p:childTnLst>
-                              <p:par>
-                                <p:cTn id="22" presetID="10" presetClass="entr" presetSubtype="0" fill="hold" nodeType="clickEffect">
-                                  <p:stCondLst>
-                                    <p:cond delay="0"/>
-                                  </p:stCondLst>
-                                  <p:childTnLst>
-                                    <p:set>
-                                      <p:cBhvr>
-                                        <p:cTn id="23" dur="1" fill="hold">
-                                          <p:stCondLst>
-                                            <p:cond delay="0"/>
-                                          </p:stCondLst>
-                                        </p:cTn>
-                                        <p:tgtEl>
-                                          <p:spTgt spid="3">
-                                            <p:txEl>
-                                              <p:pRg st="6" end="6"/>
-                                            </p:txEl>
-                                          </p:spTgt>
-                                        </p:tgtEl>
-                                        <p:attrNameLst>
-                                          <p:attrName>style.visibility</p:attrName>
-                                        </p:attrNameLst>
-                                      </p:cBhvr>
-                                      <p:to>
-                                        <p:strVal val="visible"/>
-                                      </p:to>
-                                    </p:set>
-                                    <p:animEffect transition="in" filter="fade">
-                                      <p:cBhvr>
-                                        <p:cTn id="24" dur="500"/>
-                                        <p:tgtEl>
-                                          <p:spTgt spid="3">
-                                            <p:txEl>
-                                              <p:pRg st="6" end="6"/>
-                                            </p:txEl>
-                                          </p:spTgt>
-                                        </p:tgtEl>
-                                      </p:cBhvr>
-                                    </p:animEffect>
-                                  </p:childTnLst>
-                                </p:cTn>
-                              </p:par>
-                            </p:childTnLst>
-                          </p:cTn>
-                        </p:par>
-                      </p:childTnLst>
-                    </p:cTn>
-                  </p:par>
-                  <p:par>
-                    <p:cTn id="25" fill="hold">
-                      <p:stCondLst>
-                        <p:cond delay="indefinite"/>
-                      </p:stCondLst>
-                      <p:childTnLst>
-                        <p:par>
-                          <p:cTn id="26" fill="hold">
-                            <p:stCondLst>
-                              <p:cond delay="0"/>
-                            </p:stCondLst>
-                            <p:childTnLst>
-                              <p:par>
-                                <p:cTn id="27" presetID="10" presetClass="entr" presetSubtype="0" fill="hold" nodeType="clickEffect">
-                                  <p:stCondLst>
-                                    <p:cond delay="0"/>
-                                  </p:stCondLst>
-                                  <p:childTnLst>
-                                    <p:set>
-                                      <p:cBhvr>
-                                        <p:cTn id="28" dur="1" fill="hold">
-                                          <p:stCondLst>
-                                            <p:cond delay="0"/>
-                                          </p:stCondLst>
-                                        </p:cTn>
-                                        <p:tgtEl>
-                                          <p:spTgt spid="3">
-                                            <p:txEl>
-                                              <p:pRg st="8" end="8"/>
-                                            </p:txEl>
-                                          </p:spTgt>
-                                        </p:tgtEl>
-                                        <p:attrNameLst>
-                                          <p:attrName>style.visibility</p:attrName>
-                                        </p:attrNameLst>
-                                      </p:cBhvr>
-                                      <p:to>
-                                        <p:strVal val="visible"/>
-                                      </p:to>
-                                    </p:set>
-                                    <p:animEffect transition="in" filter="fade">
-                                      <p:cBhvr>
-                                        <p:cTn id="29" dur="500"/>
-                                        <p:tgtEl>
-                                          <p:spTgt spid="3">
-                                            <p:txEl>
-                                              <p:pRg st="8" end="8"/>
-                                            </p:txEl>
-                                          </p:spTgt>
-                                        </p:tgtEl>
-                                      </p:cBhvr>
-                                    </p:animEffect>
-                                  </p:childTnLst>
-                                </p:cTn>
-                              </p:par>
-                            </p:childTnLst>
-                          </p:cTn>
-                        </p:par>
-                      </p:childTnLst>
-                    </p:cTn>
-                  </p:par>
-                </p:childTnLst>
-              </p:cTn>
-              <p:prevCondLst>
-                <p:cond evt="onPrev" delay="0">
-                  <p:tgtEl>
-                    <p:sldTgt/>
-                  </p:tgtEl>
-                </p:cond>
-              </p:prevCondLst>
-              <p:nextCondLst>
-                <p:cond evt="onNext" delay="0">
-                  <p:tgtEl>
-                    <p:sldTgt/>
-                  </p:tgtEl>
-                </p:cond>
-              </p:nextCondLst>
-            </p:seq>
-          </p:childTnLst>
-        </p:cTn>
-      </p:par>
-    </p:tnLst>
-  </p:timing>
-</p:sld>
-</file>
-
-<file path=ppt/slides/slide11.xml><?xml version="1.0" encoding="utf-8"?>
-<p:sld xmlns:a="http://schemas.openxmlformats.org/drawingml/2006/main" xmlns:r="http://schemas.openxmlformats.org/officeDocument/2006/relationships" xmlns:p="http://schemas.openxmlformats.org/presentationml/2006/main">
-  <p:cSld>
-    <p:spTree>
-      <p:nvGrpSpPr>
-        <p:cNvPr id="1" name="">
-          <a:extLst>
-            <a:ext uri="{FF2B5EF4-FFF2-40B4-BE49-F238E27FC236}">
-              <a16:creationId xmlns:a16="http://schemas.microsoft.com/office/drawing/2014/main" id="{D27AEFF2-F746-BD8D-D2B8-1FC132FDB0F0}"/>
-            </a:ext>
-          </a:extLst>
-        </p:cNvPr>
-        <p:cNvGrpSpPr/>
-        <p:nvPr/>
-      </p:nvGrpSpPr>
-      <p:grpSpPr>
-        <a:xfrm>
-          <a:off x="0" y="0"/>
-          <a:ext cx="0" cy="0"/>
-          <a:chOff x="0" y="0"/>
-          <a:chExt cx="0" cy="0"/>
-        </a:xfrm>
-      </p:grpSpPr>
-      <p:sp>
-        <p:nvSpPr>
-          <p:cNvPr id="3" name="Content Placeholder 2">
-            <a:extLst>
-              <a:ext uri="{FF2B5EF4-FFF2-40B4-BE49-F238E27FC236}">
-                <a16:creationId xmlns:a16="http://schemas.microsoft.com/office/drawing/2014/main" id="{79210A33-223B-9471-CB72-FE8056A1841A}"/>
-              </a:ext>
-            </a:extLst>
-          </p:cNvPr>
-          <p:cNvSpPr>
-            <a:spLocks noGrp="1"/>
-          </p:cNvSpPr>
-          <p:nvPr>
-            <p:ph idx="1"/>
-          </p:nvPr>
-        </p:nvSpPr>
-        <p:spPr>
-          <a:xfrm>
-            <a:off x="5093208" y="1300900"/>
-            <a:ext cx="6553846" cy="5081046"/>
-          </a:xfrm>
-        </p:spPr>
-        <p:txBody>
-          <a:bodyPr>
-            <a:normAutofit/>
-          </a:bodyPr>
-          <a:lstStyle/>
-          <a:p>
-            <a:pPr>
-              <a:lnSpc>
-                <a:spcPct val="95000"/>
-              </a:lnSpc>
-              <a:spcBef>
-                <a:spcPts val="1000"/>
-              </a:spcBef>
-              <a:defRPr sz="2000">
-                <a:solidFill>
-                  <a:srgbClr val="000000"/>
-                </a:solidFill>
-                <a:latin typeface="Garamond"/>
-              </a:defRPr>
-            </a:pPr>
-            <a:r>
-              <a:rPr lang="en-US" altLang="zh-TW" sz="2400" dirty="0"/>
-              <a:t>For instance, suppose we are given an indifference map with six indifference curves:</a:t>
-            </a:r>
-          </a:p>
-          <a:p>
-            <a:pPr lvl="1">
-              <a:lnSpc>
-                <a:spcPct val="95000"/>
-              </a:lnSpc>
-              <a:spcBef>
-                <a:spcPts val="1000"/>
-              </a:spcBef>
-              <a:defRPr sz="2000">
-                <a:solidFill>
-                  <a:srgbClr val="000000"/>
-                </a:solidFill>
-                <a:latin typeface="Garamond"/>
-              </a:defRPr>
-            </a:pPr>
-            <a:r>
-              <a:rPr lang="en-US" altLang="zh-TW" sz="2000" dirty="0"/>
-              <a:t>Any bundle on the outermost indifference curve (IC6) is preferred to any bundle on the other five indifference curves.</a:t>
-            </a:r>
-          </a:p>
-          <a:p>
-            <a:pPr lvl="1">
-              <a:lnSpc>
-                <a:spcPct val="95000"/>
-              </a:lnSpc>
-              <a:spcBef>
-                <a:spcPts val="1000"/>
-              </a:spcBef>
-              <a:defRPr sz="2000">
-                <a:solidFill>
-                  <a:srgbClr val="000000"/>
-                </a:solidFill>
-                <a:latin typeface="Garamond"/>
-              </a:defRPr>
-            </a:pPr>
-            <a:r>
-              <a:rPr lang="en-US" altLang="zh-TW" sz="2000" dirty="0"/>
-              <a:t>Therefore, bundles on indifference curves further outward should be assigned higher utility values.</a:t>
-            </a:r>
-          </a:p>
-          <a:p>
-            <a:pPr lvl="1">
-              <a:lnSpc>
-                <a:spcPct val="95000"/>
-              </a:lnSpc>
-              <a:spcBef>
-                <a:spcPts val="1000"/>
-              </a:spcBef>
-              <a:defRPr sz="2000">
-                <a:solidFill>
-                  <a:srgbClr val="000000"/>
-                </a:solidFill>
-                <a:latin typeface="Garamond"/>
-              </a:defRPr>
-            </a:pPr>
-            <a:r>
-              <a:rPr lang="en-US" altLang="zh-TW" sz="2000" dirty="0"/>
-              <a:t>One possible construction is to plot a 45-degree line and assign utility values based on distance from the origin.</a:t>
-            </a:r>
-          </a:p>
-          <a:p>
-            <a:pPr lvl="4">
-              <a:lnSpc>
-                <a:spcPct val="95000"/>
-              </a:lnSpc>
-              <a:spcBef>
-                <a:spcPts val="1000"/>
-              </a:spcBef>
-              <a:defRPr sz="2000">
-                <a:solidFill>
-                  <a:srgbClr val="000000"/>
-                </a:solidFill>
-                <a:latin typeface="Garamond"/>
-              </a:defRPr>
-            </a:pPr>
-            <a:endParaRPr lang="en-US" altLang="zh-TW" sz="1200" dirty="0"/>
-          </a:p>
-          <a:p>
-            <a:pPr>
-              <a:lnSpc>
-                <a:spcPct val="95000"/>
-              </a:lnSpc>
-              <a:spcBef>
-                <a:spcPts val="1000"/>
-              </a:spcBef>
-              <a:defRPr sz="2000">
-                <a:solidFill>
-                  <a:srgbClr val="000000"/>
-                </a:solidFill>
-                <a:latin typeface="Garamond"/>
-              </a:defRPr>
-            </a:pPr>
-            <a:r>
-              <a:rPr lang="en-US" altLang="zh-TW" sz="2400" dirty="0"/>
-              <a:t>This is one example of how a utility function can be constructed from preferences, but it is not the approach we will use going forward.</a:t>
-            </a:r>
-          </a:p>
-        </p:txBody>
-      </p:sp>
-      <p:sp>
-        <p:nvSpPr>
-          <p:cNvPr id="4" name="Rectangle 3">
-            <a:extLst>
-              <a:ext uri="{FF2B5EF4-FFF2-40B4-BE49-F238E27FC236}">
-                <a16:creationId xmlns:a16="http://schemas.microsoft.com/office/drawing/2014/main" id="{E79AD3B8-B45E-05B3-9C2B-3F6403A041EF}"/>
-              </a:ext>
-            </a:extLst>
-          </p:cNvPr>
-          <p:cNvSpPr/>
-          <p:nvPr/>
-        </p:nvSpPr>
-        <p:spPr>
-          <a:xfrm>
-            <a:off x="0" y="0"/>
-            <a:ext cx="12188825" cy="923636"/>
-          </a:xfrm>
-          <a:prstGeom prst="rect">
-            <a:avLst/>
-          </a:prstGeom>
-          <a:solidFill>
-            <a:srgbClr val="77122C"/>
-          </a:solidFill>
-        </p:spPr>
-        <p:style>
-          <a:lnRef idx="1">
-            <a:schemeClr val="accent1"/>
-          </a:lnRef>
-          <a:fillRef idx="3">
-            <a:schemeClr val="accent1"/>
-          </a:fillRef>
-          <a:effectRef idx="2">
-            <a:schemeClr val="accent1"/>
-          </a:effectRef>
-          <a:fontRef idx="minor">
-            <a:schemeClr val="lt1"/>
-          </a:fontRef>
-        </p:style>
-        <p:txBody>
-          <a:bodyPr rtlCol="0" anchor="ctr"/>
-          <a:lstStyle/>
-          <a:p>
-            <a:pPr algn="ctr"/>
-            <a:endParaRPr lang="en-US"/>
-          </a:p>
-        </p:txBody>
-      </p:sp>
-      <p:sp>
-        <p:nvSpPr>
-          <p:cNvPr id="2" name="Title 1">
-            <a:extLst>
-              <a:ext uri="{FF2B5EF4-FFF2-40B4-BE49-F238E27FC236}">
-                <a16:creationId xmlns:a16="http://schemas.microsoft.com/office/drawing/2014/main" id="{E9533C74-26F7-7CDD-26FA-EAB04FFEBBBD}"/>
-              </a:ext>
-            </a:extLst>
-          </p:cNvPr>
-          <p:cNvSpPr>
-            <a:spLocks noGrp="1"/>
-          </p:cNvSpPr>
-          <p:nvPr>
-            <p:ph type="title"/>
-          </p:nvPr>
-        </p:nvSpPr>
-        <p:spPr>
-          <a:xfrm>
-            <a:off x="0" y="0"/>
-            <a:ext cx="12188825" cy="923636"/>
-          </a:xfrm>
-        </p:spPr>
-        <p:txBody>
-          <a:bodyPr>
-            <a:normAutofit/>
-          </a:bodyPr>
-          <a:lstStyle/>
-          <a:p>
-            <a:pPr algn="l">
-              <a:defRPr sz="4000" b="1">
-                <a:solidFill>
-                  <a:srgbClr val="FDB913"/>
-                </a:solidFill>
-                <a:latin typeface="Garamond"/>
-              </a:defRPr>
-            </a:pPr>
-            <a:r>
-              <a:rPr lang="en-US" sz="4000" dirty="0">
-                <a:solidFill>
-                  <a:schemeClr val="bg1"/>
-                </a:solidFill>
-              </a:rPr>
-              <a:t>  Constructing a Utility Function</a:t>
-            </a:r>
-          </a:p>
-        </p:txBody>
-      </p:sp>
-      <p:sp>
-        <p:nvSpPr>
-          <p:cNvPr id="5" name="Rectangle 4">
-            <a:extLst>
-              <a:ext uri="{FF2B5EF4-FFF2-40B4-BE49-F238E27FC236}">
-                <a16:creationId xmlns:a16="http://schemas.microsoft.com/office/drawing/2014/main" id="{4DB585D6-D63B-E9D0-A7AA-4E552DE243C9}"/>
-              </a:ext>
-            </a:extLst>
-          </p:cNvPr>
-          <p:cNvSpPr/>
-          <p:nvPr/>
-        </p:nvSpPr>
-        <p:spPr>
-          <a:xfrm>
-            <a:off x="-1" y="6503428"/>
-            <a:ext cx="12188825" cy="354572"/>
-          </a:xfrm>
-          <a:prstGeom prst="rect">
-            <a:avLst/>
-          </a:prstGeom>
-          <a:solidFill>
-            <a:srgbClr val="77122C"/>
-          </a:solidFill>
-        </p:spPr>
-        <p:style>
-          <a:lnRef idx="1">
-            <a:schemeClr val="accent1"/>
-          </a:lnRef>
-          <a:fillRef idx="3">
-            <a:schemeClr val="accent1"/>
-          </a:fillRef>
-          <a:effectRef idx="2">
-            <a:schemeClr val="accent1"/>
-          </a:effectRef>
-          <a:fontRef idx="minor">
-            <a:schemeClr val="lt1"/>
-          </a:fontRef>
-        </p:style>
-        <p:txBody>
-          <a:bodyPr rtlCol="0" anchor="ctr"/>
-          <a:lstStyle/>
-          <a:p>
-            <a:pPr algn="ctr"/>
-            <a:endParaRPr lang="en-US"/>
-          </a:p>
-        </p:txBody>
-      </p:sp>
-      <p:sp>
-        <p:nvSpPr>
-          <p:cNvPr id="6" name="Footer Placeholder 5">
-            <a:extLst>
-              <a:ext uri="{FF2B5EF4-FFF2-40B4-BE49-F238E27FC236}">
-                <a16:creationId xmlns:a16="http://schemas.microsoft.com/office/drawing/2014/main" id="{CB6D3F26-0F34-D695-955A-2204DF94C9E0}"/>
-              </a:ext>
-            </a:extLst>
-          </p:cNvPr>
-          <p:cNvSpPr>
-            <a:spLocks noGrp="1"/>
-          </p:cNvSpPr>
-          <p:nvPr>
-            <p:ph type="ftr" sz="quarter" idx="11"/>
-          </p:nvPr>
-        </p:nvSpPr>
-        <p:spPr>
-          <a:xfrm>
-            <a:off x="-1" y="6503428"/>
-            <a:ext cx="2895600" cy="354572"/>
-          </a:xfrm>
-        </p:spPr>
-        <p:txBody>
-          <a:bodyPr/>
-          <a:lstStyle/>
-          <a:p>
-            <a:pPr algn="l"/>
-            <a:r>
-              <a:rPr lang="en-US">
-                <a:solidFill>
-                  <a:schemeClr val="bg1"/>
-                </a:solidFill>
-                <a:latin typeface="Garamond" panose="02020404030301010803" pitchFamily="18" charset="0"/>
-              </a:rPr>
-              <a:t> Intermediate Microeconomic Theory</a:t>
-            </a:r>
-            <a:endParaRPr lang="en-US" dirty="0">
-              <a:solidFill>
-                <a:schemeClr val="bg1"/>
-              </a:solidFill>
-              <a:latin typeface="Garamond" panose="02020404030301010803" pitchFamily="18" charset="0"/>
-            </a:endParaRPr>
-          </a:p>
-        </p:txBody>
-      </p:sp>
-      <p:sp>
-        <p:nvSpPr>
-          <p:cNvPr id="7" name="Slide Number Placeholder 6">
-            <a:extLst>
-              <a:ext uri="{FF2B5EF4-FFF2-40B4-BE49-F238E27FC236}">
-                <a16:creationId xmlns:a16="http://schemas.microsoft.com/office/drawing/2014/main" id="{87B32C08-BC4A-16B5-BFE5-80E68DB46B1C}"/>
-              </a:ext>
-            </a:extLst>
-          </p:cNvPr>
-          <p:cNvSpPr>
-            <a:spLocks noGrp="1"/>
-          </p:cNvSpPr>
-          <p:nvPr>
-            <p:ph type="sldNum" sz="quarter" idx="12"/>
-          </p:nvPr>
-        </p:nvSpPr>
-        <p:spPr>
-          <a:xfrm>
-            <a:off x="10055225" y="6503428"/>
-            <a:ext cx="2133600" cy="354572"/>
-          </a:xfrm>
-        </p:spPr>
-        <p:txBody>
-          <a:bodyPr/>
-          <a:lstStyle/>
-          <a:p>
-            <a:fld id="{C1FF6DA9-008F-8B48-92A6-B652298478BF}" type="slidenum">
-              <a:rPr lang="en-US" b="1" smtClean="0">
-                <a:solidFill>
-                  <a:schemeClr val="bg1"/>
-                </a:solidFill>
-                <a:latin typeface="Garamond" panose="02020404030301010803" pitchFamily="18" charset="0"/>
-              </a:rPr>
-              <a:t>11</a:t>
-            </a:fld>
-            <a:r>
-              <a:rPr lang="en-US" b="1" dirty="0">
-                <a:solidFill>
-                  <a:schemeClr val="bg1"/>
-                </a:solidFill>
-                <a:latin typeface="Garamond" panose="02020404030301010803" pitchFamily="18" charset="0"/>
-              </a:rPr>
-              <a:t> </a:t>
-            </a:r>
-          </a:p>
-        </p:txBody>
-      </p:sp>
-      <p:pic>
-        <p:nvPicPr>
-          <p:cNvPr id="9" name="Picture 8">
-            <a:extLst>
-              <a:ext uri="{FF2B5EF4-FFF2-40B4-BE49-F238E27FC236}">
-                <a16:creationId xmlns:a16="http://schemas.microsoft.com/office/drawing/2014/main" id="{781A57C7-FFA8-7E28-D8FD-E4B2A2117826}"/>
-              </a:ext>
-            </a:extLst>
-          </p:cNvPr>
-          <p:cNvPicPr>
-            <a:picLocks noChangeAspect="1"/>
-          </p:cNvPicPr>
-          <p:nvPr/>
-        </p:nvPicPr>
-        <p:blipFill>
-          <a:blip r:embed="rId2"/>
-          <a:srcRect/>
-          <a:stretch/>
-        </p:blipFill>
-        <p:spPr>
-          <a:xfrm>
-            <a:off x="457199" y="1427532"/>
-            <a:ext cx="4572000" cy="4572000"/>
-          </a:xfrm>
-          <a:prstGeom prst="rect">
-            <a:avLst/>
-          </a:prstGeom>
-        </p:spPr>
-      </p:pic>
-      <p:pic>
-        <p:nvPicPr>
-          <p:cNvPr id="10" name="Picture 9">
-            <a:extLst>
-              <a:ext uri="{FF2B5EF4-FFF2-40B4-BE49-F238E27FC236}">
-                <a16:creationId xmlns:a16="http://schemas.microsoft.com/office/drawing/2014/main" id="{34A90EB3-FCB6-6D8B-CF31-DF328C8566F0}"/>
-              </a:ext>
-            </a:extLst>
-          </p:cNvPr>
-          <p:cNvPicPr>
-            <a:picLocks noChangeAspect="1"/>
-          </p:cNvPicPr>
-          <p:nvPr/>
-        </p:nvPicPr>
-        <p:blipFill>
-          <a:blip r:embed="rId3"/>
-          <a:stretch>
-            <a:fillRect/>
-          </a:stretch>
-        </p:blipFill>
-        <p:spPr>
-          <a:xfrm>
-            <a:off x="457199" y="1427532"/>
-            <a:ext cx="4572000" cy="4572000"/>
-          </a:xfrm>
-          <a:prstGeom prst="rect">
-            <a:avLst/>
-          </a:prstGeom>
-        </p:spPr>
-      </p:pic>
-    </p:spTree>
-    <p:extLst>
-      <p:ext uri="{BB962C8B-B14F-4D97-AF65-F5344CB8AC3E}">
-        <p14:creationId xmlns:p14="http://schemas.microsoft.com/office/powerpoint/2010/main" val="3449665975"/>
-      </p:ext>
-    </p:extLst>
-  </p:cSld>
-  <p:clrMapOvr>
-    <a:masterClrMapping/>
-  </p:clrMapOvr>
-  <p:timing>
-    <p:tnLst>
-      <p:par>
-        <p:cTn id="1" dur="indefinite" restart="never" nodeType="tmRoot">
-          <p:childTnLst>
-            <p:seq concurrent="1" nextAc="seek">
-              <p:cTn id="2" dur="indefinite" nodeType="mainSeq">
-                <p:childTnLst>
-                  <p:par>
-                    <p:cTn id="3" fill="hold">
-                      <p:stCondLst>
-                        <p:cond delay="indefinite"/>
-                        <p:cond evt="onBegin" delay="0">
-                          <p:tn val="2"/>
-                        </p:cond>
-                      </p:stCondLst>
-                      <p:childTnLst>
-                        <p:par>
-                          <p:cTn id="4" fill="hold">
-                            <p:stCondLst>
-                              <p:cond delay="0"/>
-                            </p:stCondLst>
-                            <p:childTnLst>
-                              <p:par>
-                                <p:cTn id="5" presetID="10" presetClass="entr" presetSubtype="0" fill="hold" nodeType="withEffect">
-                                  <p:stCondLst>
-                                    <p:cond delay="0"/>
-                                  </p:stCondLst>
-                                  <p:childTnLst>
-                                    <p:set>
-                                      <p:cBhvr>
-                                        <p:cTn id="6" dur="1" fill="hold">
-                                          <p:stCondLst>
-                                            <p:cond delay="0"/>
-                                          </p:stCondLst>
-                                        </p:cTn>
-                                        <p:tgtEl>
-                                          <p:spTgt spid="3">
-                                            <p:txEl>
-                                              <p:pRg st="0" end="0"/>
-                                            </p:txEl>
-                                          </p:spTgt>
-                                        </p:tgtEl>
-                                        <p:attrNameLst>
-                                          <p:attrName>style.visibility</p:attrName>
-                                        </p:attrNameLst>
-                                      </p:cBhvr>
-                                      <p:to>
-                                        <p:strVal val="visible"/>
-                                      </p:to>
-                                    </p:set>
-                                    <p:animEffect transition="in" filter="fade">
-                                      <p:cBhvr>
-                                        <p:cTn id="7" dur="500"/>
-                                        <p:tgtEl>
-                                          <p:spTgt spid="3">
-                                            <p:txEl>
-                                              <p:pRg st="0" end="0"/>
-                                            </p:txEl>
-                                          </p:spTgt>
-                                        </p:tgtEl>
-                                      </p:cBhvr>
-                                    </p:animEffect>
-                                  </p:childTnLst>
-                                </p:cTn>
-                              </p:par>
-                              <p:par>
-                                <p:cTn id="8" presetID="10" presetClass="entr" presetSubtype="0" fill="hold" nodeType="withEffect">
-                                  <p:stCondLst>
-                                    <p:cond delay="0"/>
-                                  </p:stCondLst>
-                                  <p:childTnLst>
-                                    <p:set>
-                                      <p:cBhvr>
-                                        <p:cTn id="9" dur="1" fill="hold">
-                                          <p:stCondLst>
-                                            <p:cond delay="0"/>
-                                          </p:stCondLst>
-                                        </p:cTn>
-                                        <p:tgtEl>
-                                          <p:spTgt spid="9"/>
-                                        </p:tgtEl>
-                                        <p:attrNameLst>
-                                          <p:attrName>style.visibility</p:attrName>
-                                        </p:attrNameLst>
-                                      </p:cBhvr>
-                                      <p:to>
-                                        <p:strVal val="visible"/>
-                                      </p:to>
-                                    </p:set>
-                                    <p:animEffect transition="in" filter="fade">
-                                      <p:cBhvr>
-                                        <p:cTn id="10" dur="500"/>
-                                        <p:tgtEl>
-                                          <p:spTgt spid="9"/>
-                                        </p:tgtEl>
-                                      </p:cBhvr>
-                                    </p:animEffect>
-                                  </p:childTnLst>
-                                </p:cTn>
-                              </p:par>
-                            </p:childTnLst>
-                          </p:cTn>
-                        </p:par>
-                      </p:childTnLst>
-                    </p:cTn>
-                  </p:par>
-                  <p:par>
-                    <p:cTn id="11" fill="hold">
-                      <p:stCondLst>
-                        <p:cond delay="indefinite"/>
-                      </p:stCondLst>
-                      <p:childTnLst>
-                        <p:par>
-                          <p:cTn id="12" fill="hold">
-                            <p:stCondLst>
-                              <p:cond delay="0"/>
-                            </p:stCondLst>
-                            <p:childTnLst>
-                              <p:par>
-                                <p:cTn id="13" presetID="10" presetClass="entr" presetSubtype="0" fill="hold" nodeType="clickEffect">
-                                  <p:stCondLst>
-                                    <p:cond delay="0"/>
-                                  </p:stCondLst>
-                                  <p:childTnLst>
-                                    <p:set>
-                                      <p:cBhvr>
-                                        <p:cTn id="14" dur="1" fill="hold">
-                                          <p:stCondLst>
-                                            <p:cond delay="0"/>
-                                          </p:stCondLst>
-                                        </p:cTn>
-                                        <p:tgtEl>
-                                          <p:spTgt spid="3">
-                                            <p:txEl>
-                                              <p:pRg st="1" end="1"/>
-                                            </p:txEl>
-                                          </p:spTgt>
-                                        </p:tgtEl>
-                                        <p:attrNameLst>
-                                          <p:attrName>style.visibility</p:attrName>
-                                        </p:attrNameLst>
-                                      </p:cBhvr>
-                                      <p:to>
-                                        <p:strVal val="visible"/>
-                                      </p:to>
-                                    </p:set>
-                                    <p:animEffect transition="in" filter="fade">
-                                      <p:cBhvr>
-                                        <p:cTn id="15" dur="500"/>
-                                        <p:tgtEl>
-                                          <p:spTgt spid="3">
-                                            <p:txEl>
-                                              <p:pRg st="1" end="1"/>
-                                            </p:txEl>
-                                          </p:spTgt>
-                                        </p:tgtEl>
-                                      </p:cBhvr>
-                                    </p:animEffect>
-                                  </p:childTnLst>
-                                </p:cTn>
-                              </p:par>
-                            </p:childTnLst>
-                          </p:cTn>
-                        </p:par>
-                      </p:childTnLst>
-                    </p:cTn>
-                  </p:par>
-                  <p:par>
-                    <p:cTn id="16" fill="hold">
-                      <p:stCondLst>
-                        <p:cond delay="indefinite"/>
-                      </p:stCondLst>
-                      <p:childTnLst>
-                        <p:par>
-                          <p:cTn id="17" fill="hold">
-                            <p:stCondLst>
-                              <p:cond delay="0"/>
-                            </p:stCondLst>
-                            <p:childTnLst>
-                              <p:par>
-                                <p:cTn id="18" presetID="10" presetClass="entr" presetSubtype="0" fill="hold" nodeType="clickEffect">
-                                  <p:stCondLst>
-                                    <p:cond delay="0"/>
-                                  </p:stCondLst>
-                                  <p:childTnLst>
-                                    <p:set>
-                                      <p:cBhvr>
-                                        <p:cTn id="19" dur="1" fill="hold">
-                                          <p:stCondLst>
-                                            <p:cond delay="0"/>
-                                          </p:stCondLst>
-                                        </p:cTn>
-                                        <p:tgtEl>
-                                          <p:spTgt spid="3">
-                                            <p:txEl>
-                                              <p:pRg st="2" end="2"/>
-                                            </p:txEl>
-                                          </p:spTgt>
-                                        </p:tgtEl>
-                                        <p:attrNameLst>
-                                          <p:attrName>style.visibility</p:attrName>
-                                        </p:attrNameLst>
-                                      </p:cBhvr>
-                                      <p:to>
-                                        <p:strVal val="visible"/>
-                                      </p:to>
-                                    </p:set>
-                                    <p:animEffect transition="in" filter="fade">
-                                      <p:cBhvr>
-                                        <p:cTn id="20" dur="500"/>
-                                        <p:tgtEl>
-                                          <p:spTgt spid="3">
-                                            <p:txEl>
-                                              <p:pRg st="2" end="2"/>
-                                            </p:txEl>
-                                          </p:spTgt>
-                                        </p:tgtEl>
-                                      </p:cBhvr>
-                                    </p:animEffect>
-                                  </p:childTnLst>
-                                </p:cTn>
-                              </p:par>
-                            </p:childTnLst>
-                          </p:cTn>
-                        </p:par>
-                      </p:childTnLst>
-                    </p:cTn>
-                  </p:par>
-                  <p:par>
-                    <p:cTn id="21" fill="hold">
-                      <p:stCondLst>
-                        <p:cond delay="indefinite"/>
-                      </p:stCondLst>
-                      <p:childTnLst>
-                        <p:par>
-                          <p:cTn id="22" fill="hold">
-                            <p:stCondLst>
-                              <p:cond delay="0"/>
-                            </p:stCondLst>
-                            <p:childTnLst>
-                              <p:par>
-                                <p:cTn id="23" presetID="10" presetClass="entr" presetSubtype="0" fill="hold" nodeType="clickEffect">
-                                  <p:stCondLst>
-                                    <p:cond delay="0"/>
-                                  </p:stCondLst>
-                                  <p:childTnLst>
-                                    <p:set>
-                                      <p:cBhvr>
-                                        <p:cTn id="24" dur="1" fill="hold">
-                                          <p:stCondLst>
-                                            <p:cond delay="0"/>
-                                          </p:stCondLst>
-                                        </p:cTn>
-                                        <p:tgtEl>
-                                          <p:spTgt spid="3">
-                                            <p:txEl>
-                                              <p:pRg st="3" end="3"/>
-                                            </p:txEl>
-                                          </p:spTgt>
-                                        </p:tgtEl>
-                                        <p:attrNameLst>
-                                          <p:attrName>style.visibility</p:attrName>
-                                        </p:attrNameLst>
-                                      </p:cBhvr>
-                                      <p:to>
-                                        <p:strVal val="visible"/>
-                                      </p:to>
-                                    </p:set>
-                                    <p:animEffect transition="in" filter="fade">
-                                      <p:cBhvr>
-                                        <p:cTn id="25" dur="500"/>
-                                        <p:tgtEl>
-                                          <p:spTgt spid="3">
-                                            <p:txEl>
-                                              <p:pRg st="3" end="3"/>
-                                            </p:txEl>
-                                          </p:spTgt>
-                                        </p:tgtEl>
-                                      </p:cBhvr>
-                                    </p:animEffect>
-                                  </p:childTnLst>
-                                </p:cTn>
-                              </p:par>
-                              <p:par>
-                                <p:cTn id="26" presetID="10" presetClass="entr" presetSubtype="0" fill="hold" nodeType="withEffect">
-                                  <p:stCondLst>
-                                    <p:cond delay="0"/>
-                                  </p:stCondLst>
-                                  <p:childTnLst>
-                                    <p:set>
-                                      <p:cBhvr>
-                                        <p:cTn id="27" dur="1" fill="hold">
-                                          <p:stCondLst>
-                                            <p:cond delay="0"/>
-                                          </p:stCondLst>
-                                        </p:cTn>
-                                        <p:tgtEl>
-                                          <p:spTgt spid="10"/>
-                                        </p:tgtEl>
-                                        <p:attrNameLst>
-                                          <p:attrName>style.visibility</p:attrName>
-                                        </p:attrNameLst>
-                                      </p:cBhvr>
-                                      <p:to>
-                                        <p:strVal val="visible"/>
-                                      </p:to>
-                                    </p:set>
-                                    <p:animEffect transition="in" filter="fade">
-                                      <p:cBhvr>
-                                        <p:cTn id="28" dur="500"/>
-                                        <p:tgtEl>
-                                          <p:spTgt spid="10"/>
-                                        </p:tgtEl>
-                                      </p:cBhvr>
-                                    </p:animEffect>
-                                  </p:childTnLst>
-                                </p:cTn>
-                              </p:par>
-                            </p:childTnLst>
-                          </p:cTn>
-                        </p:par>
-                      </p:childTnLst>
-                    </p:cTn>
-                  </p:par>
-                  <p:par>
-                    <p:cTn id="29" fill="hold">
-                      <p:stCondLst>
-                        <p:cond delay="indefinite"/>
-                      </p:stCondLst>
-                      <p:childTnLst>
-                        <p:par>
-                          <p:cTn id="30" fill="hold">
-                            <p:stCondLst>
-                              <p:cond delay="0"/>
-                            </p:stCondLst>
-                            <p:childTnLst>
-                              <p:par>
-                                <p:cTn id="31" presetID="10" presetClass="entr" presetSubtype="0" fill="hold" nodeType="clickEffect">
-                                  <p:stCondLst>
-                                    <p:cond delay="0"/>
-                                  </p:stCondLst>
-                                  <p:childTnLst>
-                                    <p:set>
-                                      <p:cBhvr>
-                                        <p:cTn id="32" dur="1" fill="hold">
-                                          <p:stCondLst>
-                                            <p:cond delay="0"/>
-                                          </p:stCondLst>
-                                        </p:cTn>
-                                        <p:tgtEl>
-                                          <p:spTgt spid="3">
-                                            <p:txEl>
-                                              <p:pRg st="5" end="5"/>
-                                            </p:txEl>
-                                          </p:spTgt>
-                                        </p:tgtEl>
-                                        <p:attrNameLst>
-                                          <p:attrName>style.visibility</p:attrName>
-                                        </p:attrNameLst>
-                                      </p:cBhvr>
-                                      <p:to>
-                                        <p:strVal val="visible"/>
-                                      </p:to>
-                                    </p:set>
-                                    <p:animEffect transition="in" filter="fade">
-                                      <p:cBhvr>
-                                        <p:cTn id="33" dur="500"/>
-                                        <p:tgtEl>
-                                          <p:spTgt spid="3">
-                                            <p:txEl>
-                                              <p:pRg st="5" end="5"/>
-                                            </p:txEl>
-                                          </p:spTgt>
-                                        </p:tgtEl>
-                                      </p:cBhvr>
-                                    </p:animEffect>
-                                  </p:childTnLst>
-                                </p:cTn>
-                              </p:par>
-                            </p:childTnLst>
-                          </p:cTn>
-                        </p:par>
-                      </p:childTnLst>
-                    </p:cTn>
-                  </p:par>
-                </p:childTnLst>
-              </p:cTn>
-              <p:prevCondLst>
-                <p:cond evt="onPrev" delay="0">
-                  <p:tgtEl>
-                    <p:sldTgt/>
-                  </p:tgtEl>
-                </p:cond>
-              </p:prevCondLst>
-              <p:nextCondLst>
-                <p:cond evt="onNext" delay="0">
-                  <p:tgtEl>
-                    <p:sldTgt/>
-                  </p:tgtEl>
-                </p:cond>
-              </p:nextCondLst>
-            </p:seq>
-          </p:childTnLst>
-        </p:cTn>
-      </p:par>
-    </p:tnLst>
-  </p:timing>
-</p:sld>
-</file>
-
-<file path=ppt/slides/slide12.xml><?xml version="1.0" encoding="utf-8"?>
 <p:sld xmlns:a="http://schemas.openxmlformats.org/drawingml/2006/main" xmlns:r="http://schemas.openxmlformats.org/officeDocument/2006/relationships" xmlns:p="http://schemas.openxmlformats.org/presentationml/2006/main">
   <p:cSld>
     <p:spTree>
@@ -7250,7 +5124,7 @@
                 </a:solidFill>
                 <a:latin typeface="Garamond" panose="02020404030301010803" pitchFamily="18" charset="0"/>
               </a:rPr>
-              <a:t>12</a:t>
+              <a:t>10</a:t>
             </a:fld>
             <a:r>
               <a:rPr lang="en-US" b="1" dirty="0">
@@ -7576,6 +5450,324 @@
       </p:par>
     </p:tnLst>
   </p:timing>
+</p:sld>
+</file>
+
+<file path=ppt/slides/slide11.xml><?xml version="1.0" encoding="utf-8"?>
+<p:sld xmlns:a="http://schemas.openxmlformats.org/drawingml/2006/main" xmlns:r="http://schemas.openxmlformats.org/officeDocument/2006/relationships" xmlns:p="http://schemas.openxmlformats.org/presentationml/2006/main">
+  <p:cSld>
+    <p:spTree>
+      <p:nvGrpSpPr>
+        <p:cNvPr id="1" name=""/>
+        <p:cNvGrpSpPr/>
+        <p:nvPr/>
+      </p:nvGrpSpPr>
+      <p:grpSpPr>
+        <a:xfrm>
+          <a:off x="0" y="0"/>
+          <a:ext cx="0" cy="0"/>
+          <a:chOff x="0" y="0"/>
+          <a:chExt cx="0" cy="0"/>
+        </a:xfrm>
+      </p:grpSpPr>
+      <p:sp>
+        <p:nvSpPr>
+          <p:cNvPr id="2" name="Title 1">
+            <a:extLst>
+              <a:ext uri="{FF2B5EF4-FFF2-40B4-BE49-F238E27FC236}">
+                <a16:creationId xmlns:a16="http://schemas.microsoft.com/office/drawing/2014/main" id="{D66249BD-490F-9374-4FFE-92DF00189345}"/>
+              </a:ext>
+            </a:extLst>
+          </p:cNvPr>
+          <p:cNvSpPr>
+            <a:spLocks noGrp="1"/>
+          </p:cNvSpPr>
+          <p:nvPr>
+            <p:ph type="title"/>
+          </p:nvPr>
+        </p:nvSpPr>
+        <p:spPr/>
+        <p:txBody>
+          <a:bodyPr>
+            <a:normAutofit fontScale="90000"/>
+          </a:bodyPr>
+          <a:lstStyle/>
+          <a:p>
+            <a:r>
+              <a:rPr lang="en-US">
+                <a:solidFill>
+                  <a:srgbClr val="000000">
+                    <a:alpha val="0"/>
+                  </a:srgbClr>
+                </a:solidFill>
+              </a:rPr>
+              <a:t>Poll Everywhere multiple choice poll instructions screen
+Activity Title: Suppose that a consumer's preferences can be expressed by the utility function $$u(x_1,x_2)=x_1x_2$$. Which of the following bundles would the consumer find indifferent to $$(x_1,x_2)=(5,6)$$?
+Slide 12</a:t>
+            </a:r>
+          </a:p>
+        </p:txBody>
+      </p:sp>
+      <p:sp>
+        <p:nvSpPr>
+          <p:cNvPr id="3" name="Footer Placeholder 2" descr="Poll Everywhere multiple choice poll instructions screen&#10;Activity Title: Suppose that a consumer's preferences can be expressed by the utility function $$u(x_1,x_2)=x_1x_2$$. Which of the following bundles would the consumer find indifferent to $$(x_1,x_2)=(5,6)$$?">
+            <a:extLst>
+              <a:ext uri="{FF2B5EF4-FFF2-40B4-BE49-F238E27FC236}">
+                <a16:creationId xmlns:a16="http://schemas.microsoft.com/office/drawing/2014/main" id="{1EB47B17-6D78-EFD6-789A-98F8B918ABB6}"/>
+              </a:ext>
+            </a:extLst>
+          </p:cNvPr>
+          <p:cNvSpPr>
+            <a:spLocks noGrp="1"/>
+          </p:cNvSpPr>
+          <p:nvPr>
+            <p:ph type="ftr" sz="quarter" idx="11"/>
+          </p:nvPr>
+        </p:nvSpPr>
+        <p:spPr/>
+        <p:txBody>
+          <a:bodyPr/>
+          <a:lstStyle/>
+          <a:p>
+            <a:r>
+              <a:rPr lang="en-US"/>
+              <a:t> Intermediate Microeconomic Theory</a:t>
+            </a:r>
+          </a:p>
+        </p:txBody>
+      </p:sp>
+      <p:sp>
+        <p:nvSpPr>
+          <p:cNvPr id="4" name="Slide Number Placeholder 3">
+            <a:extLst>
+              <a:ext uri="{FF2B5EF4-FFF2-40B4-BE49-F238E27FC236}">
+                <a16:creationId xmlns:a16="http://schemas.microsoft.com/office/drawing/2014/main" id="{D2494863-4A2F-3158-78E2-4F597A1706B9}"/>
+              </a:ext>
+            </a:extLst>
+          </p:cNvPr>
+          <p:cNvSpPr>
+            <a:spLocks noGrp="1"/>
+          </p:cNvSpPr>
+          <p:nvPr>
+            <p:ph type="sldNum" sz="quarter" idx="12"/>
+          </p:nvPr>
+        </p:nvSpPr>
+        <p:spPr/>
+        <p:txBody>
+          <a:bodyPr/>
+          <a:lstStyle/>
+          <a:p>
+            <a:fld id="{C1FF6DA9-008F-8B48-92A6-B652298478BF}" type="slidenum">
+              <a:rPr lang="en-US" smtClean="0"/>
+              <a:t>11</a:t>
+            </a:fld>
+            <a:endParaRPr lang="en-US"/>
+          </a:p>
+        </p:txBody>
+      </p:sp>
+      <p:pic>
+        <p:nvPicPr>
+          <p:cNvPr id="6" name="Picture 5">
+            <a:extLst>
+              <a:ext uri="{FF2B5EF4-FFF2-40B4-BE49-F238E27FC236}">
+                <a16:creationId xmlns:a16="http://schemas.microsoft.com/office/drawing/2014/main" id="{922DDEE1-4E9A-0226-2B91-BA0E72AF3AA9}"/>
+              </a:ext>
+            </a:extLst>
+          </p:cNvPr>
+          <p:cNvPicPr>
+            <a:picLocks/>
+          </p:cNvPicPr>
+          <p:nvPr>
+            <p:custDataLst>
+              <p:tags r:id="rId1"/>
+            </p:custDataLst>
+          </p:nvPr>
+        </p:nvPicPr>
+        <p:blipFill>
+          <a:blip r:embed="rId4"/>
+          <a:stretch>
+            <a:fillRect/>
+          </a:stretch>
+        </p:blipFill>
+        <p:spPr>
+          <a:xfrm>
+            <a:off x="190500" y="190500"/>
+            <a:ext cx="11798300" cy="6477000"/>
+          </a:xfrm>
+          <a:prstGeom prst="rect">
+            <a:avLst/>
+          </a:prstGeom>
+        </p:spPr>
+      </p:pic>
+    </p:spTree>
+    <p:extLst>
+      <p:ext uri="{BB962C8B-B14F-4D97-AF65-F5344CB8AC3E}">
+        <p14:creationId xmlns:p14="http://schemas.microsoft.com/office/powerpoint/2010/main" val="3196310603"/>
+      </p:ext>
+    </p:extLst>
+  </p:cSld>
+  <p:clrMapOvr>
+    <a:masterClrMapping/>
+  </p:clrMapOvr>
+</p:sld>
+</file>
+
+<file path=ppt/slides/slide12.xml><?xml version="1.0" encoding="utf-8"?>
+<p:sld xmlns:a="http://schemas.openxmlformats.org/drawingml/2006/main" xmlns:r="http://schemas.openxmlformats.org/officeDocument/2006/relationships" xmlns:p="http://schemas.openxmlformats.org/presentationml/2006/main">
+  <p:cSld>
+    <p:spTree>
+      <p:nvGrpSpPr>
+        <p:cNvPr id="1" name=""/>
+        <p:cNvGrpSpPr/>
+        <p:nvPr/>
+      </p:nvGrpSpPr>
+      <p:grpSpPr>
+        <a:xfrm>
+          <a:off x="0" y="0"/>
+          <a:ext cx="0" cy="0"/>
+          <a:chOff x="0" y="0"/>
+          <a:chExt cx="0" cy="0"/>
+        </a:xfrm>
+      </p:grpSpPr>
+      <p:sp>
+        <p:nvSpPr>
+          <p:cNvPr id="2" name="Title 1">
+            <a:extLst>
+              <a:ext uri="{FF2B5EF4-FFF2-40B4-BE49-F238E27FC236}">
+                <a16:creationId xmlns:a16="http://schemas.microsoft.com/office/drawing/2014/main" id="{2817992C-F025-80C1-4584-A0AA3760D683}"/>
+              </a:ext>
+            </a:extLst>
+          </p:cNvPr>
+          <p:cNvSpPr>
+            <a:spLocks noGrp="1"/>
+          </p:cNvSpPr>
+          <p:nvPr>
+            <p:ph type="title"/>
+          </p:nvPr>
+        </p:nvSpPr>
+        <p:spPr/>
+        <p:txBody>
+          <a:bodyPr>
+            <a:normAutofit fontScale="90000"/>
+          </a:bodyPr>
+          <a:lstStyle/>
+          <a:p>
+            <a:r>
+              <a:rPr lang="en-US">
+                <a:solidFill>
+                  <a:srgbClr val="000000">
+                    <a:alpha val="0"/>
+                  </a:srgbClr>
+                </a:solidFill>
+              </a:rPr>
+              <a:t>Poll Everywhere multiple choice poll chart screen
+Activity Title: Suppose that a consumer's preferences can be expressed by the utility function $$u(x_1,x_2)=x_1x_2$$. Which of the following bundles would the consumer find indifferent to $$(x_1,x_2)=(5,6)$$?
+Slide 14</a:t>
+            </a:r>
+          </a:p>
+        </p:txBody>
+      </p:sp>
+      <p:sp>
+        <p:nvSpPr>
+          <p:cNvPr id="3" name="Footer Placeholder 2" descr="Poll Everywhere multiple choice poll chart screen&#10;Activity Title: Suppose that a consumer's preferences can be expressed by the utility function $$u(x_1,x_2)=x_1x_2$$. Which of the following bundles would the consumer find indifferent to $$(x_1,x_2)=(5,6)$$?">
+            <a:extLst>
+              <a:ext uri="{FF2B5EF4-FFF2-40B4-BE49-F238E27FC236}">
+                <a16:creationId xmlns:a16="http://schemas.microsoft.com/office/drawing/2014/main" id="{0EED92B1-8F86-FF09-B03C-5F2DF2F4066E}"/>
+              </a:ext>
+            </a:extLst>
+          </p:cNvPr>
+          <p:cNvSpPr>
+            <a:spLocks noGrp="1"/>
+          </p:cNvSpPr>
+          <p:nvPr>
+            <p:ph type="ftr" sz="quarter" idx="11"/>
+          </p:nvPr>
+        </p:nvSpPr>
+        <p:spPr/>
+        <p:txBody>
+          <a:bodyPr/>
+          <a:lstStyle/>
+          <a:p>
+            <a:r>
+              <a:rPr lang="en-US"/>
+              <a:t> Intermediate Microeconomic Theory</a:t>
+            </a:r>
+          </a:p>
+        </p:txBody>
+      </p:sp>
+      <p:sp>
+        <p:nvSpPr>
+          <p:cNvPr id="4" name="Slide Number Placeholder 3">
+            <a:extLst>
+              <a:ext uri="{FF2B5EF4-FFF2-40B4-BE49-F238E27FC236}">
+                <a16:creationId xmlns:a16="http://schemas.microsoft.com/office/drawing/2014/main" id="{BA245493-42B3-82A9-DD02-FC855CA71B4A}"/>
+              </a:ext>
+            </a:extLst>
+          </p:cNvPr>
+          <p:cNvSpPr>
+            <a:spLocks noGrp="1"/>
+          </p:cNvSpPr>
+          <p:nvPr>
+            <p:ph type="sldNum" sz="quarter" idx="12"/>
+          </p:nvPr>
+        </p:nvSpPr>
+        <p:spPr/>
+        <p:txBody>
+          <a:bodyPr/>
+          <a:lstStyle/>
+          <a:p>
+            <a:fld id="{C1FF6DA9-008F-8B48-92A6-B652298478BF}" type="slidenum">
+              <a:rPr lang="en-US" smtClean="0"/>
+              <a:t>12</a:t>
+            </a:fld>
+            <a:endParaRPr lang="en-US"/>
+          </a:p>
+        </p:txBody>
+      </p:sp>
+      <p:pic>
+        <p:nvPicPr>
+          <p:cNvPr id="6" name="Picture 5">
+            <a:extLst>
+              <a:ext uri="{FF2B5EF4-FFF2-40B4-BE49-F238E27FC236}">
+                <a16:creationId xmlns:a16="http://schemas.microsoft.com/office/drawing/2014/main" id="{C61E8ECF-A014-071C-C88B-04483F4E04A7}"/>
+              </a:ext>
+            </a:extLst>
+          </p:cNvPr>
+          <p:cNvPicPr>
+            <a:picLocks/>
+          </p:cNvPicPr>
+          <p:nvPr>
+            <p:custDataLst>
+              <p:tags r:id="rId1"/>
+            </p:custDataLst>
+          </p:nvPr>
+        </p:nvPicPr>
+        <p:blipFill>
+          <a:blip r:embed="rId4"/>
+          <a:stretch>
+            <a:fillRect/>
+          </a:stretch>
+        </p:blipFill>
+        <p:spPr>
+          <a:xfrm>
+            <a:off x="190500" y="190500"/>
+            <a:ext cx="11798300" cy="6477000"/>
+          </a:xfrm>
+          <a:prstGeom prst="rect">
+            <a:avLst/>
+          </a:prstGeom>
+        </p:spPr>
+      </p:pic>
+    </p:spTree>
+    <p:extLst>
+      <p:ext uri="{BB962C8B-B14F-4D97-AF65-F5344CB8AC3E}">
+        <p14:creationId xmlns:p14="http://schemas.microsoft.com/office/powerpoint/2010/main" val="3768659674"/>
+      </p:ext>
+    </p:extLst>
+  </p:cSld>
+  <p:clrMapOvr>
+    <a:masterClrMapping/>
+  </p:clrMapOvr>
 </p:sld>
 </file>
 
@@ -35871,8 +34063,8 @@
           <a:chExt cx="0" cy="0"/>
         </a:xfrm>
       </p:grpSpPr>
-      <mc:AlternateContent xmlns:mc="http://schemas.openxmlformats.org/markup-compatibility/2006">
-        <mc:Choice xmlns:a14="http://schemas.microsoft.com/office/drawing/2010/main" Requires="a14">
+      <mc:AlternateContent xmlns:mc="http://schemas.openxmlformats.org/markup-compatibility/2006" xmlns:a14="http://schemas.microsoft.com/office/drawing/2010/main">
+        <mc:Choice Requires="a14">
           <p:sp>
             <p:nvSpPr>
               <p:cNvPr id="3" name="Content Placeholder 2">
@@ -36586,13 +34778,7 @@
                       <a:rPr lang="en-US" altLang="zh-TW" sz="2000" b="0" i="1" smtClean="0">
                         <a:latin typeface="Cambria Math" panose="02040503050406030204" pitchFamily="18" charset="0"/>
                       </a:rPr>
-                      <m:t>=</m:t>
-                    </m:r>
-                    <m:r>
-                      <a:rPr lang="en-US" altLang="zh-TW" sz="2000" b="0" i="1" smtClean="0">
-                        <a:latin typeface="Cambria Math" panose="02040503050406030204" pitchFamily="18" charset="0"/>
-                      </a:rPr>
-                      <m:t>4</m:t>
+                      <m:t>=4</m:t>
                     </m:r>
                     <m:sSubSup>
                       <m:sSubSupPr>
@@ -36875,13 +35061,7 @@
                       <a:rPr lang="en-US" altLang="zh-TW" sz="2000" b="0" i="1" smtClean="0">
                         <a:latin typeface="Cambria Math" panose="02040503050406030204" pitchFamily="18" charset="0"/>
                       </a:rPr>
-                      <m:t>+10=</m:t>
-                    </m:r>
-                    <m:r>
-                      <a:rPr lang="en-US" altLang="zh-TW" sz="2000" b="0" i="1" smtClean="0">
-                        <a:latin typeface="Cambria Math" panose="02040503050406030204" pitchFamily="18" charset="0"/>
-                      </a:rPr>
-                      <m:t>2</m:t>
+                      <m:t>+10=2</m:t>
                     </m:r>
                     <m:sSubSup>
                       <m:sSubSupPr>
@@ -37086,7 +35266,7 @@
                     <m:d>
                       <m:dPr>
                         <m:ctrlPr>
-                          <a:rPr lang="en-US" altLang="zh-TW" sz="2000" b="0" i="0" smtClean="0">
+                          <a:rPr lang="en-US" altLang="zh-TW" sz="2000" b="0" i="1" smtClean="0">
                             <a:latin typeface="Cambria Math" panose="02040503050406030204" pitchFamily="18" charset="0"/>
                           </a:rPr>
                         </m:ctrlPr>
@@ -37230,7 +35410,7 @@
             </p:txBody>
           </p:sp>
         </mc:Choice>
-        <mc:Fallback>
+        <mc:Fallback xmlns="">
           <p:sp>
             <p:nvSpPr>
               <p:cNvPr id="3" name="Content Placeholder 2">
@@ -37999,7 +36179,1257 @@
   <p:cSld>
     <p:spTree>
       <p:nvGrpSpPr>
-        <p:cNvPr id="1" name=""/>
+        <p:cNvPr id="1" name="">
+          <a:extLst>
+            <a:ext uri="{FF2B5EF4-FFF2-40B4-BE49-F238E27FC236}">
+              <a16:creationId xmlns:a16="http://schemas.microsoft.com/office/drawing/2014/main" id="{EACA1B76-C9CD-7C1C-3D85-115A01BEA2C1}"/>
+            </a:ext>
+          </a:extLst>
+        </p:cNvPr>
+        <p:cNvGrpSpPr/>
+        <p:nvPr/>
+      </p:nvGrpSpPr>
+      <p:grpSpPr>
+        <a:xfrm>
+          <a:off x="0" y="0"/>
+          <a:ext cx="0" cy="0"/>
+          <a:chOff x="0" y="0"/>
+          <a:chExt cx="0" cy="0"/>
+        </a:xfrm>
+      </p:grpSpPr>
+      <mc:AlternateContent xmlns:mc="http://schemas.openxmlformats.org/markup-compatibility/2006" xmlns:a14="http://schemas.microsoft.com/office/drawing/2010/main">
+        <mc:Choice Requires="a14">
+          <p:sp>
+            <p:nvSpPr>
+              <p:cNvPr id="3" name="Content Placeholder 2">
+                <a:extLst>
+                  <a:ext uri="{FF2B5EF4-FFF2-40B4-BE49-F238E27FC236}">
+                    <a16:creationId xmlns:a16="http://schemas.microsoft.com/office/drawing/2014/main" id="{A756B638-3D7E-468C-20AE-6A2ED491CE23}"/>
+                  </a:ext>
+                </a:extLst>
+              </p:cNvPr>
+              <p:cNvSpPr>
+                <a:spLocks noGrp="1"/>
+              </p:cNvSpPr>
+              <p:nvPr>
+                <p:ph idx="1"/>
+              </p:nvPr>
+            </p:nvSpPr>
+            <p:spPr>
+              <a:xfrm>
+                <a:off x="457199" y="1300900"/>
+                <a:ext cx="11189855" cy="5202528"/>
+              </a:xfrm>
+            </p:spPr>
+            <p:txBody>
+              <a:bodyPr>
+                <a:normAutofit/>
+              </a:bodyPr>
+              <a:lstStyle/>
+              <a:p>
+                <a:pPr>
+                  <a:lnSpc>
+                    <a:spcPct val="95000"/>
+                  </a:lnSpc>
+                  <a:spcBef>
+                    <a:spcPts val="1000"/>
+                  </a:spcBef>
+                  <a:defRPr sz="2000">
+                    <a:solidFill>
+                      <a:srgbClr val="000000"/>
+                    </a:solidFill>
+                    <a:latin typeface="Garamond"/>
+                  </a:defRPr>
+                </a:pPr>
+                <a:r>
+                  <a:rPr lang="en-US" altLang="zh-TW" sz="2400" dirty="0"/>
+                  <a:t>Not all preferences can be represented by a utility function.</a:t>
+                </a:r>
+              </a:p>
+              <a:p>
+                <a:pPr lvl="1">
+                  <a:lnSpc>
+                    <a:spcPct val="95000"/>
+                  </a:lnSpc>
+                  <a:spcBef>
+                    <a:spcPts val="1000"/>
+                  </a:spcBef>
+                  <a:defRPr sz="2000">
+                    <a:solidFill>
+                      <a:srgbClr val="000000"/>
+                    </a:solidFill>
+                    <a:latin typeface="Garamond"/>
+                  </a:defRPr>
+                </a:pPr>
+                <a:r>
+                  <a:rPr lang="en-US" altLang="zh-TW" sz="2000" dirty="0"/>
+                  <a:t>For preferences that are not transitive, a utility function cannot represent them.</a:t>
+                </a:r>
+              </a:p>
+              <a:p>
+                <a:pPr lvl="1">
+                  <a:lnSpc>
+                    <a:spcPct val="95000"/>
+                  </a:lnSpc>
+                  <a:spcBef>
+                    <a:spcPts val="1000"/>
+                  </a:spcBef>
+                  <a:defRPr sz="2000">
+                    <a:solidFill>
+                      <a:srgbClr val="000000"/>
+                    </a:solidFill>
+                    <a:latin typeface="Garamond"/>
+                  </a:defRPr>
+                </a:pPr>
+                <a:r>
+                  <a:rPr lang="en-US" altLang="zh-TW" sz="2000" dirty="0"/>
+                  <a:t>Suppose a consumer’s preferences reveal that </a:t>
+                </a:r>
+                <a14:m>
+                  <m:oMath xmlns:m="http://schemas.openxmlformats.org/officeDocument/2006/math">
+                    <m:r>
+                      <a:rPr lang="en-US" altLang="zh-TW" sz="2000" b="0" i="1" smtClean="0">
+                        <a:latin typeface="Cambria Math" panose="02040503050406030204" pitchFamily="18" charset="0"/>
+                      </a:rPr>
+                      <m:t>𝑋</m:t>
+                    </m:r>
+                    <m:r>
+                      <a:rPr lang="en-US" altLang="zh-TW" sz="2000" b="0" i="1" smtClean="0">
+                        <a:latin typeface="Cambria Math" panose="02040503050406030204" pitchFamily="18" charset="0"/>
+                      </a:rPr>
+                      <m:t>≻</m:t>
+                    </m:r>
+                    <m:r>
+                      <a:rPr lang="en-US" altLang="zh-TW" sz="2000" b="0" i="1" smtClean="0">
+                        <a:latin typeface="Cambria Math" panose="02040503050406030204" pitchFamily="18" charset="0"/>
+                      </a:rPr>
+                      <m:t>𝑌</m:t>
+                    </m:r>
+                  </m:oMath>
+                </a14:m>
+                <a:r>
+                  <a:rPr lang="en-US" altLang="zh-TW" sz="2000" dirty="0"/>
+                  <a:t>, </a:t>
+                </a:r>
+                <a14:m>
+                  <m:oMath xmlns:m="http://schemas.openxmlformats.org/officeDocument/2006/math">
+                    <m:r>
+                      <a:rPr lang="en-US" altLang="zh-TW" sz="2000" b="0" i="1" smtClean="0">
+                        <a:latin typeface="Cambria Math" panose="02040503050406030204" pitchFamily="18" charset="0"/>
+                      </a:rPr>
+                      <m:t>𝑌</m:t>
+                    </m:r>
+                    <m:r>
+                      <a:rPr lang="en-US" altLang="zh-TW" sz="2000" i="1">
+                        <a:latin typeface="Cambria Math" panose="02040503050406030204" pitchFamily="18" charset="0"/>
+                      </a:rPr>
+                      <m:t>≻</m:t>
+                    </m:r>
+                    <m:r>
+                      <a:rPr lang="en-US" altLang="zh-TW" sz="2000" b="0" i="1" smtClean="0">
+                        <a:latin typeface="Cambria Math" panose="02040503050406030204" pitchFamily="18" charset="0"/>
+                      </a:rPr>
+                      <m:t>𝑍</m:t>
+                    </m:r>
+                  </m:oMath>
+                </a14:m>
+                <a:r>
+                  <a:rPr lang="en-US" altLang="zh-TW" sz="2000" dirty="0"/>
+                  <a:t>, and </a:t>
+                </a:r>
+                <a14:m>
+                  <m:oMath xmlns:m="http://schemas.openxmlformats.org/officeDocument/2006/math">
+                    <m:r>
+                      <a:rPr lang="en-US" altLang="zh-TW" sz="2000" b="0" i="1" smtClean="0">
+                        <a:latin typeface="Cambria Math" panose="02040503050406030204" pitchFamily="18" charset="0"/>
+                      </a:rPr>
+                      <m:t>𝑍</m:t>
+                    </m:r>
+                    <m:r>
+                      <a:rPr lang="en-US" altLang="zh-TW" sz="2000" i="1">
+                        <a:latin typeface="Cambria Math" panose="02040503050406030204" pitchFamily="18" charset="0"/>
+                      </a:rPr>
+                      <m:t>≻</m:t>
+                    </m:r>
+                    <m:r>
+                      <a:rPr lang="en-US" altLang="zh-TW" sz="2000" b="0" i="1" smtClean="0">
+                        <a:latin typeface="Cambria Math" panose="02040503050406030204" pitchFamily="18" charset="0"/>
+                      </a:rPr>
+                      <m:t>𝑋</m:t>
+                    </m:r>
+                  </m:oMath>
+                </a14:m>
+                <a:r>
+                  <a:rPr lang="en-US" altLang="zh-TW" sz="2000" dirty="0"/>
+                  <a:t>.</a:t>
+                </a:r>
+              </a:p>
+              <a:p>
+                <a:pPr lvl="1">
+                  <a:lnSpc>
+                    <a:spcPct val="95000"/>
+                  </a:lnSpc>
+                  <a:spcBef>
+                    <a:spcPts val="1000"/>
+                  </a:spcBef>
+                  <a:defRPr sz="2000">
+                    <a:solidFill>
+                      <a:srgbClr val="000000"/>
+                    </a:solidFill>
+                    <a:latin typeface="Garamond"/>
+                  </a:defRPr>
+                </a:pPr>
+                <a:r>
+                  <a:rPr lang="en-US" altLang="zh-TW" sz="2000" dirty="0"/>
+                  <a:t>A utility representation would then require </a:t>
+                </a:r>
+                <a14:m>
+                  <m:oMath xmlns:m="http://schemas.openxmlformats.org/officeDocument/2006/math">
+                    <m:r>
+                      <a:rPr lang="en-US" altLang="zh-TW" sz="2000" b="0" i="1" smtClean="0">
+                        <a:latin typeface="Cambria Math" panose="02040503050406030204" pitchFamily="18" charset="0"/>
+                      </a:rPr>
+                      <m:t>𝑢</m:t>
+                    </m:r>
+                    <m:d>
+                      <m:dPr>
+                        <m:ctrlPr>
+                          <a:rPr lang="en-US" altLang="zh-TW" sz="2000" b="0" i="1" smtClean="0">
+                            <a:latin typeface="Cambria Math" panose="02040503050406030204" pitchFamily="18" charset="0"/>
+                          </a:rPr>
+                        </m:ctrlPr>
+                      </m:dPr>
+                      <m:e>
+                        <m:r>
+                          <a:rPr lang="en-US" altLang="zh-TW" sz="2000" b="0" i="1" smtClean="0">
+                            <a:latin typeface="Cambria Math" panose="02040503050406030204" pitchFamily="18" charset="0"/>
+                          </a:rPr>
+                          <m:t>𝑋</m:t>
+                        </m:r>
+                      </m:e>
+                    </m:d>
+                    <m:r>
+                      <a:rPr lang="en-US" altLang="zh-TW" sz="2000" b="0" i="1" smtClean="0">
+                        <a:latin typeface="Cambria Math" panose="02040503050406030204" pitchFamily="18" charset="0"/>
+                      </a:rPr>
+                      <m:t>&gt;</m:t>
+                    </m:r>
+                    <m:r>
+                      <a:rPr lang="en-US" altLang="zh-TW" sz="2000" b="0" i="1" smtClean="0">
+                        <a:latin typeface="Cambria Math" panose="02040503050406030204" pitchFamily="18" charset="0"/>
+                      </a:rPr>
+                      <m:t>𝑢</m:t>
+                    </m:r>
+                    <m:d>
+                      <m:dPr>
+                        <m:ctrlPr>
+                          <a:rPr lang="en-US" altLang="zh-TW" sz="2000" b="0" i="1" smtClean="0">
+                            <a:latin typeface="Cambria Math" panose="02040503050406030204" pitchFamily="18" charset="0"/>
+                          </a:rPr>
+                        </m:ctrlPr>
+                      </m:dPr>
+                      <m:e>
+                        <m:r>
+                          <a:rPr lang="en-US" altLang="zh-TW" sz="2000" i="1">
+                            <a:latin typeface="Cambria Math" panose="02040503050406030204" pitchFamily="18" charset="0"/>
+                          </a:rPr>
+                          <m:t>𝑌</m:t>
+                        </m:r>
+                      </m:e>
+                    </m:d>
+                  </m:oMath>
+                </a14:m>
+                <a:r>
+                  <a:rPr lang="en-US" altLang="zh-TW" sz="2000" dirty="0"/>
+                  <a:t>, </a:t>
+                </a:r>
+                <a14:m>
+                  <m:oMath xmlns:m="http://schemas.openxmlformats.org/officeDocument/2006/math">
+                    <m:r>
+                      <a:rPr lang="en-US" altLang="zh-TW" sz="2000" i="1">
+                        <a:latin typeface="Cambria Math" panose="02040503050406030204" pitchFamily="18" charset="0"/>
+                      </a:rPr>
+                      <m:t>𝑢</m:t>
+                    </m:r>
+                    <m:d>
+                      <m:dPr>
+                        <m:ctrlPr>
+                          <a:rPr lang="en-US" altLang="zh-TW" sz="2000" i="1">
+                            <a:latin typeface="Cambria Math" panose="02040503050406030204" pitchFamily="18" charset="0"/>
+                          </a:rPr>
+                        </m:ctrlPr>
+                      </m:dPr>
+                      <m:e>
+                        <m:r>
+                          <a:rPr lang="en-US" altLang="zh-TW" sz="2000" b="0" i="1" smtClean="0">
+                            <a:latin typeface="Cambria Math" panose="02040503050406030204" pitchFamily="18" charset="0"/>
+                          </a:rPr>
+                          <m:t>𝑌</m:t>
+                        </m:r>
+                      </m:e>
+                    </m:d>
+                    <m:r>
+                      <a:rPr lang="en-US" altLang="zh-TW" sz="2000" i="1">
+                        <a:latin typeface="Cambria Math" panose="02040503050406030204" pitchFamily="18" charset="0"/>
+                      </a:rPr>
+                      <m:t>&gt;</m:t>
+                    </m:r>
+                    <m:r>
+                      <a:rPr lang="en-US" altLang="zh-TW" sz="2000" i="1">
+                        <a:latin typeface="Cambria Math" panose="02040503050406030204" pitchFamily="18" charset="0"/>
+                      </a:rPr>
+                      <m:t>𝑢</m:t>
+                    </m:r>
+                    <m:d>
+                      <m:dPr>
+                        <m:ctrlPr>
+                          <a:rPr lang="en-US" altLang="zh-TW" sz="2000" i="1">
+                            <a:latin typeface="Cambria Math" panose="02040503050406030204" pitchFamily="18" charset="0"/>
+                          </a:rPr>
+                        </m:ctrlPr>
+                      </m:dPr>
+                      <m:e>
+                        <m:r>
+                          <a:rPr lang="en-US" altLang="zh-TW" sz="2000" b="0" i="1" smtClean="0">
+                            <a:latin typeface="Cambria Math" panose="02040503050406030204" pitchFamily="18" charset="0"/>
+                          </a:rPr>
+                          <m:t>𝑍</m:t>
+                        </m:r>
+                      </m:e>
+                    </m:d>
+                  </m:oMath>
+                </a14:m>
+                <a:r>
+                  <a:rPr lang="en-US" altLang="zh-TW" sz="2000" dirty="0"/>
+                  <a:t>, and </a:t>
+                </a:r>
+                <a14:m>
+                  <m:oMath xmlns:m="http://schemas.openxmlformats.org/officeDocument/2006/math">
+                    <m:r>
+                      <a:rPr lang="en-US" altLang="zh-TW" sz="2000" i="1">
+                        <a:latin typeface="Cambria Math" panose="02040503050406030204" pitchFamily="18" charset="0"/>
+                      </a:rPr>
+                      <m:t>𝑢</m:t>
+                    </m:r>
+                    <m:d>
+                      <m:dPr>
+                        <m:ctrlPr>
+                          <a:rPr lang="en-US" altLang="zh-TW" sz="2000" i="1">
+                            <a:latin typeface="Cambria Math" panose="02040503050406030204" pitchFamily="18" charset="0"/>
+                          </a:rPr>
+                        </m:ctrlPr>
+                      </m:dPr>
+                      <m:e>
+                        <m:r>
+                          <a:rPr lang="en-US" altLang="zh-TW" sz="2000" b="0" i="1" smtClean="0">
+                            <a:latin typeface="Cambria Math" panose="02040503050406030204" pitchFamily="18" charset="0"/>
+                          </a:rPr>
+                          <m:t>𝑍</m:t>
+                        </m:r>
+                      </m:e>
+                    </m:d>
+                    <m:r>
+                      <a:rPr lang="en-US" altLang="zh-TW" sz="2000" i="1">
+                        <a:latin typeface="Cambria Math" panose="02040503050406030204" pitchFamily="18" charset="0"/>
+                      </a:rPr>
+                      <m:t>&gt;</m:t>
+                    </m:r>
+                    <m:r>
+                      <a:rPr lang="en-US" altLang="zh-TW" sz="2000" i="1">
+                        <a:latin typeface="Cambria Math" panose="02040503050406030204" pitchFamily="18" charset="0"/>
+                      </a:rPr>
+                      <m:t>𝑢</m:t>
+                    </m:r>
+                    <m:d>
+                      <m:dPr>
+                        <m:ctrlPr>
+                          <a:rPr lang="en-US" altLang="zh-TW" sz="2000" i="1">
+                            <a:latin typeface="Cambria Math" panose="02040503050406030204" pitchFamily="18" charset="0"/>
+                          </a:rPr>
+                        </m:ctrlPr>
+                      </m:dPr>
+                      <m:e>
+                        <m:r>
+                          <a:rPr lang="en-US" altLang="zh-TW" sz="2000" b="0" i="1" smtClean="0">
+                            <a:latin typeface="Cambria Math" panose="02040503050406030204" pitchFamily="18" charset="0"/>
+                          </a:rPr>
+                          <m:t>𝑋</m:t>
+                        </m:r>
+                      </m:e>
+                    </m:d>
+                  </m:oMath>
+                </a14:m>
+                <a:r>
+                  <a:rPr lang="en-US" altLang="zh-TW" sz="2000" dirty="0"/>
+                  <a:t>.</a:t>
+                </a:r>
+              </a:p>
+              <a:p>
+                <a:pPr lvl="1">
+                  <a:lnSpc>
+                    <a:spcPct val="95000"/>
+                  </a:lnSpc>
+                  <a:spcBef>
+                    <a:spcPts val="1000"/>
+                  </a:spcBef>
+                  <a:defRPr sz="2000">
+                    <a:solidFill>
+                      <a:srgbClr val="000000"/>
+                    </a:solidFill>
+                    <a:latin typeface="Garamond"/>
+                  </a:defRPr>
+                </a:pPr>
+                <a:r>
+                  <a:rPr lang="en-US" sz="2000" dirty="0"/>
+                  <a:t>This implies that </a:t>
+                </a:r>
+                <a14:m>
+                  <m:oMath xmlns:m="http://schemas.openxmlformats.org/officeDocument/2006/math">
+                    <m:r>
+                      <a:rPr lang="en-US" altLang="zh-TW" sz="2000" i="1">
+                        <a:latin typeface="Cambria Math" panose="02040503050406030204" pitchFamily="18" charset="0"/>
+                      </a:rPr>
+                      <m:t>𝑢</m:t>
+                    </m:r>
+                    <m:d>
+                      <m:dPr>
+                        <m:ctrlPr>
+                          <a:rPr lang="en-US" altLang="zh-TW" sz="2000" i="1">
+                            <a:latin typeface="Cambria Math" panose="02040503050406030204" pitchFamily="18" charset="0"/>
+                          </a:rPr>
+                        </m:ctrlPr>
+                      </m:dPr>
+                      <m:e>
+                        <m:r>
+                          <a:rPr lang="en-US" altLang="zh-TW" sz="2000" i="1">
+                            <a:latin typeface="Cambria Math" panose="02040503050406030204" pitchFamily="18" charset="0"/>
+                          </a:rPr>
+                          <m:t>𝑋</m:t>
+                        </m:r>
+                      </m:e>
+                    </m:d>
+                    <m:r>
+                      <a:rPr lang="en-US" altLang="zh-TW" sz="2000" i="1">
+                        <a:latin typeface="Cambria Math" panose="02040503050406030204" pitchFamily="18" charset="0"/>
+                      </a:rPr>
+                      <m:t>&gt;</m:t>
+                    </m:r>
+                    <m:r>
+                      <a:rPr lang="en-US" altLang="zh-TW" sz="2000" i="1">
+                        <a:latin typeface="Cambria Math" panose="02040503050406030204" pitchFamily="18" charset="0"/>
+                      </a:rPr>
+                      <m:t>𝑢</m:t>
+                    </m:r>
+                    <m:d>
+                      <m:dPr>
+                        <m:ctrlPr>
+                          <a:rPr lang="en-US" altLang="zh-TW" sz="2000" i="1">
+                            <a:latin typeface="Cambria Math" panose="02040503050406030204" pitchFamily="18" charset="0"/>
+                          </a:rPr>
+                        </m:ctrlPr>
+                      </m:dPr>
+                      <m:e>
+                        <m:r>
+                          <a:rPr lang="en-US" altLang="zh-TW" sz="2000" i="1">
+                            <a:latin typeface="Cambria Math" panose="02040503050406030204" pitchFamily="18" charset="0"/>
+                          </a:rPr>
+                          <m:t>𝑋</m:t>
+                        </m:r>
+                      </m:e>
+                    </m:d>
+                  </m:oMath>
+                </a14:m>
+                <a:r>
+                  <a:rPr lang="en-US" altLang="zh-TW" sz="2000" dirty="0">
+                    <a:latin typeface="Garamond" panose="02020404030301010803" pitchFamily="18" charset="0"/>
+                  </a:rPr>
+                  <a:t>, which is not possible.</a:t>
+                </a:r>
+              </a:p>
+              <a:p>
+                <a:pPr lvl="3">
+                  <a:lnSpc>
+                    <a:spcPct val="95000"/>
+                  </a:lnSpc>
+                  <a:spcBef>
+                    <a:spcPts val="1000"/>
+                  </a:spcBef>
+                  <a:defRPr sz="2000">
+                    <a:solidFill>
+                      <a:srgbClr val="000000"/>
+                    </a:solidFill>
+                    <a:latin typeface="Garamond"/>
+                  </a:defRPr>
+                </a:pPr>
+                <a:endParaRPr lang="en-US" altLang="zh-TW" sz="1200" dirty="0"/>
+              </a:p>
+              <a:p>
+                <a:pPr>
+                  <a:lnSpc>
+                    <a:spcPct val="95000"/>
+                  </a:lnSpc>
+                  <a:spcBef>
+                    <a:spcPts val="1000"/>
+                  </a:spcBef>
+                  <a:defRPr sz="2000">
+                    <a:solidFill>
+                      <a:srgbClr val="000000"/>
+                    </a:solidFill>
+                    <a:latin typeface="Garamond"/>
+                  </a:defRPr>
+                </a:pPr>
+                <a:r>
+                  <a:rPr lang="en-US" altLang="zh-TW" sz="2400" dirty="0"/>
+                  <a:t>In fact, a preference relation has utility function representation only if the preference relation is rational.</a:t>
+                </a:r>
+              </a:p>
+              <a:p>
+                <a:pPr lvl="3">
+                  <a:lnSpc>
+                    <a:spcPct val="95000"/>
+                  </a:lnSpc>
+                  <a:spcBef>
+                    <a:spcPts val="1000"/>
+                  </a:spcBef>
+                  <a:defRPr sz="2000">
+                    <a:solidFill>
+                      <a:srgbClr val="000000"/>
+                    </a:solidFill>
+                    <a:latin typeface="Garamond"/>
+                  </a:defRPr>
+                </a:pPr>
+                <a:endParaRPr lang="en-US" altLang="zh-TW" sz="1200" dirty="0"/>
+              </a:p>
+              <a:p>
+                <a:pPr>
+                  <a:lnSpc>
+                    <a:spcPct val="95000"/>
+                  </a:lnSpc>
+                  <a:spcBef>
+                    <a:spcPts val="1000"/>
+                  </a:spcBef>
+                  <a:defRPr sz="2000">
+                    <a:solidFill>
+                      <a:srgbClr val="000000"/>
+                    </a:solidFill>
+                    <a:latin typeface="Garamond"/>
+                  </a:defRPr>
+                </a:pPr>
+                <a:r>
+                  <a:rPr lang="en-US" altLang="zh-TW" sz="2400" dirty="0"/>
+                  <a:t>Most well-behaved preference relations can be represented by a utility function.</a:t>
+                </a:r>
+              </a:p>
+              <a:p>
+                <a:pPr>
+                  <a:lnSpc>
+                    <a:spcPct val="95000"/>
+                  </a:lnSpc>
+                  <a:spcBef>
+                    <a:spcPts val="1000"/>
+                  </a:spcBef>
+                  <a:defRPr sz="2000">
+                    <a:solidFill>
+                      <a:srgbClr val="000000"/>
+                    </a:solidFill>
+                    <a:latin typeface="Garamond"/>
+                  </a:defRPr>
+                </a:pPr>
+                <a:endParaRPr lang="en-US" altLang="zh-TW" sz="2400" dirty="0"/>
+              </a:p>
+            </p:txBody>
+          </p:sp>
+        </mc:Choice>
+        <mc:Fallback xmlns="">
+          <p:sp>
+            <p:nvSpPr>
+              <p:cNvPr id="3" name="Content Placeholder 2">
+                <a:extLst>
+                  <a:ext uri="{FF2B5EF4-FFF2-40B4-BE49-F238E27FC236}">
+                    <a16:creationId xmlns:a16="http://schemas.microsoft.com/office/drawing/2014/main" id="{A756B638-3D7E-468C-20AE-6A2ED491CE23}"/>
+                  </a:ext>
+                </a:extLst>
+              </p:cNvPr>
+              <p:cNvSpPr>
+                <a:spLocks noGrp="1" noRot="1" noChangeAspect="1" noMove="1" noResize="1" noEditPoints="1" noAdjustHandles="1" noChangeArrowheads="1" noChangeShapeType="1" noTextEdit="1"/>
+              </p:cNvSpPr>
+              <p:nvPr>
+                <p:ph idx="1"/>
+              </p:nvPr>
+            </p:nvSpPr>
+            <p:spPr>
+              <a:xfrm>
+                <a:off x="457199" y="1300900"/>
+                <a:ext cx="11189855" cy="5202528"/>
+              </a:xfrm>
+              <a:blipFill>
+                <a:blip r:embed="rId2"/>
+                <a:stretch>
+                  <a:fillRect l="-708" t="-1288"/>
+                </a:stretch>
+              </a:blipFill>
+            </p:spPr>
+            <p:txBody>
+              <a:bodyPr/>
+              <a:lstStyle/>
+              <a:p>
+                <a:r>
+                  <a:rPr lang="en-US">
+                    <a:noFill/>
+                  </a:rPr>
+                  <a:t> </a:t>
+                </a:r>
+              </a:p>
+            </p:txBody>
+          </p:sp>
+        </mc:Fallback>
+      </mc:AlternateContent>
+      <p:sp>
+        <p:nvSpPr>
+          <p:cNvPr id="4" name="Rectangle 3">
+            <a:extLst>
+              <a:ext uri="{FF2B5EF4-FFF2-40B4-BE49-F238E27FC236}">
+                <a16:creationId xmlns:a16="http://schemas.microsoft.com/office/drawing/2014/main" id="{857E7239-2536-BD9C-DFB4-BC5C767A7DA7}"/>
+              </a:ext>
+            </a:extLst>
+          </p:cNvPr>
+          <p:cNvSpPr/>
+          <p:nvPr/>
+        </p:nvSpPr>
+        <p:spPr>
+          <a:xfrm>
+            <a:off x="0" y="0"/>
+            <a:ext cx="12188825" cy="923636"/>
+          </a:xfrm>
+          <a:prstGeom prst="rect">
+            <a:avLst/>
+          </a:prstGeom>
+          <a:solidFill>
+            <a:srgbClr val="77122C"/>
+          </a:solidFill>
+        </p:spPr>
+        <p:style>
+          <a:lnRef idx="1">
+            <a:schemeClr val="accent1"/>
+          </a:lnRef>
+          <a:fillRef idx="3">
+            <a:schemeClr val="accent1"/>
+          </a:fillRef>
+          <a:effectRef idx="2">
+            <a:schemeClr val="accent1"/>
+          </a:effectRef>
+          <a:fontRef idx="minor">
+            <a:schemeClr val="lt1"/>
+          </a:fontRef>
+        </p:style>
+        <p:txBody>
+          <a:bodyPr rtlCol="0" anchor="ctr"/>
+          <a:lstStyle/>
+          <a:p>
+            <a:pPr algn="ctr"/>
+            <a:endParaRPr lang="en-US"/>
+          </a:p>
+        </p:txBody>
+      </p:sp>
+      <p:sp>
+        <p:nvSpPr>
+          <p:cNvPr id="2" name="Title 1">
+            <a:extLst>
+              <a:ext uri="{FF2B5EF4-FFF2-40B4-BE49-F238E27FC236}">
+                <a16:creationId xmlns:a16="http://schemas.microsoft.com/office/drawing/2014/main" id="{614741F4-6541-73D8-592A-D25E4646950D}"/>
+              </a:ext>
+            </a:extLst>
+          </p:cNvPr>
+          <p:cNvSpPr>
+            <a:spLocks noGrp="1"/>
+          </p:cNvSpPr>
+          <p:nvPr>
+            <p:ph type="title"/>
+          </p:nvPr>
+        </p:nvSpPr>
+        <p:spPr>
+          <a:xfrm>
+            <a:off x="0" y="0"/>
+            <a:ext cx="12188825" cy="923636"/>
+          </a:xfrm>
+        </p:spPr>
+        <p:txBody>
+          <a:bodyPr>
+            <a:normAutofit/>
+          </a:bodyPr>
+          <a:lstStyle/>
+          <a:p>
+            <a:pPr algn="l">
+              <a:defRPr sz="4000" b="1">
+                <a:solidFill>
+                  <a:srgbClr val="FDB913"/>
+                </a:solidFill>
+                <a:latin typeface="Garamond"/>
+              </a:defRPr>
+            </a:pPr>
+            <a:r>
+              <a:rPr lang="en-US" sz="4000" dirty="0">
+                <a:solidFill>
+                  <a:schemeClr val="bg1"/>
+                </a:solidFill>
+              </a:rPr>
+              <a:t>  Utility Function Representation</a:t>
+            </a:r>
+          </a:p>
+        </p:txBody>
+      </p:sp>
+      <p:sp>
+        <p:nvSpPr>
+          <p:cNvPr id="5" name="Rectangle 4">
+            <a:extLst>
+              <a:ext uri="{FF2B5EF4-FFF2-40B4-BE49-F238E27FC236}">
+                <a16:creationId xmlns:a16="http://schemas.microsoft.com/office/drawing/2014/main" id="{F7E0E715-899D-5FED-3183-F024FF0AF70E}"/>
+              </a:ext>
+            </a:extLst>
+          </p:cNvPr>
+          <p:cNvSpPr/>
+          <p:nvPr/>
+        </p:nvSpPr>
+        <p:spPr>
+          <a:xfrm>
+            <a:off x="-1" y="6503428"/>
+            <a:ext cx="12188825" cy="354572"/>
+          </a:xfrm>
+          <a:prstGeom prst="rect">
+            <a:avLst/>
+          </a:prstGeom>
+          <a:solidFill>
+            <a:srgbClr val="77122C"/>
+          </a:solidFill>
+        </p:spPr>
+        <p:style>
+          <a:lnRef idx="1">
+            <a:schemeClr val="accent1"/>
+          </a:lnRef>
+          <a:fillRef idx="3">
+            <a:schemeClr val="accent1"/>
+          </a:fillRef>
+          <a:effectRef idx="2">
+            <a:schemeClr val="accent1"/>
+          </a:effectRef>
+          <a:fontRef idx="minor">
+            <a:schemeClr val="lt1"/>
+          </a:fontRef>
+        </p:style>
+        <p:txBody>
+          <a:bodyPr rtlCol="0" anchor="ctr"/>
+          <a:lstStyle/>
+          <a:p>
+            <a:pPr algn="ctr"/>
+            <a:endParaRPr lang="en-US"/>
+          </a:p>
+        </p:txBody>
+      </p:sp>
+      <p:sp>
+        <p:nvSpPr>
+          <p:cNvPr id="6" name="Footer Placeholder 5">
+            <a:extLst>
+              <a:ext uri="{FF2B5EF4-FFF2-40B4-BE49-F238E27FC236}">
+                <a16:creationId xmlns:a16="http://schemas.microsoft.com/office/drawing/2014/main" id="{85470592-0574-2351-3A48-555A1D783A38}"/>
+              </a:ext>
+            </a:extLst>
+          </p:cNvPr>
+          <p:cNvSpPr>
+            <a:spLocks noGrp="1"/>
+          </p:cNvSpPr>
+          <p:nvPr>
+            <p:ph type="ftr" sz="quarter" idx="11"/>
+          </p:nvPr>
+        </p:nvSpPr>
+        <p:spPr>
+          <a:xfrm>
+            <a:off x="-1" y="6503428"/>
+            <a:ext cx="2895600" cy="354572"/>
+          </a:xfrm>
+        </p:spPr>
+        <p:txBody>
+          <a:bodyPr/>
+          <a:lstStyle/>
+          <a:p>
+            <a:pPr algn="l"/>
+            <a:r>
+              <a:rPr lang="en-US">
+                <a:solidFill>
+                  <a:schemeClr val="bg1"/>
+                </a:solidFill>
+                <a:latin typeface="Garamond" panose="02020404030301010803" pitchFamily="18" charset="0"/>
+              </a:rPr>
+              <a:t> Intermediate Microeconomic Theory</a:t>
+            </a:r>
+            <a:endParaRPr lang="en-US" dirty="0">
+              <a:solidFill>
+                <a:schemeClr val="bg1"/>
+              </a:solidFill>
+              <a:latin typeface="Garamond" panose="02020404030301010803" pitchFamily="18" charset="0"/>
+            </a:endParaRPr>
+          </a:p>
+        </p:txBody>
+      </p:sp>
+      <p:sp>
+        <p:nvSpPr>
+          <p:cNvPr id="7" name="Slide Number Placeholder 6">
+            <a:extLst>
+              <a:ext uri="{FF2B5EF4-FFF2-40B4-BE49-F238E27FC236}">
+                <a16:creationId xmlns:a16="http://schemas.microsoft.com/office/drawing/2014/main" id="{2843D56F-A365-6482-D757-0B3FD355E64F}"/>
+              </a:ext>
+            </a:extLst>
+          </p:cNvPr>
+          <p:cNvSpPr>
+            <a:spLocks noGrp="1"/>
+          </p:cNvSpPr>
+          <p:nvPr>
+            <p:ph type="sldNum" sz="quarter" idx="12"/>
+          </p:nvPr>
+        </p:nvSpPr>
+        <p:spPr>
+          <a:xfrm>
+            <a:off x="10055225" y="6503428"/>
+            <a:ext cx="2133600" cy="354572"/>
+          </a:xfrm>
+        </p:spPr>
+        <p:txBody>
+          <a:bodyPr/>
+          <a:lstStyle/>
+          <a:p>
+            <a:fld id="{C1FF6DA9-008F-8B48-92A6-B652298478BF}" type="slidenum">
+              <a:rPr lang="en-US" b="1" smtClean="0">
+                <a:solidFill>
+                  <a:schemeClr val="bg1"/>
+                </a:solidFill>
+                <a:latin typeface="Garamond" panose="02020404030301010803" pitchFamily="18" charset="0"/>
+              </a:rPr>
+              <a:t>8</a:t>
+            </a:fld>
+            <a:r>
+              <a:rPr lang="en-US" b="1" dirty="0">
+                <a:solidFill>
+                  <a:schemeClr val="bg1"/>
+                </a:solidFill>
+                <a:latin typeface="Garamond" panose="02020404030301010803" pitchFamily="18" charset="0"/>
+              </a:rPr>
+              <a:t> </a:t>
+            </a:r>
+          </a:p>
+        </p:txBody>
+      </p:sp>
+    </p:spTree>
+    <p:extLst>
+      <p:ext uri="{BB962C8B-B14F-4D97-AF65-F5344CB8AC3E}">
+        <p14:creationId xmlns:p14="http://schemas.microsoft.com/office/powerpoint/2010/main" val="2291045552"/>
+      </p:ext>
+    </p:extLst>
+  </p:cSld>
+  <p:clrMapOvr>
+    <a:masterClrMapping/>
+  </p:clrMapOvr>
+  <p:timing>
+    <p:tnLst>
+      <p:par>
+        <p:cTn id="1" dur="indefinite" restart="never" nodeType="tmRoot">
+          <p:childTnLst>
+            <p:seq concurrent="1" nextAc="seek">
+              <p:cTn id="2" dur="indefinite" nodeType="mainSeq">
+                <p:childTnLst>
+                  <p:par>
+                    <p:cTn id="3" fill="hold">
+                      <p:stCondLst>
+                        <p:cond delay="indefinite"/>
+                        <p:cond evt="onBegin" delay="0">
+                          <p:tn val="2"/>
+                        </p:cond>
+                      </p:stCondLst>
+                      <p:childTnLst>
+                        <p:par>
+                          <p:cTn id="4" fill="hold">
+                            <p:stCondLst>
+                              <p:cond delay="0"/>
+                            </p:stCondLst>
+                            <p:childTnLst>
+                              <p:par>
+                                <p:cTn id="5" presetID="10" presetClass="entr" presetSubtype="0" fill="hold" nodeType="withEffect">
+                                  <p:stCondLst>
+                                    <p:cond delay="0"/>
+                                  </p:stCondLst>
+                                  <p:childTnLst>
+                                    <p:set>
+                                      <p:cBhvr>
+                                        <p:cTn id="6" dur="1" fill="hold">
+                                          <p:stCondLst>
+                                            <p:cond delay="0"/>
+                                          </p:stCondLst>
+                                        </p:cTn>
+                                        <p:tgtEl>
+                                          <p:spTgt spid="3">
+                                            <p:txEl>
+                                              <p:pRg st="0" end="0"/>
+                                            </p:txEl>
+                                          </p:spTgt>
+                                        </p:tgtEl>
+                                        <p:attrNameLst>
+                                          <p:attrName>style.visibility</p:attrName>
+                                        </p:attrNameLst>
+                                      </p:cBhvr>
+                                      <p:to>
+                                        <p:strVal val="visible"/>
+                                      </p:to>
+                                    </p:set>
+                                    <p:animEffect transition="in" filter="fade">
+                                      <p:cBhvr>
+                                        <p:cTn id="7" dur="500"/>
+                                        <p:tgtEl>
+                                          <p:spTgt spid="3">
+                                            <p:txEl>
+                                              <p:pRg st="0" end="0"/>
+                                            </p:txEl>
+                                          </p:spTgt>
+                                        </p:tgtEl>
+                                      </p:cBhvr>
+                                    </p:animEffect>
+                                  </p:childTnLst>
+                                </p:cTn>
+                              </p:par>
+                              <p:par>
+                                <p:cTn id="8" presetID="10" presetClass="entr" presetSubtype="0" fill="hold" nodeType="withEffect">
+                                  <p:stCondLst>
+                                    <p:cond delay="0"/>
+                                  </p:stCondLst>
+                                  <p:childTnLst>
+                                    <p:set>
+                                      <p:cBhvr>
+                                        <p:cTn id="9" dur="1" fill="hold">
+                                          <p:stCondLst>
+                                            <p:cond delay="0"/>
+                                          </p:stCondLst>
+                                        </p:cTn>
+                                        <p:tgtEl>
+                                          <p:spTgt spid="3">
+                                            <p:txEl>
+                                              <p:pRg st="1" end="1"/>
+                                            </p:txEl>
+                                          </p:spTgt>
+                                        </p:tgtEl>
+                                        <p:attrNameLst>
+                                          <p:attrName>style.visibility</p:attrName>
+                                        </p:attrNameLst>
+                                      </p:cBhvr>
+                                      <p:to>
+                                        <p:strVal val="visible"/>
+                                      </p:to>
+                                    </p:set>
+                                    <p:animEffect transition="in" filter="fade">
+                                      <p:cBhvr>
+                                        <p:cTn id="10" dur="500"/>
+                                        <p:tgtEl>
+                                          <p:spTgt spid="3">
+                                            <p:txEl>
+                                              <p:pRg st="1" end="1"/>
+                                            </p:txEl>
+                                          </p:spTgt>
+                                        </p:tgtEl>
+                                      </p:cBhvr>
+                                    </p:animEffect>
+                                  </p:childTnLst>
+                                </p:cTn>
+                              </p:par>
+                              <p:par>
+                                <p:cTn id="11" presetID="10" presetClass="entr" presetSubtype="0" fill="hold" nodeType="withEffect">
+                                  <p:stCondLst>
+                                    <p:cond delay="0"/>
+                                  </p:stCondLst>
+                                  <p:childTnLst>
+                                    <p:set>
+                                      <p:cBhvr>
+                                        <p:cTn id="12" dur="1" fill="hold">
+                                          <p:stCondLst>
+                                            <p:cond delay="0"/>
+                                          </p:stCondLst>
+                                        </p:cTn>
+                                        <p:tgtEl>
+                                          <p:spTgt spid="3">
+                                            <p:txEl>
+                                              <p:pRg st="2" end="2"/>
+                                            </p:txEl>
+                                          </p:spTgt>
+                                        </p:tgtEl>
+                                        <p:attrNameLst>
+                                          <p:attrName>style.visibility</p:attrName>
+                                        </p:attrNameLst>
+                                      </p:cBhvr>
+                                      <p:to>
+                                        <p:strVal val="visible"/>
+                                      </p:to>
+                                    </p:set>
+                                    <p:animEffect transition="in" filter="fade">
+                                      <p:cBhvr>
+                                        <p:cTn id="13" dur="500"/>
+                                        <p:tgtEl>
+                                          <p:spTgt spid="3">
+                                            <p:txEl>
+                                              <p:pRg st="2" end="2"/>
+                                            </p:txEl>
+                                          </p:spTgt>
+                                        </p:tgtEl>
+                                      </p:cBhvr>
+                                    </p:animEffect>
+                                  </p:childTnLst>
+                                </p:cTn>
+                              </p:par>
+                              <p:par>
+                                <p:cTn id="14" presetID="10" presetClass="entr" presetSubtype="0" fill="hold" nodeType="withEffect">
+                                  <p:stCondLst>
+                                    <p:cond delay="0"/>
+                                  </p:stCondLst>
+                                  <p:childTnLst>
+                                    <p:set>
+                                      <p:cBhvr>
+                                        <p:cTn id="15" dur="1" fill="hold">
+                                          <p:stCondLst>
+                                            <p:cond delay="0"/>
+                                          </p:stCondLst>
+                                        </p:cTn>
+                                        <p:tgtEl>
+                                          <p:spTgt spid="3">
+                                            <p:txEl>
+                                              <p:pRg st="3" end="3"/>
+                                            </p:txEl>
+                                          </p:spTgt>
+                                        </p:tgtEl>
+                                        <p:attrNameLst>
+                                          <p:attrName>style.visibility</p:attrName>
+                                        </p:attrNameLst>
+                                      </p:cBhvr>
+                                      <p:to>
+                                        <p:strVal val="visible"/>
+                                      </p:to>
+                                    </p:set>
+                                    <p:animEffect transition="in" filter="fade">
+                                      <p:cBhvr>
+                                        <p:cTn id="16" dur="500"/>
+                                        <p:tgtEl>
+                                          <p:spTgt spid="3">
+                                            <p:txEl>
+                                              <p:pRg st="3" end="3"/>
+                                            </p:txEl>
+                                          </p:spTgt>
+                                        </p:tgtEl>
+                                      </p:cBhvr>
+                                    </p:animEffect>
+                                  </p:childTnLst>
+                                </p:cTn>
+                              </p:par>
+                              <p:par>
+                                <p:cTn id="17" presetID="10" presetClass="entr" presetSubtype="0" fill="hold" nodeType="withEffect">
+                                  <p:stCondLst>
+                                    <p:cond delay="0"/>
+                                  </p:stCondLst>
+                                  <p:childTnLst>
+                                    <p:set>
+                                      <p:cBhvr>
+                                        <p:cTn id="18" dur="1" fill="hold">
+                                          <p:stCondLst>
+                                            <p:cond delay="0"/>
+                                          </p:stCondLst>
+                                        </p:cTn>
+                                        <p:tgtEl>
+                                          <p:spTgt spid="3">
+                                            <p:txEl>
+                                              <p:pRg st="4" end="4"/>
+                                            </p:txEl>
+                                          </p:spTgt>
+                                        </p:tgtEl>
+                                        <p:attrNameLst>
+                                          <p:attrName>style.visibility</p:attrName>
+                                        </p:attrNameLst>
+                                      </p:cBhvr>
+                                      <p:to>
+                                        <p:strVal val="visible"/>
+                                      </p:to>
+                                    </p:set>
+                                    <p:animEffect transition="in" filter="fade">
+                                      <p:cBhvr>
+                                        <p:cTn id="19" dur="500"/>
+                                        <p:tgtEl>
+                                          <p:spTgt spid="3">
+                                            <p:txEl>
+                                              <p:pRg st="4" end="4"/>
+                                            </p:txEl>
+                                          </p:spTgt>
+                                        </p:tgtEl>
+                                      </p:cBhvr>
+                                    </p:animEffect>
+                                  </p:childTnLst>
+                                </p:cTn>
+                              </p:par>
+                            </p:childTnLst>
+                          </p:cTn>
+                        </p:par>
+                      </p:childTnLst>
+                    </p:cTn>
+                  </p:par>
+                  <p:par>
+                    <p:cTn id="20" fill="hold">
+                      <p:stCondLst>
+                        <p:cond delay="indefinite"/>
+                      </p:stCondLst>
+                      <p:childTnLst>
+                        <p:par>
+                          <p:cTn id="21" fill="hold">
+                            <p:stCondLst>
+                              <p:cond delay="0"/>
+                            </p:stCondLst>
+                            <p:childTnLst>
+                              <p:par>
+                                <p:cTn id="22" presetID="10" presetClass="entr" presetSubtype="0" fill="hold" nodeType="clickEffect">
+                                  <p:stCondLst>
+                                    <p:cond delay="0"/>
+                                  </p:stCondLst>
+                                  <p:childTnLst>
+                                    <p:set>
+                                      <p:cBhvr>
+                                        <p:cTn id="23" dur="1" fill="hold">
+                                          <p:stCondLst>
+                                            <p:cond delay="0"/>
+                                          </p:stCondLst>
+                                        </p:cTn>
+                                        <p:tgtEl>
+                                          <p:spTgt spid="3">
+                                            <p:txEl>
+                                              <p:pRg st="6" end="6"/>
+                                            </p:txEl>
+                                          </p:spTgt>
+                                        </p:tgtEl>
+                                        <p:attrNameLst>
+                                          <p:attrName>style.visibility</p:attrName>
+                                        </p:attrNameLst>
+                                      </p:cBhvr>
+                                      <p:to>
+                                        <p:strVal val="visible"/>
+                                      </p:to>
+                                    </p:set>
+                                    <p:animEffect transition="in" filter="fade">
+                                      <p:cBhvr>
+                                        <p:cTn id="24" dur="500"/>
+                                        <p:tgtEl>
+                                          <p:spTgt spid="3">
+                                            <p:txEl>
+                                              <p:pRg st="6" end="6"/>
+                                            </p:txEl>
+                                          </p:spTgt>
+                                        </p:tgtEl>
+                                      </p:cBhvr>
+                                    </p:animEffect>
+                                  </p:childTnLst>
+                                </p:cTn>
+                              </p:par>
+                            </p:childTnLst>
+                          </p:cTn>
+                        </p:par>
+                      </p:childTnLst>
+                    </p:cTn>
+                  </p:par>
+                  <p:par>
+                    <p:cTn id="25" fill="hold">
+                      <p:stCondLst>
+                        <p:cond delay="indefinite"/>
+                      </p:stCondLst>
+                      <p:childTnLst>
+                        <p:par>
+                          <p:cTn id="26" fill="hold">
+                            <p:stCondLst>
+                              <p:cond delay="0"/>
+                            </p:stCondLst>
+                            <p:childTnLst>
+                              <p:par>
+                                <p:cTn id="27" presetID="10" presetClass="entr" presetSubtype="0" fill="hold" nodeType="clickEffect">
+                                  <p:stCondLst>
+                                    <p:cond delay="0"/>
+                                  </p:stCondLst>
+                                  <p:childTnLst>
+                                    <p:set>
+                                      <p:cBhvr>
+                                        <p:cTn id="28" dur="1" fill="hold">
+                                          <p:stCondLst>
+                                            <p:cond delay="0"/>
+                                          </p:stCondLst>
+                                        </p:cTn>
+                                        <p:tgtEl>
+                                          <p:spTgt spid="3">
+                                            <p:txEl>
+                                              <p:pRg st="8" end="8"/>
+                                            </p:txEl>
+                                          </p:spTgt>
+                                        </p:tgtEl>
+                                        <p:attrNameLst>
+                                          <p:attrName>style.visibility</p:attrName>
+                                        </p:attrNameLst>
+                                      </p:cBhvr>
+                                      <p:to>
+                                        <p:strVal val="visible"/>
+                                      </p:to>
+                                    </p:set>
+                                    <p:animEffect transition="in" filter="fade">
+                                      <p:cBhvr>
+                                        <p:cTn id="29" dur="500"/>
+                                        <p:tgtEl>
+                                          <p:spTgt spid="3">
+                                            <p:txEl>
+                                              <p:pRg st="8" end="8"/>
+                                            </p:txEl>
+                                          </p:spTgt>
+                                        </p:tgtEl>
+                                      </p:cBhvr>
+                                    </p:animEffect>
+                                  </p:childTnLst>
+                                </p:cTn>
+                              </p:par>
+                            </p:childTnLst>
+                          </p:cTn>
+                        </p:par>
+                      </p:childTnLst>
+                    </p:cTn>
+                  </p:par>
+                </p:childTnLst>
+              </p:cTn>
+              <p:prevCondLst>
+                <p:cond evt="onPrev" delay="0">
+                  <p:tgtEl>
+                    <p:sldTgt/>
+                  </p:tgtEl>
+                </p:cond>
+              </p:prevCondLst>
+              <p:nextCondLst>
+                <p:cond evt="onNext" delay="0">
+                  <p:tgtEl>
+                    <p:sldTgt/>
+                  </p:tgtEl>
+                </p:cond>
+              </p:nextCondLst>
+            </p:seq>
+          </p:childTnLst>
+        </p:cTn>
+      </p:par>
+    </p:tnLst>
+  </p:timing>
+</p:sld>
+</file>
+
+<file path=ppt/slides/slide9.xml><?xml version="1.0" encoding="utf-8"?>
+<p:sld xmlns:a="http://schemas.openxmlformats.org/drawingml/2006/main" xmlns:r="http://schemas.openxmlformats.org/officeDocument/2006/relationships" xmlns:p="http://schemas.openxmlformats.org/presentationml/2006/main">
+  <p:cSld>
+    <p:spTree>
+      <p:nvGrpSpPr>
+        <p:cNvPr id="1" name="">
+          <a:extLst>
+            <a:ext uri="{FF2B5EF4-FFF2-40B4-BE49-F238E27FC236}">
+              <a16:creationId xmlns:a16="http://schemas.microsoft.com/office/drawing/2014/main" id="{D27AEFF2-F746-BD8D-D2B8-1FC132FDB0F0}"/>
+            </a:ext>
+          </a:extLst>
+        </p:cNvPr>
         <p:cNvGrpSpPr/>
         <p:nvPr/>
       </p:nvGrpSpPr>
@@ -38013,10 +37443,203 @@
       </p:grpSpPr>
       <p:sp>
         <p:nvSpPr>
+          <p:cNvPr id="3" name="Content Placeholder 2">
+            <a:extLst>
+              <a:ext uri="{FF2B5EF4-FFF2-40B4-BE49-F238E27FC236}">
+                <a16:creationId xmlns:a16="http://schemas.microsoft.com/office/drawing/2014/main" id="{79210A33-223B-9471-CB72-FE8056A1841A}"/>
+              </a:ext>
+            </a:extLst>
+          </p:cNvPr>
+          <p:cNvSpPr>
+            <a:spLocks noGrp="1"/>
+          </p:cNvSpPr>
+          <p:nvPr>
+            <p:ph idx="1"/>
+          </p:nvPr>
+        </p:nvSpPr>
+        <p:spPr>
+          <a:xfrm>
+            <a:off x="5093208" y="1300900"/>
+            <a:ext cx="6553846" cy="5081046"/>
+          </a:xfrm>
+        </p:spPr>
+        <p:txBody>
+          <a:bodyPr>
+            <a:normAutofit/>
+          </a:bodyPr>
+          <a:lstStyle/>
+          <a:p>
+            <a:pPr>
+              <a:lnSpc>
+                <a:spcPct val="95000"/>
+              </a:lnSpc>
+              <a:spcBef>
+                <a:spcPts val="1000"/>
+              </a:spcBef>
+              <a:defRPr sz="2000">
+                <a:solidFill>
+                  <a:srgbClr val="000000"/>
+                </a:solidFill>
+                <a:latin typeface="Garamond"/>
+              </a:defRPr>
+            </a:pPr>
+            <a:r>
+              <a:rPr lang="en-US" altLang="zh-TW" sz="2400" dirty="0"/>
+              <a:t>For instance, suppose we are given an indifference map with six indifference curves:</a:t>
+            </a:r>
+          </a:p>
+          <a:p>
+            <a:pPr lvl="1">
+              <a:lnSpc>
+                <a:spcPct val="95000"/>
+              </a:lnSpc>
+              <a:spcBef>
+                <a:spcPts val="1000"/>
+              </a:spcBef>
+              <a:defRPr sz="2000">
+                <a:solidFill>
+                  <a:srgbClr val="000000"/>
+                </a:solidFill>
+                <a:latin typeface="Garamond"/>
+              </a:defRPr>
+            </a:pPr>
+            <a:r>
+              <a:rPr lang="en-US" altLang="zh-TW" sz="2000" dirty="0"/>
+              <a:t>Any bundle on the outermost indifference curve (IC6) is preferred to any bundle on the other five indifference curves.</a:t>
+            </a:r>
+          </a:p>
+          <a:p>
+            <a:pPr lvl="1">
+              <a:lnSpc>
+                <a:spcPct val="95000"/>
+              </a:lnSpc>
+              <a:spcBef>
+                <a:spcPts val="1000"/>
+              </a:spcBef>
+              <a:defRPr sz="2000">
+                <a:solidFill>
+                  <a:srgbClr val="000000"/>
+                </a:solidFill>
+                <a:latin typeface="Garamond"/>
+              </a:defRPr>
+            </a:pPr>
+            <a:r>
+              <a:rPr lang="en-US" altLang="zh-TW" sz="2000" dirty="0"/>
+              <a:t>Therefore, bundles on indifference curves further outward should be assigned higher utility values.</a:t>
+            </a:r>
+          </a:p>
+          <a:p>
+            <a:pPr lvl="1">
+              <a:lnSpc>
+                <a:spcPct val="95000"/>
+              </a:lnSpc>
+              <a:spcBef>
+                <a:spcPts val="1000"/>
+              </a:spcBef>
+              <a:defRPr sz="2000">
+                <a:solidFill>
+                  <a:srgbClr val="000000"/>
+                </a:solidFill>
+                <a:latin typeface="Garamond"/>
+              </a:defRPr>
+            </a:pPr>
+            <a:r>
+              <a:rPr lang="en-US" altLang="zh-TW" sz="2000" dirty="0"/>
+              <a:t>One possible construction is to plot a 45-degree line and assign utility values based on distance from the origin.</a:t>
+            </a:r>
+          </a:p>
+          <a:p>
+            <a:pPr lvl="4">
+              <a:lnSpc>
+                <a:spcPct val="95000"/>
+              </a:lnSpc>
+              <a:spcBef>
+                <a:spcPts val="1000"/>
+              </a:spcBef>
+              <a:defRPr sz="2000">
+                <a:solidFill>
+                  <a:srgbClr val="000000"/>
+                </a:solidFill>
+                <a:latin typeface="Garamond"/>
+              </a:defRPr>
+            </a:pPr>
+            <a:endParaRPr lang="en-US" altLang="zh-TW" sz="1200" dirty="0"/>
+          </a:p>
+          <a:p>
+            <a:pPr>
+              <a:lnSpc>
+                <a:spcPct val="95000"/>
+              </a:lnSpc>
+              <a:spcBef>
+                <a:spcPts val="1000"/>
+              </a:spcBef>
+              <a:defRPr sz="2000">
+                <a:solidFill>
+                  <a:srgbClr val="000000"/>
+                </a:solidFill>
+                <a:latin typeface="Garamond"/>
+              </a:defRPr>
+            </a:pPr>
+            <a:r>
+              <a:rPr lang="en-US" altLang="zh-TW" sz="2400" dirty="0"/>
+              <a:t>This is one example of how a utility function can be constructed from preferences, but it is not the approach we will use going forward.</a:t>
+            </a:r>
+          </a:p>
+        </p:txBody>
+      </p:sp>
+      <p:sp>
+        <p:nvSpPr>
+          <p:cNvPr id="4" name="Rectangle 3">
+            <a:extLst>
+              <a:ext uri="{FF2B5EF4-FFF2-40B4-BE49-F238E27FC236}">
+                <a16:creationId xmlns:a16="http://schemas.microsoft.com/office/drawing/2014/main" id="{E79AD3B8-B45E-05B3-9C2B-3F6403A041EF}"/>
+              </a:ext>
+            </a:extLst>
+          </p:cNvPr>
+          <p:cNvSpPr/>
+          <p:nvPr/>
+        </p:nvSpPr>
+        <p:spPr>
+          <a:xfrm>
+            <a:off x="0" y="0"/>
+            <a:ext cx="12188825" cy="923636"/>
+          </a:xfrm>
+          <a:prstGeom prst="rect">
+            <a:avLst/>
+          </a:prstGeom>
+          <a:solidFill>
+            <a:srgbClr val="77122C"/>
+          </a:solidFill>
+        </p:spPr>
+        <p:style>
+          <a:lnRef idx="1">
+            <a:schemeClr val="accent1"/>
+          </a:lnRef>
+          <a:fillRef idx="3">
+            <a:schemeClr val="accent1"/>
+          </a:fillRef>
+          <a:effectRef idx="2">
+            <a:schemeClr val="accent1"/>
+          </a:effectRef>
+          <a:fontRef idx="minor">
+            <a:schemeClr val="lt1"/>
+          </a:fontRef>
+        </p:style>
+        <p:txBody>
+          <a:bodyPr rtlCol="0" anchor="ctr"/>
+          <a:lstStyle/>
+          <a:p>
+            <a:pPr algn="ctr"/>
+            <a:endParaRPr lang="en-US"/>
+          </a:p>
+        </p:txBody>
+      </p:sp>
+      <p:sp>
+        <p:nvSpPr>
           <p:cNvPr id="2" name="Title 1">
             <a:extLst>
               <a:ext uri="{FF2B5EF4-FFF2-40B4-BE49-F238E27FC236}">
-                <a16:creationId xmlns:a16="http://schemas.microsoft.com/office/drawing/2014/main" id="{79CC62BF-2438-51D4-75D6-036A1E43A1C3}"/>
+                <a16:creationId xmlns:a16="http://schemas.microsoft.com/office/drawing/2014/main" id="{E9533C74-26F7-7CDD-26FA-EAB04FFEBBBD}"/>
               </a:ext>
             </a:extLst>
           </p:cNvPr>
@@ -38027,34 +37650,90 @@
             <p:ph type="title"/>
           </p:nvPr>
         </p:nvSpPr>
-        <p:spPr/>
+        <p:spPr>
+          <a:xfrm>
+            <a:off x="0" y="0"/>
+            <a:ext cx="12188825" cy="923636"/>
+          </a:xfrm>
+        </p:spPr>
         <p:txBody>
           <a:bodyPr>
-            <a:normAutofit fontScale="90000"/>
+            <a:normAutofit/>
           </a:bodyPr>
           <a:lstStyle/>
           <a:p>
+            <a:pPr algn="l">
+              <a:defRPr sz="4000" b="1">
+                <a:solidFill>
+                  <a:srgbClr val="FDB913"/>
+                </a:solidFill>
+                <a:latin typeface="Garamond"/>
+              </a:defRPr>
+            </a:pPr>
             <a:r>
-              <a:rPr lang="en-US">
+              <a:rPr lang="en-US" sz="4000" dirty="0">
                 <a:solidFill>
-                  <a:srgbClr val="000000">
-                    <a:alpha val="0"/>
-                  </a:srgbClr>
+                  <a:schemeClr val="bg1"/>
                 </a:solidFill>
               </a:rPr>
-              <a:t>Poll Everywhere multiple choice poll instructions screen
-Activity Title: Suppose that a consumer's preference relation is non-transitive. Can we find a utility function representation of this consumer's preference relation?
-Slide 8</a:t>
+              <a:t>  Constructing a Utility Function</a:t>
             </a:r>
           </a:p>
         </p:txBody>
       </p:sp>
       <p:sp>
         <p:nvSpPr>
-          <p:cNvPr id="3" name="Footer Placeholder 2" descr="Poll Everywhere multiple choice poll instructions screen&#10;Activity Title: Suppose that a consumer's preference relation is non-transitive. Can we find a utility function representation of this consumer's preference relation?">
+          <p:cNvPr id="5" name="Rectangle 4">
             <a:extLst>
               <a:ext uri="{FF2B5EF4-FFF2-40B4-BE49-F238E27FC236}">
-                <a16:creationId xmlns:a16="http://schemas.microsoft.com/office/drawing/2014/main" id="{C29EB00E-712B-7501-CA01-23D30F319281}"/>
+                <a16:creationId xmlns:a16="http://schemas.microsoft.com/office/drawing/2014/main" id="{4DB585D6-D63B-E9D0-A7AA-4E552DE243C9}"/>
+              </a:ext>
+            </a:extLst>
+          </p:cNvPr>
+          <p:cNvSpPr/>
+          <p:nvPr/>
+        </p:nvSpPr>
+        <p:spPr>
+          <a:xfrm>
+            <a:off x="-1" y="6503428"/>
+            <a:ext cx="12188825" cy="354572"/>
+          </a:xfrm>
+          <a:prstGeom prst="rect">
+            <a:avLst/>
+          </a:prstGeom>
+          <a:solidFill>
+            <a:srgbClr val="77122C"/>
+          </a:solidFill>
+        </p:spPr>
+        <p:style>
+          <a:lnRef idx="1">
+            <a:schemeClr val="accent1"/>
+          </a:lnRef>
+          <a:fillRef idx="3">
+            <a:schemeClr val="accent1"/>
+          </a:fillRef>
+          <a:effectRef idx="2">
+            <a:schemeClr val="accent1"/>
+          </a:effectRef>
+          <a:fontRef idx="minor">
+            <a:schemeClr val="lt1"/>
+          </a:fontRef>
+        </p:style>
+        <p:txBody>
+          <a:bodyPr rtlCol="0" anchor="ctr"/>
+          <a:lstStyle/>
+          <a:p>
+            <a:pPr algn="ctr"/>
+            <a:endParaRPr lang="en-US"/>
+          </a:p>
+        </p:txBody>
+      </p:sp>
+      <p:sp>
+        <p:nvSpPr>
+          <p:cNvPr id="6" name="Footer Placeholder 5">
+            <a:extLst>
+              <a:ext uri="{FF2B5EF4-FFF2-40B4-BE49-F238E27FC236}">
+                <a16:creationId xmlns:a16="http://schemas.microsoft.com/office/drawing/2014/main" id="{CB6D3F26-0F34-D695-955A-2204DF94C9E0}"/>
               </a:ext>
             </a:extLst>
           </p:cNvPr>
@@ -38065,24 +37744,41 @@
             <p:ph type="ftr" sz="quarter" idx="11"/>
           </p:nvPr>
         </p:nvSpPr>
-        <p:spPr/>
+        <p:spPr>
+          <a:xfrm>
+            <a:off x="-1" y="6503428"/>
+            <a:ext cx="2895600" cy="354572"/>
+          </a:xfrm>
+        </p:spPr>
         <p:txBody>
           <a:bodyPr/>
           <a:lstStyle/>
           <a:p>
+            <a:pPr algn="l"/>
             <a:r>
-              <a:rPr lang="en-US"/>
+              <a:rPr lang="en-US">
+                <a:solidFill>
+                  <a:schemeClr val="bg1"/>
+                </a:solidFill>
+                <a:latin typeface="Garamond" panose="02020404030301010803" pitchFamily="18" charset="0"/>
+              </a:rPr>
               <a:t> Intermediate Microeconomic Theory</a:t>
             </a:r>
+            <a:endParaRPr lang="en-US" dirty="0">
+              <a:solidFill>
+                <a:schemeClr val="bg1"/>
+              </a:solidFill>
+              <a:latin typeface="Garamond" panose="02020404030301010803" pitchFamily="18" charset="0"/>
+            </a:endParaRPr>
           </a:p>
         </p:txBody>
       </p:sp>
       <p:sp>
         <p:nvSpPr>
-          <p:cNvPr id="4" name="Slide Number Placeholder 3">
+          <p:cNvPr id="7" name="Slide Number Placeholder 6">
             <a:extLst>
               <a:ext uri="{FF2B5EF4-FFF2-40B4-BE49-F238E27FC236}">
-                <a16:creationId xmlns:a16="http://schemas.microsoft.com/office/drawing/2014/main" id="{1B46D2D7-E2D5-A7FE-2D74-08CFA161D3D6}"/>
+                <a16:creationId xmlns:a16="http://schemas.microsoft.com/office/drawing/2014/main" id="{87B32C08-BC4A-16B5-BFE5-80E68DB46B1C}"/>
               </a:ext>
             </a:extLst>
           </p:cNvPr>
@@ -38093,47 +37789,90 @@
             <p:ph type="sldNum" sz="quarter" idx="12"/>
           </p:nvPr>
         </p:nvSpPr>
-        <p:spPr/>
+        <p:spPr>
+          <a:xfrm>
+            <a:off x="10055225" y="6503428"/>
+            <a:ext cx="2133600" cy="354572"/>
+          </a:xfrm>
+        </p:spPr>
         <p:txBody>
           <a:bodyPr/>
           <a:lstStyle/>
           <a:p>
             <a:fld id="{C1FF6DA9-008F-8B48-92A6-B652298478BF}" type="slidenum">
-              <a:rPr lang="en-US" smtClean="0"/>
-              <a:t>8</a:t>
+              <a:rPr lang="en-US" b="1" smtClean="0">
+                <a:solidFill>
+                  <a:schemeClr val="bg1"/>
+                </a:solidFill>
+                <a:latin typeface="Garamond" panose="02020404030301010803" pitchFamily="18" charset="0"/>
+              </a:rPr>
+              <a:t>9</a:t>
             </a:fld>
-            <a:endParaRPr lang="en-US"/>
+            <a:r>
+              <a:rPr lang="en-US" b="1" dirty="0">
+                <a:solidFill>
+                  <a:schemeClr val="bg1"/>
+                </a:solidFill>
+                <a:latin typeface="Garamond" panose="02020404030301010803" pitchFamily="18" charset="0"/>
+              </a:rPr>
+              <a:t> </a:t>
+            </a:r>
           </a:p>
         </p:txBody>
       </p:sp>
       <p:pic>
         <p:nvPicPr>
-          <p:cNvPr id="6" name="Picture 5">
+          <p:cNvPr id="9" name="Picture 8">
             <a:extLst>
               <a:ext uri="{FF2B5EF4-FFF2-40B4-BE49-F238E27FC236}">
-                <a16:creationId xmlns:a16="http://schemas.microsoft.com/office/drawing/2014/main" id="{C89992B6-48E8-3EE1-B622-FE7D49175A59}"/>
+                <a16:creationId xmlns:a16="http://schemas.microsoft.com/office/drawing/2014/main" id="{781A57C7-FFA8-7E28-D8FD-E4B2A2117826}"/>
               </a:ext>
             </a:extLst>
           </p:cNvPr>
           <p:cNvPicPr>
-            <a:picLocks/>
+            <a:picLocks noChangeAspect="1"/>
           </p:cNvPicPr>
-          <p:nvPr>
-            <p:custDataLst>
-              <p:tags r:id="rId1"/>
-            </p:custDataLst>
-          </p:nvPr>
+          <p:nvPr/>
         </p:nvPicPr>
         <p:blipFill>
-          <a:blip r:embed="rId4"/>
+          <a:blip r:embed="rId2"/>
+          <a:srcRect/>
+          <a:stretch/>
+        </p:blipFill>
+        <p:spPr>
+          <a:xfrm>
+            <a:off x="457199" y="1427532"/>
+            <a:ext cx="4572000" cy="4572000"/>
+          </a:xfrm>
+          <a:prstGeom prst="rect">
+            <a:avLst/>
+          </a:prstGeom>
+        </p:spPr>
+      </p:pic>
+      <p:pic>
+        <p:nvPicPr>
+          <p:cNvPr id="10" name="Picture 9">
+            <a:extLst>
+              <a:ext uri="{FF2B5EF4-FFF2-40B4-BE49-F238E27FC236}">
+                <a16:creationId xmlns:a16="http://schemas.microsoft.com/office/drawing/2014/main" id="{34A90EB3-FCB6-6D8B-CF31-DF328C8566F0}"/>
+              </a:ext>
+            </a:extLst>
+          </p:cNvPr>
+          <p:cNvPicPr>
+            <a:picLocks noChangeAspect="1"/>
+          </p:cNvPicPr>
+          <p:nvPr/>
+        </p:nvPicPr>
+        <p:blipFill>
+          <a:blip r:embed="rId3"/>
           <a:stretch>
             <a:fillRect/>
           </a:stretch>
         </p:blipFill>
         <p:spPr>
           <a:xfrm>
-            <a:off x="190500" y="190500"/>
-            <a:ext cx="11798300" cy="6477000"/>
+            <a:off x="457199" y="1427532"/>
+            <a:ext cx="4572000" cy="4572000"/>
           </a:xfrm>
           <a:prstGeom prst="rect">
             <a:avLst/>
@@ -38143,184 +37882,433 @@
     </p:spTree>
     <p:extLst>
       <p:ext uri="{BB962C8B-B14F-4D97-AF65-F5344CB8AC3E}">
-        <p14:creationId xmlns:p14="http://schemas.microsoft.com/office/powerpoint/2010/main" val="1846759391"/>
+        <p14:creationId xmlns:p14="http://schemas.microsoft.com/office/powerpoint/2010/main" val="3449665975"/>
       </p:ext>
     </p:extLst>
   </p:cSld>
   <p:clrMapOvr>
     <a:masterClrMapping/>
   </p:clrMapOvr>
-</p:sld>
-</file>
-
-<file path=ppt/slides/slide9.xml><?xml version="1.0" encoding="utf-8"?>
-<p:sld xmlns:a="http://schemas.openxmlformats.org/drawingml/2006/main" xmlns:r="http://schemas.openxmlformats.org/officeDocument/2006/relationships" xmlns:p="http://schemas.openxmlformats.org/presentationml/2006/main">
-  <p:cSld>
-    <p:spTree>
-      <p:nvGrpSpPr>
-        <p:cNvPr id="1" name=""/>
-        <p:cNvGrpSpPr/>
-        <p:nvPr/>
-      </p:nvGrpSpPr>
-      <p:grpSpPr>
-        <a:xfrm>
-          <a:off x="0" y="0"/>
-          <a:ext cx="0" cy="0"/>
-          <a:chOff x="0" y="0"/>
-          <a:chExt cx="0" cy="0"/>
-        </a:xfrm>
-      </p:grpSpPr>
-      <p:sp>
-        <p:nvSpPr>
-          <p:cNvPr id="2" name="Title 1">
-            <a:extLst>
-              <a:ext uri="{FF2B5EF4-FFF2-40B4-BE49-F238E27FC236}">
-                <a16:creationId xmlns:a16="http://schemas.microsoft.com/office/drawing/2014/main" id="{50633B8E-0077-3FB7-1A14-FEC698FCFD08}"/>
-              </a:ext>
-            </a:extLst>
-          </p:cNvPr>
-          <p:cNvSpPr>
-            <a:spLocks noGrp="1"/>
-          </p:cNvSpPr>
-          <p:nvPr>
-            <p:ph type="title"/>
-          </p:nvPr>
-        </p:nvSpPr>
-        <p:spPr/>
-        <p:txBody>
-          <a:bodyPr>
-            <a:normAutofit fontScale="90000"/>
-          </a:bodyPr>
-          <a:lstStyle/>
-          <a:p>
-            <a:r>
-              <a:rPr lang="en-US">
-                <a:solidFill>
-                  <a:srgbClr val="000000">
-                    <a:alpha val="0"/>
-                  </a:srgbClr>
-                </a:solidFill>
-              </a:rPr>
-              <a:t>Poll Everywhere multiple choice poll chart screen
-Activity Title: Suppose that a consumer's preference relation is non-transitive. Can we find a utility function representation of this consumer's preference relation?
-Slide 10</a:t>
-            </a:r>
-          </a:p>
-        </p:txBody>
-      </p:sp>
-      <p:sp>
-        <p:nvSpPr>
-          <p:cNvPr id="3" name="Footer Placeholder 2" descr="Poll Everywhere multiple choice poll chart screen&#10;Activity Title: Suppose that a consumer's preference relation is non-transitive. Can we find a utility function representation of this consumer's preference relation?">
-            <a:extLst>
-              <a:ext uri="{FF2B5EF4-FFF2-40B4-BE49-F238E27FC236}">
-                <a16:creationId xmlns:a16="http://schemas.microsoft.com/office/drawing/2014/main" id="{5C0A1DDA-75E8-91E0-A4D8-4C9C0D11244E}"/>
-              </a:ext>
-            </a:extLst>
-          </p:cNvPr>
-          <p:cNvSpPr>
-            <a:spLocks noGrp="1"/>
-          </p:cNvSpPr>
-          <p:nvPr>
-            <p:ph type="ftr" sz="quarter" idx="11"/>
-          </p:nvPr>
-        </p:nvSpPr>
-        <p:spPr/>
-        <p:txBody>
-          <a:bodyPr/>
-          <a:lstStyle/>
-          <a:p>
-            <a:r>
-              <a:rPr lang="en-US"/>
-              <a:t> Intermediate Microeconomic Theory</a:t>
-            </a:r>
-          </a:p>
-        </p:txBody>
-      </p:sp>
-      <p:sp>
-        <p:nvSpPr>
-          <p:cNvPr id="4" name="Slide Number Placeholder 3">
-            <a:extLst>
-              <a:ext uri="{FF2B5EF4-FFF2-40B4-BE49-F238E27FC236}">
-                <a16:creationId xmlns:a16="http://schemas.microsoft.com/office/drawing/2014/main" id="{8D2D2694-1B67-10A1-2668-7A127EA001CF}"/>
-              </a:ext>
-            </a:extLst>
-          </p:cNvPr>
-          <p:cNvSpPr>
-            <a:spLocks noGrp="1"/>
-          </p:cNvSpPr>
-          <p:nvPr>
-            <p:ph type="sldNum" sz="quarter" idx="12"/>
-          </p:nvPr>
-        </p:nvSpPr>
-        <p:spPr/>
-        <p:txBody>
-          <a:bodyPr/>
-          <a:lstStyle/>
-          <a:p>
-            <a:fld id="{C1FF6DA9-008F-8B48-92A6-B652298478BF}" type="slidenum">
-              <a:rPr lang="en-US" smtClean="0"/>
-              <a:t>9</a:t>
-            </a:fld>
-            <a:endParaRPr lang="en-US"/>
-          </a:p>
-        </p:txBody>
-      </p:sp>
-      <p:pic>
-        <p:nvPicPr>
-          <p:cNvPr id="6" name="Picture 5">
-            <a:extLst>
-              <a:ext uri="{FF2B5EF4-FFF2-40B4-BE49-F238E27FC236}">
-                <a16:creationId xmlns:a16="http://schemas.microsoft.com/office/drawing/2014/main" id="{4F05DFDB-A588-2324-29F5-F1D315C6CE6E}"/>
-              </a:ext>
-            </a:extLst>
-          </p:cNvPr>
-          <p:cNvPicPr>
-            <a:picLocks/>
-          </p:cNvPicPr>
-          <p:nvPr>
-            <p:custDataLst>
-              <p:tags r:id="rId1"/>
-            </p:custDataLst>
-          </p:nvPr>
-        </p:nvPicPr>
-        <p:blipFill>
-          <a:blip r:embed="rId4"/>
-          <a:stretch>
-            <a:fillRect/>
-          </a:stretch>
-        </p:blipFill>
-        <p:spPr>
-          <a:xfrm>
-            <a:off x="190500" y="190500"/>
-            <a:ext cx="11798300" cy="6477000"/>
-          </a:xfrm>
-          <a:prstGeom prst="rect">
-            <a:avLst/>
-          </a:prstGeom>
-        </p:spPr>
-      </p:pic>
-    </p:spTree>
-    <p:extLst>
-      <p:ext uri="{BB962C8B-B14F-4D97-AF65-F5344CB8AC3E}">
-        <p14:creationId xmlns:p14="http://schemas.microsoft.com/office/powerpoint/2010/main" val="2677360801"/>
-      </p:ext>
-    </p:extLst>
-  </p:cSld>
-  <p:clrMapOvr>
-    <a:masterClrMapping/>
-  </p:clrMapOvr>
+  <p:timing>
+    <p:tnLst>
+      <p:par>
+        <p:cTn id="1" dur="indefinite" restart="never" nodeType="tmRoot">
+          <p:childTnLst>
+            <p:seq concurrent="1" nextAc="seek">
+              <p:cTn id="2" dur="indefinite" nodeType="mainSeq">
+                <p:childTnLst>
+                  <p:par>
+                    <p:cTn id="3" fill="hold">
+                      <p:stCondLst>
+                        <p:cond delay="indefinite"/>
+                        <p:cond evt="onBegin" delay="0">
+                          <p:tn val="2"/>
+                        </p:cond>
+                      </p:stCondLst>
+                      <p:childTnLst>
+                        <p:par>
+                          <p:cTn id="4" fill="hold">
+                            <p:stCondLst>
+                              <p:cond delay="0"/>
+                            </p:stCondLst>
+                            <p:childTnLst>
+                              <p:par>
+                                <p:cTn id="5" presetID="10" presetClass="entr" presetSubtype="0" fill="hold" nodeType="withEffect">
+                                  <p:stCondLst>
+                                    <p:cond delay="0"/>
+                                  </p:stCondLst>
+                                  <p:childTnLst>
+                                    <p:set>
+                                      <p:cBhvr>
+                                        <p:cTn id="6" dur="1" fill="hold">
+                                          <p:stCondLst>
+                                            <p:cond delay="0"/>
+                                          </p:stCondLst>
+                                        </p:cTn>
+                                        <p:tgtEl>
+                                          <p:spTgt spid="3">
+                                            <p:txEl>
+                                              <p:pRg st="0" end="0"/>
+                                            </p:txEl>
+                                          </p:spTgt>
+                                        </p:tgtEl>
+                                        <p:attrNameLst>
+                                          <p:attrName>style.visibility</p:attrName>
+                                        </p:attrNameLst>
+                                      </p:cBhvr>
+                                      <p:to>
+                                        <p:strVal val="visible"/>
+                                      </p:to>
+                                    </p:set>
+                                    <p:animEffect transition="in" filter="fade">
+                                      <p:cBhvr>
+                                        <p:cTn id="7" dur="500"/>
+                                        <p:tgtEl>
+                                          <p:spTgt spid="3">
+                                            <p:txEl>
+                                              <p:pRg st="0" end="0"/>
+                                            </p:txEl>
+                                          </p:spTgt>
+                                        </p:tgtEl>
+                                      </p:cBhvr>
+                                    </p:animEffect>
+                                  </p:childTnLst>
+                                </p:cTn>
+                              </p:par>
+                              <p:par>
+                                <p:cTn id="8" presetID="10" presetClass="entr" presetSubtype="0" fill="hold" nodeType="withEffect">
+                                  <p:stCondLst>
+                                    <p:cond delay="0"/>
+                                  </p:stCondLst>
+                                  <p:childTnLst>
+                                    <p:set>
+                                      <p:cBhvr>
+                                        <p:cTn id="9" dur="1" fill="hold">
+                                          <p:stCondLst>
+                                            <p:cond delay="0"/>
+                                          </p:stCondLst>
+                                        </p:cTn>
+                                        <p:tgtEl>
+                                          <p:spTgt spid="9"/>
+                                        </p:tgtEl>
+                                        <p:attrNameLst>
+                                          <p:attrName>style.visibility</p:attrName>
+                                        </p:attrNameLst>
+                                      </p:cBhvr>
+                                      <p:to>
+                                        <p:strVal val="visible"/>
+                                      </p:to>
+                                    </p:set>
+                                    <p:animEffect transition="in" filter="fade">
+                                      <p:cBhvr>
+                                        <p:cTn id="10" dur="500"/>
+                                        <p:tgtEl>
+                                          <p:spTgt spid="9"/>
+                                        </p:tgtEl>
+                                      </p:cBhvr>
+                                    </p:animEffect>
+                                  </p:childTnLst>
+                                </p:cTn>
+                              </p:par>
+                            </p:childTnLst>
+                          </p:cTn>
+                        </p:par>
+                      </p:childTnLst>
+                    </p:cTn>
+                  </p:par>
+                  <p:par>
+                    <p:cTn id="11" fill="hold">
+                      <p:stCondLst>
+                        <p:cond delay="indefinite"/>
+                      </p:stCondLst>
+                      <p:childTnLst>
+                        <p:par>
+                          <p:cTn id="12" fill="hold">
+                            <p:stCondLst>
+                              <p:cond delay="0"/>
+                            </p:stCondLst>
+                            <p:childTnLst>
+                              <p:par>
+                                <p:cTn id="13" presetID="10" presetClass="entr" presetSubtype="0" fill="hold" nodeType="clickEffect">
+                                  <p:stCondLst>
+                                    <p:cond delay="0"/>
+                                  </p:stCondLst>
+                                  <p:childTnLst>
+                                    <p:set>
+                                      <p:cBhvr>
+                                        <p:cTn id="14" dur="1" fill="hold">
+                                          <p:stCondLst>
+                                            <p:cond delay="0"/>
+                                          </p:stCondLst>
+                                        </p:cTn>
+                                        <p:tgtEl>
+                                          <p:spTgt spid="3">
+                                            <p:txEl>
+                                              <p:pRg st="1" end="1"/>
+                                            </p:txEl>
+                                          </p:spTgt>
+                                        </p:tgtEl>
+                                        <p:attrNameLst>
+                                          <p:attrName>style.visibility</p:attrName>
+                                        </p:attrNameLst>
+                                      </p:cBhvr>
+                                      <p:to>
+                                        <p:strVal val="visible"/>
+                                      </p:to>
+                                    </p:set>
+                                    <p:animEffect transition="in" filter="fade">
+                                      <p:cBhvr>
+                                        <p:cTn id="15" dur="500"/>
+                                        <p:tgtEl>
+                                          <p:spTgt spid="3">
+                                            <p:txEl>
+                                              <p:pRg st="1" end="1"/>
+                                            </p:txEl>
+                                          </p:spTgt>
+                                        </p:tgtEl>
+                                      </p:cBhvr>
+                                    </p:animEffect>
+                                  </p:childTnLst>
+                                </p:cTn>
+                              </p:par>
+                            </p:childTnLst>
+                          </p:cTn>
+                        </p:par>
+                      </p:childTnLst>
+                    </p:cTn>
+                  </p:par>
+                  <p:par>
+                    <p:cTn id="16" fill="hold">
+                      <p:stCondLst>
+                        <p:cond delay="indefinite"/>
+                      </p:stCondLst>
+                      <p:childTnLst>
+                        <p:par>
+                          <p:cTn id="17" fill="hold">
+                            <p:stCondLst>
+                              <p:cond delay="0"/>
+                            </p:stCondLst>
+                            <p:childTnLst>
+                              <p:par>
+                                <p:cTn id="18" presetID="10" presetClass="entr" presetSubtype="0" fill="hold" nodeType="clickEffect">
+                                  <p:stCondLst>
+                                    <p:cond delay="0"/>
+                                  </p:stCondLst>
+                                  <p:childTnLst>
+                                    <p:set>
+                                      <p:cBhvr>
+                                        <p:cTn id="19" dur="1" fill="hold">
+                                          <p:stCondLst>
+                                            <p:cond delay="0"/>
+                                          </p:stCondLst>
+                                        </p:cTn>
+                                        <p:tgtEl>
+                                          <p:spTgt spid="3">
+                                            <p:txEl>
+                                              <p:pRg st="2" end="2"/>
+                                            </p:txEl>
+                                          </p:spTgt>
+                                        </p:tgtEl>
+                                        <p:attrNameLst>
+                                          <p:attrName>style.visibility</p:attrName>
+                                        </p:attrNameLst>
+                                      </p:cBhvr>
+                                      <p:to>
+                                        <p:strVal val="visible"/>
+                                      </p:to>
+                                    </p:set>
+                                    <p:animEffect transition="in" filter="fade">
+                                      <p:cBhvr>
+                                        <p:cTn id="20" dur="500"/>
+                                        <p:tgtEl>
+                                          <p:spTgt spid="3">
+                                            <p:txEl>
+                                              <p:pRg st="2" end="2"/>
+                                            </p:txEl>
+                                          </p:spTgt>
+                                        </p:tgtEl>
+                                      </p:cBhvr>
+                                    </p:animEffect>
+                                  </p:childTnLst>
+                                </p:cTn>
+                              </p:par>
+                            </p:childTnLst>
+                          </p:cTn>
+                        </p:par>
+                      </p:childTnLst>
+                    </p:cTn>
+                  </p:par>
+                  <p:par>
+                    <p:cTn id="21" fill="hold">
+                      <p:stCondLst>
+                        <p:cond delay="indefinite"/>
+                      </p:stCondLst>
+                      <p:childTnLst>
+                        <p:par>
+                          <p:cTn id="22" fill="hold">
+                            <p:stCondLst>
+                              <p:cond delay="0"/>
+                            </p:stCondLst>
+                            <p:childTnLst>
+                              <p:par>
+                                <p:cTn id="23" presetID="10" presetClass="entr" presetSubtype="0" fill="hold" nodeType="clickEffect">
+                                  <p:stCondLst>
+                                    <p:cond delay="0"/>
+                                  </p:stCondLst>
+                                  <p:childTnLst>
+                                    <p:set>
+                                      <p:cBhvr>
+                                        <p:cTn id="24" dur="1" fill="hold">
+                                          <p:stCondLst>
+                                            <p:cond delay="0"/>
+                                          </p:stCondLst>
+                                        </p:cTn>
+                                        <p:tgtEl>
+                                          <p:spTgt spid="3">
+                                            <p:txEl>
+                                              <p:pRg st="3" end="3"/>
+                                            </p:txEl>
+                                          </p:spTgt>
+                                        </p:tgtEl>
+                                        <p:attrNameLst>
+                                          <p:attrName>style.visibility</p:attrName>
+                                        </p:attrNameLst>
+                                      </p:cBhvr>
+                                      <p:to>
+                                        <p:strVal val="visible"/>
+                                      </p:to>
+                                    </p:set>
+                                    <p:animEffect transition="in" filter="fade">
+                                      <p:cBhvr>
+                                        <p:cTn id="25" dur="500"/>
+                                        <p:tgtEl>
+                                          <p:spTgt spid="3">
+                                            <p:txEl>
+                                              <p:pRg st="3" end="3"/>
+                                            </p:txEl>
+                                          </p:spTgt>
+                                        </p:tgtEl>
+                                      </p:cBhvr>
+                                    </p:animEffect>
+                                  </p:childTnLst>
+                                </p:cTn>
+                              </p:par>
+                              <p:par>
+                                <p:cTn id="26" presetID="10" presetClass="entr" presetSubtype="0" fill="hold" nodeType="withEffect">
+                                  <p:stCondLst>
+                                    <p:cond delay="0"/>
+                                  </p:stCondLst>
+                                  <p:childTnLst>
+                                    <p:set>
+                                      <p:cBhvr>
+                                        <p:cTn id="27" dur="1" fill="hold">
+                                          <p:stCondLst>
+                                            <p:cond delay="0"/>
+                                          </p:stCondLst>
+                                        </p:cTn>
+                                        <p:tgtEl>
+                                          <p:spTgt spid="10"/>
+                                        </p:tgtEl>
+                                        <p:attrNameLst>
+                                          <p:attrName>style.visibility</p:attrName>
+                                        </p:attrNameLst>
+                                      </p:cBhvr>
+                                      <p:to>
+                                        <p:strVal val="visible"/>
+                                      </p:to>
+                                    </p:set>
+                                    <p:animEffect transition="in" filter="fade">
+                                      <p:cBhvr>
+                                        <p:cTn id="28" dur="500"/>
+                                        <p:tgtEl>
+                                          <p:spTgt spid="10"/>
+                                        </p:tgtEl>
+                                      </p:cBhvr>
+                                    </p:animEffect>
+                                  </p:childTnLst>
+                                </p:cTn>
+                              </p:par>
+                            </p:childTnLst>
+                          </p:cTn>
+                        </p:par>
+                      </p:childTnLst>
+                    </p:cTn>
+                  </p:par>
+                  <p:par>
+                    <p:cTn id="29" fill="hold">
+                      <p:stCondLst>
+                        <p:cond delay="indefinite"/>
+                      </p:stCondLst>
+                      <p:childTnLst>
+                        <p:par>
+                          <p:cTn id="30" fill="hold">
+                            <p:stCondLst>
+                              <p:cond delay="0"/>
+                            </p:stCondLst>
+                            <p:childTnLst>
+                              <p:par>
+                                <p:cTn id="31" presetID="10" presetClass="entr" presetSubtype="0" fill="hold" nodeType="clickEffect">
+                                  <p:stCondLst>
+                                    <p:cond delay="0"/>
+                                  </p:stCondLst>
+                                  <p:childTnLst>
+                                    <p:set>
+                                      <p:cBhvr>
+                                        <p:cTn id="32" dur="1" fill="hold">
+                                          <p:stCondLst>
+                                            <p:cond delay="0"/>
+                                          </p:stCondLst>
+                                        </p:cTn>
+                                        <p:tgtEl>
+                                          <p:spTgt spid="3">
+                                            <p:txEl>
+                                              <p:pRg st="5" end="5"/>
+                                            </p:txEl>
+                                          </p:spTgt>
+                                        </p:tgtEl>
+                                        <p:attrNameLst>
+                                          <p:attrName>style.visibility</p:attrName>
+                                        </p:attrNameLst>
+                                      </p:cBhvr>
+                                      <p:to>
+                                        <p:strVal val="visible"/>
+                                      </p:to>
+                                    </p:set>
+                                    <p:animEffect transition="in" filter="fade">
+                                      <p:cBhvr>
+                                        <p:cTn id="33" dur="500"/>
+                                        <p:tgtEl>
+                                          <p:spTgt spid="3">
+                                            <p:txEl>
+                                              <p:pRg st="5" end="5"/>
+                                            </p:txEl>
+                                          </p:spTgt>
+                                        </p:tgtEl>
+                                      </p:cBhvr>
+                                    </p:animEffect>
+                                  </p:childTnLst>
+                                </p:cTn>
+                              </p:par>
+                            </p:childTnLst>
+                          </p:cTn>
+                        </p:par>
+                      </p:childTnLst>
+                    </p:cTn>
+                  </p:par>
+                </p:childTnLst>
+              </p:cTn>
+              <p:prevCondLst>
+                <p:cond evt="onPrev" delay="0">
+                  <p:tgtEl>
+                    <p:sldTgt/>
+                  </p:tgtEl>
+                </p:cond>
+              </p:prevCondLst>
+              <p:nextCondLst>
+                <p:cond evt="onNext" delay="0">
+                  <p:tgtEl>
+                    <p:sldTgt/>
+                  </p:tgtEl>
+                </p:cond>
+              </p:nextCondLst>
+            </p:seq>
+          </p:childTnLst>
+        </p:cTn>
+      </p:par>
+    </p:tnLst>
+  </p:timing>
 </p:sld>
 </file>
 
 <file path=ppt/tags/tag1.xml><?xml version="1.0" encoding="utf-8"?>
 <p:tagLst xmlns:a="http://schemas.openxmlformats.org/drawingml/2006/main" xmlns:r="http://schemas.openxmlformats.org/officeDocument/2006/relationships" xmlns:p="http://schemas.openxmlformats.org/presentationml/2006/main">
-  <p:tag name="__PE_POLL_EMBED_ID" val="b989853c-3f2c-49bb-890a-64c495792032"/>
+  <p:tag name="__PE_POLL_EMBED_ID" val="94abdb57-f874-4894-9952-e1f1108a4ee8"/>
 </p:tagLst>
 </file>
 
 <file path=ppt/tags/tag2.xml><?xml version="1.0" encoding="utf-8"?>
 <p:tagLst xmlns:a="http://schemas.openxmlformats.org/drawingml/2006/main" xmlns:r="http://schemas.openxmlformats.org/officeDocument/2006/relationships" xmlns:p="http://schemas.openxmlformats.org/presentationml/2006/main">
-  <p:tag name="__PE_POLL_EMBED_ID" val="2a81faa6-13c1-4e83-9830-f4ef001faae8"/>
+  <p:tag name="__PE_POLL_EMBED_ID" val="99880e5f-75ca-4ab8-82b0-84c9ca2b9df9"/>
 </p:tagLst>
 </file>
 
